--- a/_DOCUMENTATION/05_Poster/kort-Poster.pptx
+++ b/_DOCUMENTATION/05_Poster/kort-Poster.pptx
@@ -4560,6 +4560,52 @@
       </p:grpSpPr>
       <p:sp>
         <p:nvSpPr>
+          <p:cNvPr id="15" name="Rechteck 14"/>
+          <p:cNvSpPr/>
+          <p:nvPr/>
+        </p:nvSpPr>
+        <p:spPr>
+          <a:xfrm>
+            <a:off x="25940892" y="6354768"/>
+            <a:ext cx="14834060" cy="8065119"/>
+          </a:xfrm>
+          <a:prstGeom prst="rect">
+            <a:avLst/>
+          </a:prstGeom>
+          <a:noFill/>
+          <a:ln w="76200">
+            <a:solidFill>
+              <a:schemeClr val="tx1"/>
+            </a:solidFill>
+          </a:ln>
+        </p:spPr>
+        <p:style>
+          <a:lnRef idx="2">
+            <a:schemeClr val="accent1">
+              <a:shade val="50000"/>
+            </a:schemeClr>
+          </a:lnRef>
+          <a:fillRef idx="1">
+            <a:schemeClr val="accent1"/>
+          </a:fillRef>
+          <a:effectRef idx="0">
+            <a:schemeClr val="accent1"/>
+          </a:effectRef>
+          <a:fontRef idx="minor">
+            <a:schemeClr val="lt1"/>
+          </a:fontRef>
+        </p:style>
+        <p:txBody>
+          <a:bodyPr rtlCol="0" anchor="ctr"/>
+          <a:lstStyle/>
+          <a:p>
+            <a:pPr algn="ctr"/>
+            <a:endParaRPr lang="de-CH"/>
+          </a:p>
+        </p:txBody>
+      </p:sp>
+      <p:sp>
+        <p:nvSpPr>
           <p:cNvPr id="2051" name="Text Box 10"/>
           <p:cNvSpPr txBox="1">
             <a:spLocks noChangeArrowheads="1"/>
@@ -5162,1531 +5208,6 @@
       </p:graphicFrame>
       <p:graphicFrame>
         <p:nvGraphicFramePr>
-          <p:cNvPr id="42" name="Tabelle 41"/>
-          <p:cNvGraphicFramePr>
-            <a:graphicFrameLocks noGrp="1"/>
-          </p:cNvGraphicFramePr>
-          <p:nvPr>
-            <p:extLst>
-              <p:ext uri="{D42A27DB-BD31-4B8C-83A1-F6EECF244321}">
-                <p14:modId xmlns:p14="http://schemas.microsoft.com/office/powerpoint/2010/main" val="2827287010"/>
-              </p:ext>
-            </p:extLst>
-          </p:nvPr>
-        </p:nvGraphicFramePr>
-        <p:xfrm>
-          <a:off x="22276942" y="17977419"/>
-          <a:ext cx="18975944" cy="10986000"/>
-        </p:xfrm>
-        <a:graphic>
-          <a:graphicData uri="http://schemas.openxmlformats.org/drawingml/2006/table">
-            <a:tbl>
-              <a:tblPr firstRow="1" bandRow="1">
-                <a:effectLst>
-                  <a:outerShdw blurRad="50800" dist="38100" dir="2700000" algn="tl" rotWithShape="0">
-                    <a:prstClr val="black">
-                      <a:alpha val="40000"/>
-                    </a:prstClr>
-                  </a:outerShdw>
-                </a:effectLst>
-                <a:tableStyleId>{0660B408-B3CF-4A94-85FC-2B1E0A45F4A2}</a:tableStyleId>
-              </a:tblPr>
-              <a:tblGrid>
-                <a:gridCol w="17849920"/>
-                <a:gridCol w="1126024"/>
-              </a:tblGrid>
-              <a:tr h="712086">
-                <a:tc gridSpan="2">
-                  <a:txBody>
-                    <a:bodyPr/>
-                    <a:lstStyle/>
-                    <a:p>
-                      <a:pPr algn="r"/>
-                      <a:r>
-                        <a:rPr lang="de-CH" sz="5000" dirty="0" err="1" smtClean="0">
-                          <a:effectLst>
-                            <a:outerShdw blurRad="50800" dist="38100" dir="2700000" algn="tl" rotWithShape="0">
-                              <a:prstClr val="black">
-                                <a:alpha val="40000"/>
-                              </a:prstClr>
-                            </a:outerShdw>
-                          </a:effectLst>
-                          <a:latin typeface="Calibri" pitchFamily="34" charset="0"/>
-                          <a:cs typeface="Calibri" pitchFamily="34" charset="0"/>
-                        </a:rPr>
-                        <a:t>Use</a:t>
-                      </a:r>
-                      <a:r>
-                        <a:rPr lang="de-CH" sz="5000" dirty="0" smtClean="0">
-                          <a:effectLst>
-                            <a:outerShdw blurRad="50800" dist="38100" dir="2700000" algn="tl" rotWithShape="0">
-                              <a:prstClr val="black">
-                                <a:alpha val="40000"/>
-                              </a:prstClr>
-                            </a:outerShdw>
-                          </a:effectLst>
-                          <a:latin typeface="Calibri" pitchFamily="34" charset="0"/>
-                          <a:cs typeface="Calibri" pitchFamily="34" charset="0"/>
-                        </a:rPr>
-                        <a:t> Case 2: </a:t>
-                      </a:r>
-                      <a:r>
-                        <a:rPr lang="de-CH" sz="5000" dirty="0" err="1" smtClean="0">
-                          <a:effectLst>
-                            <a:outerShdw blurRad="50800" dist="38100" dir="2700000" algn="tl" rotWithShape="0">
-                              <a:prstClr val="black">
-                                <a:alpha val="40000"/>
-                              </a:prstClr>
-                            </a:outerShdw>
-                          </a:effectLst>
-                          <a:latin typeface="Calibri" pitchFamily="34" charset="0"/>
-                          <a:cs typeface="Calibri" pitchFamily="34" charset="0"/>
-                        </a:rPr>
-                        <a:t>FixMyStreet</a:t>
-                      </a:r>
-                      <a:endParaRPr lang="de-CH" sz="5000" dirty="0" smtClean="0">
-                        <a:effectLst>
-                          <a:outerShdw blurRad="50800" dist="38100" dir="2700000" algn="tl" rotWithShape="0">
-                            <a:prstClr val="black">
-                              <a:alpha val="40000"/>
-                            </a:prstClr>
-                          </a:outerShdw>
-                        </a:effectLst>
-                        <a:latin typeface="Calibri" pitchFamily="34" charset="0"/>
-                        <a:cs typeface="Calibri" pitchFamily="34" charset="0"/>
-                      </a:endParaRPr>
-                    </a:p>
-                  </a:txBody>
-                  <a:tcPr marL="360000" marR="360000" marT="180000" marB="180000"/>
-                </a:tc>
-                <a:tc hMerge="1">
-                  <a:txBody>
-                    <a:bodyPr/>
-                    <a:lstStyle/>
-                    <a:p>
-                      <a:endParaRPr lang="de-CH" sz="5000" dirty="0"/>
-                    </a:p>
-                  </a:txBody>
-                  <a:tcPr marL="360000" marR="360000" marT="180000" marB="180000"/>
-                </a:tc>
-              </a:tr>
-              <a:tr h="770119">
-                <a:tc>
-                  <a:txBody>
-                    <a:bodyPr/>
-                    <a:lstStyle/>
-                    <a:p>
-                      <a:pPr marL="0" marR="0" indent="0" algn="r" defTabSz="4176431" rtl="0" eaLnBrk="1" fontAlgn="auto" latinLnBrk="0" hangingPunct="1">
-                        <a:lnSpc>
-                          <a:spcPct val="100000"/>
-                        </a:lnSpc>
-                        <a:spcBef>
-                          <a:spcPts val="0"/>
-                        </a:spcBef>
-                        <a:spcAft>
-                          <a:spcPts val="0"/>
-                        </a:spcAft>
-                        <a:buClrTx/>
-                        <a:buSzTx/>
-                        <a:buFontTx/>
-                        <a:buNone/>
-                        <a:tabLst/>
-                        <a:defRPr/>
-                      </a:pPr>
-                      <a:r>
-                        <a:rPr lang="de-CH" sz="4800" b="1" u="sng" dirty="0" smtClean="0">
-                          <a:solidFill>
-                            <a:schemeClr val="accent2">
-                              <a:lumMod val="50000"/>
-                            </a:schemeClr>
-                          </a:solidFill>
-                          <a:latin typeface="Calibri" pitchFamily="34" charset="0"/>
-                          <a:cs typeface="Calibri" pitchFamily="34" charset="0"/>
-                        </a:rPr>
-                        <a:t>http://fixmystreet.rdmr.ch</a:t>
-                      </a:r>
-                    </a:p>
-                  </a:txBody>
-                  <a:tcPr marL="360000" marR="360000" marT="180000" marB="180000"/>
-                </a:tc>
-                <a:tc>
-                  <a:txBody>
-                    <a:bodyPr/>
-                    <a:lstStyle/>
-                    <a:p>
-                      <a:pPr>
-                        <a:tabLst>
-                          <a:tab pos="5200650" algn="l"/>
-                        </a:tabLst>
-                      </a:pPr>
-                      <a:endParaRPr lang="de-CH" sz="4800" b="1" u="sng" dirty="0" smtClean="0">
-                        <a:solidFill>
-                          <a:schemeClr val="accent2">
-                            <a:lumMod val="50000"/>
-                          </a:schemeClr>
-                        </a:solidFill>
-                        <a:latin typeface="Calibri" pitchFamily="34" charset="0"/>
-                        <a:cs typeface="Calibri" pitchFamily="34" charset="0"/>
-                      </a:endParaRPr>
-                    </a:p>
-                  </a:txBody>
-                  <a:tcPr marL="360000" marR="360000" marT="180000" marB="180000"/>
-                </a:tc>
-              </a:tr>
-              <a:tr h="5169882">
-                <a:tc gridSpan="2">
-                  <a:txBody>
-                    <a:bodyPr/>
-                    <a:lstStyle/>
-                    <a:p>
-                      <a:pPr algn="just"/>
-                      <a:r>
-                        <a:rPr lang="de-CH" sz="3200" b="1" dirty="0" smtClean="0">
-                          <a:latin typeface="Calibri" pitchFamily="34" charset="0"/>
-                          <a:cs typeface="Calibri" pitchFamily="34" charset="0"/>
-                        </a:rPr>
-                        <a:t>Einleitung</a:t>
-                      </a:r>
-                    </a:p>
-                    <a:p>
-                      <a:pPr algn="just"/>
-                      <a:r>
-                        <a:rPr lang="de-CH" sz="2800" kern="1200" dirty="0" smtClean="0">
-                          <a:solidFill>
-                            <a:schemeClr val="dk1"/>
-                          </a:solidFill>
-                          <a:effectLst/>
-                          <a:latin typeface="Calibri" pitchFamily="34" charset="0"/>
-                          <a:ea typeface="+mn-ea"/>
-                          <a:cs typeface="Calibri" pitchFamily="34" charset="0"/>
-                        </a:rPr>
-                        <a:t>Die Idee hinter </a:t>
-                      </a:r>
-                      <a:r>
-                        <a:rPr lang="de-CH" sz="2800" kern="1200" baseline="0" dirty="0" err="1" smtClean="0">
-                          <a:solidFill>
-                            <a:schemeClr val="dk1"/>
-                          </a:solidFill>
-                          <a:effectLst/>
-                          <a:latin typeface="Calibri" pitchFamily="34" charset="0"/>
-                          <a:ea typeface="+mn-ea"/>
-                          <a:cs typeface="Calibri" pitchFamily="34" charset="0"/>
-                        </a:rPr>
-                        <a:t>FixMyStreet</a:t>
-                      </a:r>
-                      <a:r>
-                        <a:rPr lang="de-CH" sz="2800" kern="1200" baseline="0" dirty="0" smtClean="0">
-                          <a:solidFill>
-                            <a:schemeClr val="dk1"/>
-                          </a:solidFill>
-                          <a:effectLst/>
-                          <a:latin typeface="Calibri" pitchFamily="34" charset="0"/>
-                          <a:ea typeface="+mn-ea"/>
-                          <a:cs typeface="Calibri" pitchFamily="34" charset="0"/>
-                        </a:rPr>
-                        <a:t> </a:t>
-                      </a:r>
-                      <a:r>
-                        <a:rPr lang="de-CH" sz="2800" kern="1200" dirty="0" smtClean="0">
-                          <a:solidFill>
-                            <a:schemeClr val="dk1"/>
-                          </a:solidFill>
-                          <a:effectLst/>
-                          <a:latin typeface="Calibri" pitchFamily="34" charset="0"/>
-                          <a:ea typeface="+mn-ea"/>
-                          <a:cs typeface="Calibri" pitchFamily="34" charset="0"/>
-                        </a:rPr>
-                        <a:t>ist so einfach wie auch genial. Man ermöglicht dem Bürger per Webseite oder App </a:t>
-                      </a:r>
-                      <a:r>
-                        <a:rPr lang="de-CH" sz="2800" b="1" kern="1200" dirty="0" smtClean="0">
-                          <a:solidFill>
-                            <a:schemeClr val="dk1"/>
-                          </a:solidFill>
-                          <a:effectLst/>
-                          <a:latin typeface="Calibri" pitchFamily="34" charset="0"/>
-                          <a:ea typeface="+mn-ea"/>
-                          <a:cs typeface="Calibri" pitchFamily="34" charset="0"/>
-                        </a:rPr>
-                        <a:t>entdeckte Defekte in seiner Umgebung </a:t>
-                      </a:r>
-                      <a:r>
-                        <a:rPr lang="de-CH" sz="2800" kern="1200" dirty="0" smtClean="0">
-                          <a:solidFill>
-                            <a:schemeClr val="dk1"/>
-                          </a:solidFill>
-                          <a:effectLst/>
-                          <a:latin typeface="Calibri" pitchFamily="34" charset="0"/>
-                          <a:ea typeface="+mn-ea"/>
-                          <a:cs typeface="Calibri" pitchFamily="34" charset="0"/>
-                        </a:rPr>
-                        <a:t>(defekte Strassenlampen, Schlaglöcher, usw.) direkt der dafür zuständigen Behörde </a:t>
-                      </a:r>
-                      <a:r>
-                        <a:rPr lang="de-CH" sz="2800" b="1" kern="1200" dirty="0" smtClean="0">
-                          <a:solidFill>
-                            <a:schemeClr val="dk1"/>
-                          </a:solidFill>
-                          <a:effectLst/>
-                          <a:latin typeface="Calibri" pitchFamily="34" charset="0"/>
-                          <a:ea typeface="+mn-ea"/>
-                          <a:cs typeface="Calibri" pitchFamily="34" charset="0"/>
-                        </a:rPr>
-                        <a:t>zu melden</a:t>
-                      </a:r>
-                      <a:r>
-                        <a:rPr lang="de-CH" sz="2800" kern="1200" dirty="0" smtClean="0">
-                          <a:solidFill>
-                            <a:schemeClr val="dk1"/>
-                          </a:solidFill>
-                          <a:effectLst/>
-                          <a:latin typeface="Calibri" pitchFamily="34" charset="0"/>
-                          <a:ea typeface="+mn-ea"/>
-                          <a:cs typeface="Calibri" pitchFamily="34" charset="0"/>
-                        </a:rPr>
-                        <a:t>. Diese kann dann die erhaltenen Meldungen überprüfen und wenn nötig beheben. So können teure Kontrollfahrten auf ein Minimum reduziert werden.</a:t>
-                      </a:r>
-                    </a:p>
-                    <a:p>
-                      <a:pPr algn="just"/>
-                      <a:endParaRPr lang="de-CH" sz="1800" dirty="0" smtClean="0">
-                        <a:latin typeface="Calibri" pitchFamily="34" charset="0"/>
-                        <a:cs typeface="Calibri" pitchFamily="34" charset="0"/>
-                      </a:endParaRPr>
-                    </a:p>
-                    <a:p>
-                      <a:pPr algn="just"/>
-                      <a:r>
-                        <a:rPr lang="de-CH" sz="3200" b="1" dirty="0" smtClean="0">
-                          <a:latin typeface="Calibri" pitchFamily="34" charset="0"/>
-                          <a:cs typeface="Calibri" pitchFamily="34" charset="0"/>
-                        </a:rPr>
-                        <a:t>Ziel</a:t>
-                      </a:r>
-                    </a:p>
-                    <a:p>
-                      <a:pPr marL="0" marR="0" indent="0" algn="just" defTabSz="4176431" rtl="0" eaLnBrk="1" fontAlgn="auto" latinLnBrk="0" hangingPunct="1">
-                        <a:lnSpc>
-                          <a:spcPct val="100000"/>
-                        </a:lnSpc>
-                        <a:spcBef>
-                          <a:spcPts val="0"/>
-                        </a:spcBef>
-                        <a:spcAft>
-                          <a:spcPts val="0"/>
-                        </a:spcAft>
-                        <a:buClrTx/>
-                        <a:buSzTx/>
-                        <a:buFontTx/>
-                        <a:buNone/>
-                        <a:tabLst/>
-                        <a:defRPr/>
-                      </a:pPr>
-                      <a:r>
-                        <a:rPr lang="de-CH" sz="2800" kern="1200" dirty="0" smtClean="0">
-                          <a:solidFill>
-                            <a:schemeClr val="dk1"/>
-                          </a:solidFill>
-                          <a:effectLst/>
-                          <a:latin typeface="Calibri" pitchFamily="34" charset="0"/>
-                          <a:ea typeface="+mn-ea"/>
-                          <a:cs typeface="Calibri" pitchFamily="34" charset="0"/>
-                        </a:rPr>
-                        <a:t>Das Ziel dieses </a:t>
-                      </a:r>
-                      <a:r>
-                        <a:rPr lang="de-CH" sz="2800" kern="1200" dirty="0" err="1" smtClean="0">
-                          <a:solidFill>
-                            <a:schemeClr val="dk1"/>
-                          </a:solidFill>
-                          <a:effectLst/>
-                          <a:latin typeface="Calibri" pitchFamily="34" charset="0"/>
-                          <a:ea typeface="+mn-ea"/>
-                          <a:cs typeface="Calibri" pitchFamily="34" charset="0"/>
-                        </a:rPr>
-                        <a:t>Use</a:t>
-                      </a:r>
-                      <a:r>
-                        <a:rPr lang="de-CH" sz="2800" kern="1200" dirty="0" smtClean="0">
-                          <a:solidFill>
-                            <a:schemeClr val="dk1"/>
-                          </a:solidFill>
-                          <a:effectLst/>
-                          <a:latin typeface="Calibri" pitchFamily="34" charset="0"/>
-                          <a:ea typeface="+mn-ea"/>
-                          <a:cs typeface="Calibri" pitchFamily="34" charset="0"/>
-                        </a:rPr>
-                        <a:t> </a:t>
-                      </a:r>
-                      <a:r>
-                        <a:rPr lang="de-CH" sz="2800" kern="1200" dirty="0" err="1" smtClean="0">
-                          <a:solidFill>
-                            <a:schemeClr val="dk1"/>
-                          </a:solidFill>
-                          <a:effectLst/>
-                          <a:latin typeface="Calibri" pitchFamily="34" charset="0"/>
-                          <a:ea typeface="+mn-ea"/>
-                          <a:cs typeface="Calibri" pitchFamily="34" charset="0"/>
-                        </a:rPr>
-                        <a:t>Cases</a:t>
-                      </a:r>
-                      <a:r>
-                        <a:rPr lang="de-CH" sz="2800" kern="1200" dirty="0" smtClean="0">
-                          <a:solidFill>
-                            <a:schemeClr val="dk1"/>
-                          </a:solidFill>
-                          <a:effectLst/>
-                          <a:latin typeface="Calibri" pitchFamily="34" charset="0"/>
-                          <a:ea typeface="+mn-ea"/>
-                          <a:cs typeface="Calibri" pitchFamily="34" charset="0"/>
-                        </a:rPr>
-                        <a:t> war die Erstellung einer </a:t>
-                      </a:r>
-                      <a:r>
-                        <a:rPr lang="de-CH" sz="2800" kern="1200" dirty="0" err="1" smtClean="0">
-                          <a:solidFill>
-                            <a:schemeClr val="dk1"/>
-                          </a:solidFill>
-                          <a:effectLst/>
-                          <a:latin typeface="Calibri" pitchFamily="34" charset="0"/>
-                          <a:ea typeface="+mn-ea"/>
-                          <a:cs typeface="Calibri" pitchFamily="34" charset="0"/>
-                        </a:rPr>
-                        <a:t>WebApp</a:t>
-                      </a:r>
-                      <a:r>
-                        <a:rPr lang="de-CH" sz="2800" kern="1200" dirty="0" smtClean="0">
-                          <a:solidFill>
-                            <a:schemeClr val="dk1"/>
-                          </a:solidFill>
-                          <a:effectLst/>
-                          <a:latin typeface="Calibri" pitchFamily="34" charset="0"/>
-                          <a:ea typeface="+mn-ea"/>
-                          <a:cs typeface="Calibri" pitchFamily="34" charset="0"/>
-                        </a:rPr>
-                        <a:t>, welche genau dieses Konzept umsetzt. Die Benutzer sollen die Möglichkeit haben Defekte in ihrer Umgebung dem zuständigen Amt zu melden.</a:t>
-                      </a:r>
-                      <a:r>
-                        <a:rPr lang="de-CH" sz="2800" dirty="0" smtClean="0">
-                          <a:latin typeface="Calibri" pitchFamily="34" charset="0"/>
-                          <a:cs typeface="Calibri" pitchFamily="34" charset="0"/>
-                        </a:rPr>
-                        <a:t> </a:t>
-                      </a:r>
-                      <a:r>
-                        <a:rPr lang="de-CH" sz="2800" b="1" kern="1200" dirty="0" smtClean="0">
-                          <a:solidFill>
-                            <a:schemeClr val="dk1"/>
-                          </a:solidFill>
-                          <a:effectLst/>
-                          <a:latin typeface="Calibri" pitchFamily="34" charset="0"/>
-                          <a:ea typeface="+mn-ea"/>
-                          <a:cs typeface="Calibri" pitchFamily="34" charset="0"/>
-                        </a:rPr>
-                        <a:t>Google Fusion Table soll dazu als Datenbank verwendet werden</a:t>
-                      </a:r>
-                      <a:r>
-                        <a:rPr lang="de-CH" sz="2800" kern="1200" dirty="0" smtClean="0">
-                          <a:solidFill>
-                            <a:schemeClr val="dk1"/>
-                          </a:solidFill>
-                          <a:effectLst/>
-                          <a:latin typeface="Calibri" pitchFamily="34" charset="0"/>
-                          <a:ea typeface="+mn-ea"/>
-                          <a:cs typeface="Calibri" pitchFamily="34" charset="0"/>
-                        </a:rPr>
-                        <a:t>, in der die Defekte abgelegt werden. Natürlich sollen auch einige GIS-Features der Fusion Table verwendet werden, um beispielsweise nur die Defekte im aktuell sichtbaren Bereich der Karte zu laden.</a:t>
-                      </a:r>
-                      <a:endParaRPr lang="de-CH" sz="2800" dirty="0" smtClean="0">
-                        <a:latin typeface="Calibri" pitchFamily="34" charset="0"/>
-                        <a:cs typeface="Calibri" pitchFamily="34" charset="0"/>
-                      </a:endParaRPr>
-                    </a:p>
-                    <a:p>
-                      <a:pPr marL="0" marR="0" indent="0" algn="just" defTabSz="4176431" rtl="0" eaLnBrk="1" fontAlgn="auto" latinLnBrk="0" hangingPunct="1">
-                        <a:lnSpc>
-                          <a:spcPct val="100000"/>
-                        </a:lnSpc>
-                        <a:spcBef>
-                          <a:spcPts val="0"/>
-                        </a:spcBef>
-                        <a:spcAft>
-                          <a:spcPts val="0"/>
-                        </a:spcAft>
-                        <a:buClrTx/>
-                        <a:buSzTx/>
-                        <a:buFontTx/>
-                        <a:buNone/>
-                        <a:tabLst/>
-                        <a:defRPr/>
-                      </a:pPr>
-                      <a:endParaRPr lang="de-CH" sz="1800" dirty="0" smtClean="0">
-                        <a:latin typeface="Calibri" pitchFamily="34" charset="0"/>
-                        <a:cs typeface="Calibri" pitchFamily="34" charset="0"/>
-                      </a:endParaRPr>
-                    </a:p>
-                    <a:p>
-                      <a:pPr marL="0" marR="0" indent="0" algn="just" defTabSz="4176431" rtl="0" eaLnBrk="1" fontAlgn="auto" latinLnBrk="0" hangingPunct="1">
-                        <a:lnSpc>
-                          <a:spcPct val="100000"/>
-                        </a:lnSpc>
-                        <a:spcBef>
-                          <a:spcPts val="0"/>
-                        </a:spcBef>
-                        <a:spcAft>
-                          <a:spcPts val="0"/>
-                        </a:spcAft>
-                        <a:buClrTx/>
-                        <a:buSzTx/>
-                        <a:buFontTx/>
-                        <a:buNone/>
-                        <a:tabLst/>
-                        <a:defRPr/>
-                      </a:pPr>
-                      <a:r>
-                        <a:rPr lang="de-CH" sz="3200" b="1" dirty="0" smtClean="0">
-                          <a:latin typeface="Calibri" pitchFamily="34" charset="0"/>
-                          <a:cs typeface="Calibri" pitchFamily="34" charset="0"/>
-                        </a:rPr>
-                        <a:t>Resultat</a:t>
-                      </a:r>
-                    </a:p>
-                    <a:p>
-                      <a:pPr marL="0" marR="0" indent="0" algn="l" defTabSz="4176431" rtl="0" eaLnBrk="1" fontAlgn="auto" latinLnBrk="0" hangingPunct="1">
-                        <a:lnSpc>
-                          <a:spcPct val="100000"/>
-                        </a:lnSpc>
-                        <a:spcBef>
-                          <a:spcPts val="0"/>
-                        </a:spcBef>
-                        <a:spcAft>
-                          <a:spcPts val="0"/>
-                        </a:spcAft>
-                        <a:buClrTx/>
-                        <a:buSzTx/>
-                        <a:buFontTx/>
-                        <a:buNone/>
-                        <a:tabLst/>
-                        <a:defRPr/>
-                      </a:pPr>
-                      <a:endParaRPr lang="de-CH" sz="2800" b="1" dirty="0" smtClean="0">
-                        <a:latin typeface="Calibri" pitchFamily="34" charset="0"/>
-                        <a:cs typeface="Calibri" pitchFamily="34" charset="0"/>
-                      </a:endParaRPr>
-                    </a:p>
-                    <a:p>
-                      <a:pPr marL="0" marR="0" indent="0" algn="l" defTabSz="4176431" rtl="0" eaLnBrk="1" fontAlgn="auto" latinLnBrk="0" hangingPunct="1">
-                        <a:lnSpc>
-                          <a:spcPct val="100000"/>
-                        </a:lnSpc>
-                        <a:spcBef>
-                          <a:spcPts val="0"/>
-                        </a:spcBef>
-                        <a:spcAft>
-                          <a:spcPts val="0"/>
-                        </a:spcAft>
-                        <a:buClrTx/>
-                        <a:buSzTx/>
-                        <a:buFontTx/>
-                        <a:buNone/>
-                        <a:tabLst/>
-                        <a:defRPr/>
-                      </a:pPr>
-                      <a:endParaRPr lang="de-CH" sz="2800" b="1" dirty="0" smtClean="0">
-                        <a:latin typeface="Calibri" pitchFamily="34" charset="0"/>
-                        <a:cs typeface="Calibri" pitchFamily="34" charset="0"/>
-                      </a:endParaRPr>
-                    </a:p>
-                    <a:p>
-                      <a:pPr marL="0" marR="0" indent="0" algn="l" defTabSz="4176431" rtl="0" eaLnBrk="1" fontAlgn="auto" latinLnBrk="0" hangingPunct="1">
-                        <a:lnSpc>
-                          <a:spcPct val="100000"/>
-                        </a:lnSpc>
-                        <a:spcBef>
-                          <a:spcPts val="0"/>
-                        </a:spcBef>
-                        <a:spcAft>
-                          <a:spcPts val="0"/>
-                        </a:spcAft>
-                        <a:buClrTx/>
-                        <a:buSzTx/>
-                        <a:buFontTx/>
-                        <a:buNone/>
-                        <a:tabLst/>
-                        <a:defRPr/>
-                      </a:pPr>
-                      <a:endParaRPr lang="de-CH" sz="2800" b="1" dirty="0" smtClean="0">
-                        <a:latin typeface="Calibri" pitchFamily="34" charset="0"/>
-                        <a:cs typeface="Calibri" pitchFamily="34" charset="0"/>
-                      </a:endParaRPr>
-                    </a:p>
-                    <a:p>
-                      <a:pPr marL="0" marR="0" indent="0" algn="l" defTabSz="4176431" rtl="0" eaLnBrk="1" fontAlgn="auto" latinLnBrk="0" hangingPunct="1">
-                        <a:lnSpc>
-                          <a:spcPct val="100000"/>
-                        </a:lnSpc>
-                        <a:spcBef>
-                          <a:spcPts val="0"/>
-                        </a:spcBef>
-                        <a:spcAft>
-                          <a:spcPts val="0"/>
-                        </a:spcAft>
-                        <a:buClrTx/>
-                        <a:buSzTx/>
-                        <a:buFontTx/>
-                        <a:buNone/>
-                        <a:tabLst/>
-                        <a:defRPr/>
-                      </a:pPr>
-                      <a:endParaRPr lang="de-CH" sz="2800" b="1" dirty="0" smtClean="0">
-                        <a:latin typeface="Calibri" pitchFamily="34" charset="0"/>
-                        <a:cs typeface="Calibri" pitchFamily="34" charset="0"/>
-                      </a:endParaRPr>
-                    </a:p>
-                    <a:p>
-                      <a:pPr marL="0" marR="0" indent="0" algn="l" defTabSz="4176431" rtl="0" eaLnBrk="1" fontAlgn="auto" latinLnBrk="0" hangingPunct="1">
-                        <a:lnSpc>
-                          <a:spcPct val="100000"/>
-                        </a:lnSpc>
-                        <a:spcBef>
-                          <a:spcPts val="0"/>
-                        </a:spcBef>
-                        <a:spcAft>
-                          <a:spcPts val="0"/>
-                        </a:spcAft>
-                        <a:buClrTx/>
-                        <a:buSzTx/>
-                        <a:buFontTx/>
-                        <a:buNone/>
-                        <a:tabLst/>
-                        <a:defRPr/>
-                      </a:pPr>
-                      <a:endParaRPr lang="de-CH" sz="2800" b="1" dirty="0" smtClean="0">
-                        <a:latin typeface="Calibri" pitchFamily="34" charset="0"/>
-                        <a:cs typeface="Calibri" pitchFamily="34" charset="0"/>
-                      </a:endParaRPr>
-                    </a:p>
-                    <a:p>
-                      <a:pPr marL="0" marR="0" indent="0" algn="l" defTabSz="4176431" rtl="0" eaLnBrk="1" fontAlgn="auto" latinLnBrk="0" hangingPunct="1">
-                        <a:lnSpc>
-                          <a:spcPct val="100000"/>
-                        </a:lnSpc>
-                        <a:spcBef>
-                          <a:spcPts val="0"/>
-                        </a:spcBef>
-                        <a:spcAft>
-                          <a:spcPts val="0"/>
-                        </a:spcAft>
-                        <a:buClrTx/>
-                        <a:buSzTx/>
-                        <a:buFontTx/>
-                        <a:buNone/>
-                        <a:tabLst/>
-                        <a:defRPr/>
-                      </a:pPr>
-                      <a:endParaRPr lang="de-CH" sz="2800" b="1" dirty="0" smtClean="0">
-                        <a:latin typeface="Calibri" pitchFamily="34" charset="0"/>
-                        <a:cs typeface="Calibri" pitchFamily="34" charset="0"/>
-                      </a:endParaRPr>
-                    </a:p>
-                    <a:p>
-                      <a:pPr marL="0" marR="0" indent="0" algn="l" defTabSz="4176431" rtl="0" eaLnBrk="1" fontAlgn="auto" latinLnBrk="0" hangingPunct="1">
-                        <a:lnSpc>
-                          <a:spcPct val="100000"/>
-                        </a:lnSpc>
-                        <a:spcBef>
-                          <a:spcPts val="0"/>
-                        </a:spcBef>
-                        <a:spcAft>
-                          <a:spcPts val="0"/>
-                        </a:spcAft>
-                        <a:buClrTx/>
-                        <a:buSzTx/>
-                        <a:buFontTx/>
-                        <a:buNone/>
-                        <a:tabLst/>
-                        <a:defRPr/>
-                      </a:pPr>
-                      <a:endParaRPr lang="de-CH" sz="2800" b="1" dirty="0" smtClean="0">
-                        <a:latin typeface="Calibri" pitchFamily="34" charset="0"/>
-                        <a:cs typeface="Calibri" pitchFamily="34" charset="0"/>
-                      </a:endParaRPr>
-                    </a:p>
-                  </a:txBody>
-                  <a:tcPr marL="360000" marR="360000" marT="180000" marB="180000"/>
-                </a:tc>
-                <a:tc hMerge="1">
-                  <a:txBody>
-                    <a:bodyPr/>
-                    <a:lstStyle/>
-                    <a:p>
-                      <a:endParaRPr lang="de-CH" sz="2800" dirty="0"/>
-                    </a:p>
-                  </a:txBody>
-                  <a:tcPr marL="360000" marR="360000" marT="180000" marB="180000"/>
-                </a:tc>
-              </a:tr>
-            </a:tbl>
-          </a:graphicData>
-        </a:graphic>
-      </p:graphicFrame>
-      <p:pic>
-        <p:nvPicPr>
-          <p:cNvPr id="2" name="Picture 2" descr="D:\FILES\Juerg\Documents\STUDIUM\UInt2\Miniprojekt-GFTPrototype\Paper-Prototypes\WebAppPrototype\GFTPrototype-PPWebApp-melden_typgewaeht.PNG"/>
-          <p:cNvPicPr>
-            <a:picLocks noChangeAspect="1" noChangeArrowheads="1"/>
-          </p:cNvPicPr>
-          <p:nvPr/>
-        </p:nvPicPr>
-        <p:blipFill>
-          <a:blip r:embed="rId4" cstate="print">
-            <a:extLst>
-              <a:ext uri="{28A0092B-C50C-407E-A947-70E740481C1C}">
-                <a14:useLocalDpi xmlns:a14="http://schemas.microsoft.com/office/drawing/2010/main" val="0"/>
-              </a:ext>
-            </a:extLst>
-          </a:blip>
-          <a:srcRect/>
-          <a:stretch>
-            <a:fillRect/>
-          </a:stretch>
-        </p:blipFill>
-        <p:spPr bwMode="auto">
-          <a:xfrm>
-            <a:off x="25292802" y="25077757"/>
-            <a:ext cx="1748880" cy="3480788"/>
-          </a:xfrm>
-          <a:prstGeom prst="rect">
-            <a:avLst/>
-          </a:prstGeom>
-          <a:noFill/>
-          <a:extLst>
-            <a:ext uri="{909E8E84-426E-40DD-AFC4-6F175D3DCCD1}">
-              <a14:hiddenFill xmlns:a14="http://schemas.microsoft.com/office/drawing/2010/main">
-                <a:solidFill>
-                  <a:srgbClr val="FFFFFF"/>
-                </a:solidFill>
-              </a14:hiddenFill>
-            </a:ext>
-          </a:extLst>
-        </p:spPr>
-      </p:pic>
-      <p:pic>
-        <p:nvPicPr>
-          <p:cNvPr id="1028" name="Picture 4" descr="D:\FILES\Juerg\Documents\STUDIUM\UInt2\Miniprojekt-GFTPrototype\Paper-Prototypes\WebAppPrototype\GFTPrototype-PPWebApp-list_pulldownrefresh.PNG"/>
-          <p:cNvPicPr>
-            <a:picLocks noChangeAspect="1" noChangeArrowheads="1"/>
-          </p:cNvPicPr>
-          <p:nvPr/>
-        </p:nvPicPr>
-        <p:blipFill>
-          <a:blip r:embed="rId5" cstate="print">
-            <a:extLst>
-              <a:ext uri="{28A0092B-C50C-407E-A947-70E740481C1C}">
-                <a14:useLocalDpi xmlns:a14="http://schemas.microsoft.com/office/drawing/2010/main" val="0"/>
-              </a:ext>
-            </a:extLst>
-          </a:blip>
-          <a:srcRect/>
-          <a:stretch>
-            <a:fillRect/>
-          </a:stretch>
-        </p:blipFill>
-        <p:spPr bwMode="auto">
-          <a:xfrm>
-            <a:off x="33789982" y="25094257"/>
-            <a:ext cx="1726924" cy="3454579"/>
-          </a:xfrm>
-          <a:prstGeom prst="rect">
-            <a:avLst/>
-          </a:prstGeom>
-          <a:noFill/>
-          <a:extLst>
-            <a:ext uri="{909E8E84-426E-40DD-AFC4-6F175D3DCCD1}">
-              <a14:hiddenFill xmlns:a14="http://schemas.microsoft.com/office/drawing/2010/main">
-                <a:solidFill>
-                  <a:srgbClr val="FFFFFF"/>
-                </a:solidFill>
-              </a14:hiddenFill>
-            </a:ext>
-          </a:extLst>
-        </p:spPr>
-      </p:pic>
-      <p:pic>
-        <p:nvPicPr>
-          <p:cNvPr id="1029" name="Picture 5" descr="D:\FILES\Juerg\Documents\STUDIUM\UInt2\Miniprojekt-GFTPrototype\Paper-Prototypes\WebAppPrototype\GFTPrototype-PPWebApp-melden_sent.PNG"/>
-          <p:cNvPicPr>
-            <a:picLocks noChangeAspect="1" noChangeArrowheads="1"/>
-          </p:cNvPicPr>
-          <p:nvPr/>
-        </p:nvPicPr>
-        <p:blipFill>
-          <a:blip r:embed="rId6" cstate="print">
-            <a:extLst>
-              <a:ext uri="{28A0092B-C50C-407E-A947-70E740481C1C}">
-                <a14:useLocalDpi xmlns:a14="http://schemas.microsoft.com/office/drawing/2010/main" val="0"/>
-              </a:ext>
-            </a:extLst>
-          </a:blip>
-          <a:srcRect/>
-          <a:stretch>
-            <a:fillRect/>
-          </a:stretch>
-        </p:blipFill>
-        <p:spPr bwMode="auto">
-          <a:xfrm>
-            <a:off x="29181342" y="25077367"/>
-            <a:ext cx="1710985" cy="3471469"/>
-          </a:xfrm>
-          <a:prstGeom prst="rect">
-            <a:avLst/>
-          </a:prstGeom>
-          <a:noFill/>
-          <a:extLst>
-            <a:ext uri="{909E8E84-426E-40DD-AFC4-6F175D3DCCD1}">
-              <a14:hiddenFill xmlns:a14="http://schemas.microsoft.com/office/drawing/2010/main">
-                <a:solidFill>
-                  <a:srgbClr val="FFFFFF"/>
-                </a:solidFill>
-              </a14:hiddenFill>
-            </a:ext>
-          </a:extLst>
-        </p:spPr>
-      </p:pic>
-      <p:pic>
-        <p:nvPicPr>
-          <p:cNvPr id="1030" name="Picture 6" descr="D:\FILES\Juerg\Documents\STUDIUM\UInt2\Miniprojekt-GFTPrototype\Paper-Prototypes\WebAppPrototype\GFTPrototype-PPWebApp-map.PNG"/>
-          <p:cNvPicPr>
-            <a:picLocks noChangeAspect="1" noChangeArrowheads="1"/>
-          </p:cNvPicPr>
-          <p:nvPr/>
-        </p:nvPicPr>
-        <p:blipFill>
-          <a:blip r:embed="rId7" cstate="print">
-            <a:extLst>
-              <a:ext uri="{28A0092B-C50C-407E-A947-70E740481C1C}">
-                <a14:useLocalDpi xmlns:a14="http://schemas.microsoft.com/office/drawing/2010/main" val="0"/>
-              </a:ext>
-            </a:extLst>
-          </a:blip>
-          <a:srcRect/>
-          <a:stretch>
-            <a:fillRect/>
-          </a:stretch>
-        </p:blipFill>
-        <p:spPr bwMode="auto">
-          <a:xfrm>
-            <a:off x="38314714" y="25094257"/>
-            <a:ext cx="1740138" cy="3454579"/>
-          </a:xfrm>
-          <a:prstGeom prst="rect">
-            <a:avLst/>
-          </a:prstGeom>
-          <a:noFill/>
-          <a:extLst>
-            <a:ext uri="{909E8E84-426E-40DD-AFC4-6F175D3DCCD1}">
-              <a14:hiddenFill xmlns:a14="http://schemas.microsoft.com/office/drawing/2010/main">
-                <a:solidFill>
-                  <a:srgbClr val="FFFFFF"/>
-                </a:solidFill>
-              </a14:hiddenFill>
-            </a:ext>
-          </a:extLst>
-        </p:spPr>
-      </p:pic>
-      <p:pic>
-        <p:nvPicPr>
-          <p:cNvPr id="1040" name="Picture 16" descr="C:\xampp\htdocs\gft\_DOCUMENTATION\06_Poster\images\fixmystreet-qrcode.png"/>
-          <p:cNvPicPr>
-            <a:picLocks noChangeAspect="1" noChangeArrowheads="1"/>
-          </p:cNvPicPr>
-          <p:nvPr/>
-        </p:nvPicPr>
-        <p:blipFill>
-          <a:blip r:embed="rId8" cstate="print">
-            <a:extLst>
-              <a:ext uri="{28A0092B-C50C-407E-A947-70E740481C1C}">
-                <a14:useLocalDpi xmlns:a14="http://schemas.microsoft.com/office/drawing/2010/main" val="0"/>
-              </a:ext>
-            </a:extLst>
-          </a:blip>
-          <a:srcRect/>
-          <a:stretch>
-            <a:fillRect/>
-          </a:stretch>
-        </p:blipFill>
-        <p:spPr bwMode="auto">
-          <a:xfrm>
-            <a:off x="40126862" y="19100537"/>
-            <a:ext cx="1080150" cy="1080150"/>
-          </a:xfrm>
-          <a:prstGeom prst="rect">
-            <a:avLst/>
-          </a:prstGeom>
-          <a:noFill/>
-          <a:extLst>
-            <a:ext uri="{909E8E84-426E-40DD-AFC4-6F175D3DCCD1}">
-              <a14:hiddenFill xmlns:a14="http://schemas.microsoft.com/office/drawing/2010/main">
-                <a:solidFill>
-                  <a:srgbClr val="FFFFFF"/>
-                </a:solidFill>
-              </a14:hiddenFill>
-            </a:ext>
-          </a:extLst>
-        </p:spPr>
-      </p:pic>
-      <p:pic>
-        <p:nvPicPr>
-          <p:cNvPr id="1041" name="Picture 17" descr="C:\xampp\htdocs\gft\_DOCUMENTATION\06_Poster\images\fixmystreet-icon_with_gloss.png"/>
-          <p:cNvPicPr>
-            <a:picLocks noChangeAspect="1" noChangeArrowheads="1"/>
-          </p:cNvPicPr>
-          <p:nvPr/>
-        </p:nvPicPr>
-        <p:blipFill>
-          <a:blip r:embed="rId9" cstate="print">
-            <a:extLst>
-              <a:ext uri="{28A0092B-C50C-407E-A947-70E740481C1C}">
-                <a14:useLocalDpi xmlns:a14="http://schemas.microsoft.com/office/drawing/2010/main" val="0"/>
-              </a:ext>
-            </a:extLst>
-          </a:blip>
-          <a:srcRect/>
-          <a:stretch>
-            <a:fillRect/>
-          </a:stretch>
-        </p:blipFill>
-        <p:spPr bwMode="auto">
-          <a:xfrm>
-            <a:off x="21868587" y="17660337"/>
-            <a:ext cx="1623965" cy="1623965"/>
-          </a:xfrm>
-          <a:prstGeom prst="rect">
-            <a:avLst/>
-          </a:prstGeom>
-          <a:noFill/>
-          <a:extLst>
-            <a:ext uri="{909E8E84-426E-40DD-AFC4-6F175D3DCCD1}">
-              <a14:hiddenFill xmlns:a14="http://schemas.microsoft.com/office/drawing/2010/main">
-                <a:solidFill>
-                  <a:srgbClr val="FFFFFF"/>
-                </a:solidFill>
-              </a14:hiddenFill>
-            </a:ext>
-          </a:extLst>
-        </p:spPr>
-      </p:pic>
-      <p:pic>
-        <p:nvPicPr>
-          <p:cNvPr id="1042" name="Picture 18" descr="C:\xampp\htdocs\gft\_DOCUMENTATION\06_Poster\images\GFTPrototype-PPWebApp-melden_confirm.PNG"/>
-          <p:cNvPicPr>
-            <a:picLocks noChangeAspect="1" noChangeArrowheads="1"/>
-          </p:cNvPicPr>
-          <p:nvPr/>
-        </p:nvPicPr>
-        <p:blipFill>
-          <a:blip r:embed="rId10" cstate="print">
-            <a:extLst>
-              <a:ext uri="{28A0092B-C50C-407E-A947-70E740481C1C}">
-                <a14:useLocalDpi xmlns:a14="http://schemas.microsoft.com/office/drawing/2010/main" val="0"/>
-              </a:ext>
-            </a:extLst>
-          </a:blip>
-          <a:srcRect/>
-          <a:stretch>
-            <a:fillRect/>
-          </a:stretch>
-        </p:blipFill>
-        <p:spPr bwMode="auto">
-          <a:xfrm>
-            <a:off x="27237072" y="25077757"/>
-            <a:ext cx="1717945" cy="3480788"/>
-          </a:xfrm>
-          <a:prstGeom prst="rect">
-            <a:avLst/>
-          </a:prstGeom>
-          <a:noFill/>
-          <a:extLst>
-            <a:ext uri="{909E8E84-426E-40DD-AFC4-6F175D3DCCD1}">
-              <a14:hiddenFill xmlns:a14="http://schemas.microsoft.com/office/drawing/2010/main">
-                <a:solidFill>
-                  <a:srgbClr val="FFFFFF"/>
-                </a:solidFill>
-              </a14:hiddenFill>
-            </a:ext>
-          </a:extLst>
-        </p:spPr>
-      </p:pic>
-      <p:pic>
-        <p:nvPicPr>
-          <p:cNvPr id="1043" name="Picture 19" descr="C:\xampp\htdocs\gft\_DOCUMENTATION\06_Poster\images\GFTPrototype-PPWebApp-list.PNG"/>
-          <p:cNvPicPr>
-            <a:picLocks noChangeAspect="1" noChangeArrowheads="1"/>
-          </p:cNvPicPr>
-          <p:nvPr/>
-        </p:nvPicPr>
-        <p:blipFill>
-          <a:blip r:embed="rId11" cstate="print">
-            <a:extLst>
-              <a:ext uri="{28A0092B-C50C-407E-A947-70E740481C1C}">
-                <a14:useLocalDpi xmlns:a14="http://schemas.microsoft.com/office/drawing/2010/main" val="0"/>
-              </a:ext>
-            </a:extLst>
-          </a:blip>
-          <a:srcRect/>
-          <a:stretch>
-            <a:fillRect/>
-          </a:stretch>
-        </p:blipFill>
-        <p:spPr bwMode="auto">
-          <a:xfrm>
-            <a:off x="31861999" y="25067658"/>
-            <a:ext cx="1733569" cy="3481178"/>
-          </a:xfrm>
-          <a:prstGeom prst="rect">
-            <a:avLst/>
-          </a:prstGeom>
-          <a:noFill/>
-          <a:extLst>
-            <a:ext uri="{909E8E84-426E-40DD-AFC4-6F175D3DCCD1}">
-              <a14:hiddenFill xmlns:a14="http://schemas.microsoft.com/office/drawing/2010/main">
-                <a:solidFill>
-                  <a:srgbClr val="FFFFFF"/>
-                </a:solidFill>
-              </a14:hiddenFill>
-            </a:ext>
-          </a:extLst>
-        </p:spPr>
-      </p:pic>
-      <p:pic>
-        <p:nvPicPr>
-          <p:cNvPr id="1044" name="Picture 20" descr="C:\xampp\htdocs\gft\_DOCUMENTATION\06_Poster\images\GFTPrototype-PPWebApp-list_contextmenu.PNG"/>
-          <p:cNvPicPr>
-            <a:picLocks noChangeAspect="1" noChangeArrowheads="1"/>
-          </p:cNvPicPr>
-          <p:nvPr/>
-        </p:nvPicPr>
-        <p:blipFill>
-          <a:blip r:embed="rId12" cstate="print">
-            <a:extLst>
-              <a:ext uri="{28A0092B-C50C-407E-A947-70E740481C1C}">
-                <a14:useLocalDpi xmlns:a14="http://schemas.microsoft.com/office/drawing/2010/main" val="0"/>
-              </a:ext>
-            </a:extLst>
-          </a:blip>
-          <a:srcRect/>
-          <a:stretch>
-            <a:fillRect/>
-          </a:stretch>
-        </p:blipFill>
-        <p:spPr bwMode="auto">
-          <a:xfrm>
-            <a:off x="35734252" y="25094257"/>
-            <a:ext cx="1713391" cy="3480788"/>
-          </a:xfrm>
-          <a:prstGeom prst="rect">
-            <a:avLst/>
-          </a:prstGeom>
-          <a:noFill/>
-          <a:extLst>
-            <a:ext uri="{909E8E84-426E-40DD-AFC4-6F175D3DCCD1}">
-              <a14:hiddenFill xmlns:a14="http://schemas.microsoft.com/office/drawing/2010/main">
-                <a:solidFill>
-                  <a:srgbClr val="FFFFFF"/>
-                </a:solidFill>
-              </a14:hiddenFill>
-            </a:ext>
-          </a:extLst>
-        </p:spPr>
-      </p:pic>
-      <p:graphicFrame>
-        <p:nvGraphicFramePr>
-          <p:cNvPr id="58" name="Tabelle 57"/>
-          <p:cNvGraphicFramePr>
-            <a:graphicFrameLocks noGrp="1"/>
-          </p:cNvGraphicFramePr>
-          <p:nvPr>
-            <p:extLst>
-              <p:ext uri="{D42A27DB-BD31-4B8C-83A1-F6EECF244321}">
-                <p14:modId xmlns:p14="http://schemas.microsoft.com/office/powerpoint/2010/main" val="1311678707"/>
-              </p:ext>
-            </p:extLst>
-          </p:nvPr>
-        </p:nvGraphicFramePr>
-        <p:xfrm>
-          <a:off x="4214019" y="17875182"/>
-          <a:ext cx="13722976" cy="10858320"/>
-        </p:xfrm>
-        <a:graphic>
-          <a:graphicData uri="http://schemas.openxmlformats.org/drawingml/2006/table">
-            <a:tbl>
-              <a:tblPr firstRow="1" bandRow="1">
-                <a:effectLst>
-                  <a:outerShdw blurRad="50800" dist="38100" dir="2700000" algn="tl" rotWithShape="0">
-                    <a:prstClr val="black">
-                      <a:alpha val="40000"/>
-                    </a:prstClr>
-                  </a:outerShdw>
-                </a:effectLst>
-                <a:tableStyleId>{0660B408-B3CF-4A94-85FC-2B1E0A45F4A2}</a:tableStyleId>
-              </a:tblPr>
-              <a:tblGrid>
-                <a:gridCol w="2849465"/>
-                <a:gridCol w="10873511"/>
-              </a:tblGrid>
-              <a:tr h="858376">
-                <a:tc gridSpan="2">
-                  <a:txBody>
-                    <a:bodyPr/>
-                    <a:lstStyle/>
-                    <a:p>
-                      <a:pPr algn="just"/>
-                      <a:r>
-                        <a:rPr lang="de-CH" sz="5000" dirty="0" smtClean="0">
-                          <a:effectLst>
-                            <a:outerShdw blurRad="50800" dist="38100" dir="2700000" algn="tl" rotWithShape="0">
-                              <a:prstClr val="black">
-                                <a:alpha val="40000"/>
-                              </a:prstClr>
-                            </a:outerShdw>
-                          </a:effectLst>
-                          <a:latin typeface="Calibri" pitchFamily="34" charset="0"/>
-                          <a:cs typeface="Calibri" pitchFamily="34" charset="0"/>
-                        </a:rPr>
-                        <a:t>Google Fusion </a:t>
-                      </a:r>
-                      <a:r>
-                        <a:rPr lang="de-CH" sz="5000" dirty="0" err="1" smtClean="0">
-                          <a:effectLst>
-                            <a:outerShdw blurRad="50800" dist="38100" dir="2700000" algn="tl" rotWithShape="0">
-                              <a:prstClr val="black">
-                                <a:alpha val="40000"/>
-                              </a:prstClr>
-                            </a:outerShdw>
-                          </a:effectLst>
-                          <a:latin typeface="Calibri" pitchFamily="34" charset="0"/>
-                          <a:cs typeface="Calibri" pitchFamily="34" charset="0"/>
-                        </a:rPr>
-                        <a:t>Tables</a:t>
-                      </a:r>
-                      <a:endParaRPr lang="de-CH" sz="5000" dirty="0" smtClean="0">
-                        <a:effectLst>
-                          <a:outerShdw blurRad="50800" dist="38100" dir="2700000" algn="tl" rotWithShape="0">
-                            <a:prstClr val="black">
-                              <a:alpha val="40000"/>
-                            </a:prstClr>
-                          </a:outerShdw>
-                        </a:effectLst>
-                        <a:latin typeface="Calibri" pitchFamily="34" charset="0"/>
-                        <a:cs typeface="Calibri" pitchFamily="34" charset="0"/>
-                      </a:endParaRPr>
-                    </a:p>
-                  </a:txBody>
-                  <a:tcPr marL="360000" marR="360000" marT="180000" marB="180000">
-                    <a:solidFill>
-                      <a:schemeClr val="accent1">
-                        <a:lumMod val="50000"/>
-                      </a:schemeClr>
-                    </a:solidFill>
-                  </a:tcPr>
-                </a:tc>
-                <a:tc hMerge="1">
-                  <a:txBody>
-                    <a:bodyPr/>
-                    <a:lstStyle/>
-                    <a:p>
-                      <a:endParaRPr lang="de-CH" sz="5000" dirty="0" smtClean="0">
-                        <a:latin typeface="Calibri" pitchFamily="34" charset="0"/>
-                        <a:cs typeface="Calibri" pitchFamily="34" charset="0"/>
-                      </a:endParaRPr>
-                    </a:p>
-                  </a:txBody>
-                  <a:tcPr marL="360000" marR="360000" marT="180000" marB="180000">
-                    <a:solidFill>
-                      <a:schemeClr val="accent1">
-                        <a:lumMod val="50000"/>
-                      </a:schemeClr>
-                    </a:solidFill>
-                  </a:tcPr>
-                </a:tc>
-              </a:tr>
-              <a:tr h="4612645">
-                <a:tc gridSpan="2">
-                  <a:txBody>
-                    <a:bodyPr/>
-                    <a:lstStyle/>
-                    <a:p>
-                      <a:pPr algn="just"/>
-                      <a:r>
-                        <a:rPr lang="de-CH" sz="3200" b="1" dirty="0" smtClean="0">
-                          <a:latin typeface="Calibri" pitchFamily="34" charset="0"/>
-                          <a:cs typeface="Calibri" pitchFamily="34" charset="0"/>
-                        </a:rPr>
-                        <a:t>Einleitung</a:t>
-                      </a:r>
-                    </a:p>
-                    <a:p>
-                      <a:pPr algn="just"/>
-                      <a:r>
-                        <a:rPr lang="de-CH" sz="2800" kern="1200" dirty="0" smtClean="0">
-                          <a:solidFill>
-                            <a:schemeClr val="dk1"/>
-                          </a:solidFill>
-                          <a:effectLst/>
-                          <a:latin typeface="Calibri" pitchFamily="34" charset="0"/>
-                          <a:ea typeface="+mn-ea"/>
-                          <a:cs typeface="Calibri" pitchFamily="34" charset="0"/>
-                        </a:rPr>
-                        <a:t>Google Fusion </a:t>
-                      </a:r>
-                      <a:r>
-                        <a:rPr lang="de-CH" sz="2800" kern="1200" dirty="0" err="1" smtClean="0">
-                          <a:solidFill>
-                            <a:schemeClr val="dk1"/>
-                          </a:solidFill>
-                          <a:effectLst/>
-                          <a:latin typeface="Calibri" pitchFamily="34" charset="0"/>
-                          <a:ea typeface="+mn-ea"/>
-                          <a:cs typeface="Calibri" pitchFamily="34" charset="0"/>
-                        </a:rPr>
-                        <a:t>Tables</a:t>
-                      </a:r>
-                      <a:r>
-                        <a:rPr lang="de-CH" sz="2800" kern="1200" dirty="0" smtClean="0">
-                          <a:solidFill>
-                            <a:schemeClr val="dk1"/>
-                          </a:solidFill>
-                          <a:effectLst/>
-                          <a:latin typeface="Calibri" pitchFamily="34" charset="0"/>
-                          <a:ea typeface="+mn-ea"/>
-                          <a:cs typeface="Calibri" pitchFamily="34" charset="0"/>
-                        </a:rPr>
-                        <a:t> wurde am 10. Juni 2009 der Öffentlichkeit zugänglich gemacht. Das erklärte Ziel dabei war es, die Nutzung einer Datenbank so einfach wie möglich zu machen.</a:t>
-                      </a:r>
-                    </a:p>
-                    <a:p>
-                      <a:pPr algn="just"/>
-                      <a:r>
-                        <a:rPr lang="de-CH" sz="2800" kern="1200" dirty="0" smtClean="0">
-                          <a:solidFill>
-                            <a:schemeClr val="dk1"/>
-                          </a:solidFill>
-                          <a:effectLst/>
-                          <a:latin typeface="Calibri" pitchFamily="34" charset="0"/>
-                          <a:ea typeface="+mn-ea"/>
-                          <a:cs typeface="Calibri" pitchFamily="34" charset="0"/>
-                        </a:rPr>
-                        <a:t>Google Fusion </a:t>
-                      </a:r>
-                      <a:r>
-                        <a:rPr lang="de-CH" sz="2800" kern="1200" dirty="0" err="1" smtClean="0">
-                          <a:solidFill>
-                            <a:schemeClr val="dk1"/>
-                          </a:solidFill>
-                          <a:effectLst/>
-                          <a:latin typeface="Calibri" pitchFamily="34" charset="0"/>
-                          <a:ea typeface="+mn-ea"/>
-                          <a:cs typeface="Calibri" pitchFamily="34" charset="0"/>
-                        </a:rPr>
-                        <a:t>Tables</a:t>
-                      </a:r>
-                      <a:r>
-                        <a:rPr lang="de-CH" sz="2800" kern="1200" dirty="0" smtClean="0">
-                          <a:solidFill>
-                            <a:schemeClr val="dk1"/>
-                          </a:solidFill>
-                          <a:effectLst/>
-                          <a:latin typeface="Calibri" pitchFamily="34" charset="0"/>
-                          <a:ea typeface="+mn-ea"/>
-                          <a:cs typeface="Calibri" pitchFamily="34" charset="0"/>
-                        </a:rPr>
-                        <a:t> schafft das Problem der Erreichbarkeit einer Datenbank ab. Fusion </a:t>
-                      </a:r>
-                      <a:r>
-                        <a:rPr lang="de-CH" sz="2800" kern="1200" dirty="0" err="1" smtClean="0">
-                          <a:solidFill>
-                            <a:schemeClr val="dk1"/>
-                          </a:solidFill>
-                          <a:effectLst/>
-                          <a:latin typeface="Calibri" pitchFamily="34" charset="0"/>
-                          <a:ea typeface="+mn-ea"/>
-                          <a:cs typeface="Calibri" pitchFamily="34" charset="0"/>
-                        </a:rPr>
-                        <a:t>Tables</a:t>
-                      </a:r>
-                      <a:r>
-                        <a:rPr lang="de-CH" sz="2800" kern="1200" dirty="0" smtClean="0">
-                          <a:solidFill>
-                            <a:schemeClr val="dk1"/>
-                          </a:solidFill>
-                          <a:effectLst/>
-                          <a:latin typeface="Calibri" pitchFamily="34" charset="0"/>
-                          <a:ea typeface="+mn-ea"/>
-                          <a:cs typeface="Calibri" pitchFamily="34" charset="0"/>
-                        </a:rPr>
-                        <a:t> sind dezentral in der </a:t>
-                      </a:r>
-                      <a:r>
-                        <a:rPr lang="de-CH" sz="2800" kern="1200" dirty="0" err="1" smtClean="0">
-                          <a:solidFill>
-                            <a:schemeClr val="dk1"/>
-                          </a:solidFill>
-                          <a:effectLst/>
-                          <a:latin typeface="Calibri" pitchFamily="34" charset="0"/>
-                          <a:ea typeface="+mn-ea"/>
-                          <a:cs typeface="Calibri" pitchFamily="34" charset="0"/>
-                        </a:rPr>
-                        <a:t>Cloud</a:t>
-                      </a:r>
-                      <a:r>
-                        <a:rPr lang="de-CH" sz="2800" kern="1200" dirty="0" smtClean="0">
-                          <a:solidFill>
-                            <a:schemeClr val="dk1"/>
-                          </a:solidFill>
-                          <a:effectLst/>
-                          <a:latin typeface="Calibri" pitchFamily="34" charset="0"/>
-                          <a:ea typeface="+mn-ea"/>
-                          <a:cs typeface="Calibri" pitchFamily="34" charset="0"/>
-                        </a:rPr>
-                        <a:t> gespeichert und dort lassen sie sich einfach vertikal skalieren. Die momentanen geltenden </a:t>
-                      </a:r>
-                      <a:r>
-                        <a:rPr lang="de-CH" sz="2800" kern="1200" dirty="0" err="1" smtClean="0">
-                          <a:solidFill>
-                            <a:schemeClr val="dk1"/>
-                          </a:solidFill>
-                          <a:effectLst/>
-                          <a:latin typeface="Calibri" pitchFamily="34" charset="0"/>
-                          <a:ea typeface="+mn-ea"/>
-                          <a:cs typeface="Calibri" pitchFamily="34" charset="0"/>
-                        </a:rPr>
-                        <a:t>Limiten</a:t>
-                      </a:r>
-                      <a:r>
-                        <a:rPr lang="de-CH" sz="2800" kern="1200" dirty="0" smtClean="0">
-                          <a:solidFill>
-                            <a:schemeClr val="dk1"/>
-                          </a:solidFill>
-                          <a:effectLst/>
-                          <a:latin typeface="Calibri" pitchFamily="34" charset="0"/>
-                          <a:ea typeface="+mn-ea"/>
-                          <a:cs typeface="Calibri" pitchFamily="34" charset="0"/>
-                        </a:rPr>
-                        <a:t> der Datenbank sind 250MB Speicher für eine Tabelle, 25'000 Abfragen pro Tag und Benutzer sowie 100'000 Elemente, die gleichzeitig auf der Karte dargestellt werden können. Allgemein werden bei Abfragen nur die ersten 100'000 Resultate als Antwort zurückgeliefert. Diese Einschränkungen können Kunden mit Google </a:t>
-                      </a:r>
-                      <a:r>
-                        <a:rPr lang="de-CH" sz="2800" kern="1200" dirty="0" err="1" smtClean="0">
-                          <a:solidFill>
-                            <a:schemeClr val="dk1"/>
-                          </a:solidFill>
-                          <a:effectLst/>
-                          <a:latin typeface="Calibri" pitchFamily="34" charset="0"/>
-                          <a:ea typeface="+mn-ea"/>
-                          <a:cs typeface="Calibri" pitchFamily="34" charset="0"/>
-                        </a:rPr>
-                        <a:t>Maps</a:t>
-                      </a:r>
-                      <a:r>
-                        <a:rPr lang="de-CH" sz="2800" kern="1200" dirty="0" smtClean="0">
-                          <a:solidFill>
-                            <a:schemeClr val="dk1"/>
-                          </a:solidFill>
-                          <a:effectLst/>
-                          <a:latin typeface="Calibri" pitchFamily="34" charset="0"/>
-                          <a:ea typeface="+mn-ea"/>
-                          <a:cs typeface="Calibri" pitchFamily="34" charset="0"/>
-                        </a:rPr>
-                        <a:t> Premier auf Anfrage verändern.</a:t>
-                      </a:r>
-                      <a:endParaRPr lang="de-CH" sz="2800" dirty="0" smtClean="0">
-                        <a:latin typeface="Calibri" pitchFamily="34" charset="0"/>
-                        <a:cs typeface="Calibri" pitchFamily="34" charset="0"/>
-                      </a:endParaRPr>
-                    </a:p>
-                    <a:p>
-                      <a:pPr algn="just"/>
-                      <a:endParaRPr lang="de-CH" sz="2800" dirty="0" smtClean="0">
-                        <a:latin typeface="Calibri" pitchFamily="34" charset="0"/>
-                        <a:cs typeface="Calibri" pitchFamily="34" charset="0"/>
-                      </a:endParaRPr>
-                    </a:p>
-                    <a:p>
-                      <a:pPr algn="just"/>
-                      <a:r>
-                        <a:rPr lang="de-CH" sz="3200" b="1" dirty="0" smtClean="0">
-                          <a:latin typeface="Calibri" pitchFamily="34" charset="0"/>
-                          <a:cs typeface="Calibri" pitchFamily="34" charset="0"/>
-                        </a:rPr>
-                        <a:t>Features</a:t>
-                      </a:r>
-                    </a:p>
-                  </a:txBody>
-                  <a:tcPr marL="360000" marR="360000" marT="180000" marB="180000"/>
-                </a:tc>
-                <a:tc hMerge="1">
-                  <a:txBody>
-                    <a:bodyPr/>
-                    <a:lstStyle/>
-                    <a:p>
-                      <a:endParaRPr lang="de-CH" sz="3200" b="1" dirty="0" smtClean="0">
-                        <a:latin typeface="Calibri" pitchFamily="34" charset="0"/>
-                        <a:cs typeface="Calibri" pitchFamily="34" charset="0"/>
-                      </a:endParaRPr>
-                    </a:p>
-                  </a:txBody>
-                  <a:tcPr marL="360000" marR="360000" marT="180000" marB="180000"/>
-                </a:tc>
-              </a:tr>
-              <a:tr h="674455">
-                <a:tc>
-                  <a:txBody>
-                    <a:bodyPr/>
-                    <a:lstStyle/>
-                    <a:p>
-                      <a:pPr algn="just"/>
-                      <a:r>
-                        <a:rPr lang="de-CH" sz="2800" b="1" i="0" dirty="0" smtClean="0">
-                          <a:latin typeface="Calibri" pitchFamily="34" charset="0"/>
-                          <a:cs typeface="Calibri" pitchFamily="34" charset="0"/>
-                        </a:rPr>
-                        <a:t>SQL API</a:t>
-                      </a:r>
-                    </a:p>
-                  </a:txBody>
-                  <a:tcPr marL="360000" marR="180000" marT="180000" marB="180000"/>
-                </a:tc>
-                <a:tc>
-                  <a:txBody>
-                    <a:bodyPr/>
-                    <a:lstStyle/>
-                    <a:p>
-                      <a:pPr algn="just"/>
-                      <a:r>
-                        <a:rPr lang="de-CH" sz="2800" kern="1200" dirty="0" smtClean="0">
-                          <a:solidFill>
-                            <a:schemeClr val="dk1"/>
-                          </a:solidFill>
-                          <a:effectLst/>
-                          <a:latin typeface="Calibri" pitchFamily="34" charset="0"/>
-                          <a:ea typeface="+mn-ea"/>
-                          <a:cs typeface="Calibri" pitchFamily="34" charset="0"/>
-                        </a:rPr>
-                        <a:t>Das SQL API bietet eine Schnittstelle mit welcher man mit SQL-ähnlichen Befehlen Daten aus Google Fusion </a:t>
-                      </a:r>
-                      <a:r>
-                        <a:rPr lang="de-CH" sz="2800" kern="1200" dirty="0" err="1" smtClean="0">
-                          <a:solidFill>
-                            <a:schemeClr val="dk1"/>
-                          </a:solidFill>
-                          <a:effectLst/>
-                          <a:latin typeface="Calibri" pitchFamily="34" charset="0"/>
-                          <a:ea typeface="+mn-ea"/>
-                          <a:cs typeface="Calibri" pitchFamily="34" charset="0"/>
-                        </a:rPr>
-                        <a:t>Tables</a:t>
-                      </a:r>
-                      <a:r>
-                        <a:rPr lang="de-CH" sz="2800" kern="1200" dirty="0" smtClean="0">
-                          <a:solidFill>
-                            <a:schemeClr val="dk1"/>
-                          </a:solidFill>
-                          <a:effectLst/>
-                          <a:latin typeface="Calibri" pitchFamily="34" charset="0"/>
-                          <a:ea typeface="+mn-ea"/>
-                          <a:cs typeface="Calibri" pitchFamily="34" charset="0"/>
-                        </a:rPr>
-                        <a:t> abfragen oder verändern kann. Sie verfügt bereits über eine grosse Palette an möglichen Befehlen</a:t>
-                      </a:r>
-                      <a:endParaRPr lang="de-CH" sz="2800" b="0" dirty="0" smtClean="0">
-                        <a:latin typeface="Calibri" pitchFamily="34" charset="0"/>
-                        <a:cs typeface="Calibri" pitchFamily="34" charset="0"/>
-                      </a:endParaRPr>
-                    </a:p>
-                  </a:txBody>
-                  <a:tcPr marL="0" marR="360000" marT="180000" marB="180000"/>
-                </a:tc>
-              </a:tr>
-              <a:tr h="674455">
-                <a:tc>
-                  <a:txBody>
-                    <a:bodyPr/>
-                    <a:lstStyle/>
-                    <a:p>
-                      <a:pPr algn="just"/>
-                      <a:r>
-                        <a:rPr lang="de-CH" sz="2800" b="1" i="0" dirty="0" smtClean="0">
-                          <a:latin typeface="Calibri" pitchFamily="34" charset="0"/>
-                          <a:cs typeface="Calibri" pitchFamily="34" charset="0"/>
-                        </a:rPr>
-                        <a:t>Ortsbezogene Abfragen</a:t>
-                      </a:r>
-                    </a:p>
-                  </a:txBody>
-                  <a:tcPr marL="360000" marR="180000" marT="180000" marB="180000"/>
-                </a:tc>
-                <a:tc>
-                  <a:txBody>
-                    <a:bodyPr/>
-                    <a:lstStyle/>
-                    <a:p>
-                      <a:pPr algn="just"/>
-                      <a:r>
-                        <a:rPr lang="de-CH" sz="2800" b="0" dirty="0" smtClean="0">
-                          <a:latin typeface="Calibri" pitchFamily="34" charset="0"/>
-                          <a:cs typeface="Calibri" pitchFamily="34" charset="0"/>
-                        </a:rPr>
-                        <a:t>Das SQL API bietet zudem eine Reihe von speziellen ortsabhängigen</a:t>
-                      </a:r>
-                      <a:r>
-                        <a:rPr lang="de-CH" sz="2800" b="0" baseline="0" dirty="0" smtClean="0">
-                          <a:latin typeface="Calibri" pitchFamily="34" charset="0"/>
-                          <a:cs typeface="Calibri" pitchFamily="34" charset="0"/>
-                        </a:rPr>
-                        <a:t> Abfrage-Möglichkeiten. So ist es mit </a:t>
-                      </a:r>
-                      <a:r>
-                        <a:rPr lang="de-CH" sz="2800" b="0" i="1" baseline="0" dirty="0" smtClean="0">
-                          <a:latin typeface="Calibri" pitchFamily="34" charset="0"/>
-                          <a:cs typeface="Calibri" pitchFamily="34" charset="0"/>
-                        </a:rPr>
-                        <a:t>ST_INTERSECTS</a:t>
-                      </a:r>
-                      <a:r>
-                        <a:rPr lang="de-CH" sz="2800" b="0" baseline="0" dirty="0" smtClean="0">
-                          <a:latin typeface="Calibri" pitchFamily="34" charset="0"/>
-                          <a:cs typeface="Calibri" pitchFamily="34" charset="0"/>
-                        </a:rPr>
-                        <a:t> möglich Daten innerhalb eines geografischen Bereichs abzufragen und mit </a:t>
-                      </a:r>
-                      <a:r>
-                        <a:rPr lang="de-CH" sz="2800" b="0" i="1" baseline="0" dirty="0" smtClean="0">
-                          <a:latin typeface="Calibri" pitchFamily="34" charset="0"/>
-                          <a:cs typeface="Calibri" pitchFamily="34" charset="0"/>
-                        </a:rPr>
-                        <a:t>ST_DISTANCE</a:t>
-                      </a:r>
-                      <a:r>
-                        <a:rPr lang="de-CH" sz="2800" b="0" baseline="0" dirty="0" smtClean="0">
-                          <a:latin typeface="Calibri" pitchFamily="34" charset="0"/>
-                          <a:cs typeface="Calibri" pitchFamily="34" charset="0"/>
-                        </a:rPr>
-                        <a:t> die Resultate nach Distanz zu sortieren</a:t>
-                      </a:r>
-                      <a:endParaRPr lang="de-CH" sz="2800" b="0" dirty="0" smtClean="0">
-                        <a:latin typeface="Calibri" pitchFamily="34" charset="0"/>
-                        <a:cs typeface="Calibri" pitchFamily="34" charset="0"/>
-                      </a:endParaRPr>
-                    </a:p>
-                  </a:txBody>
-                  <a:tcPr marL="0" marR="360000" marT="180000" marB="180000"/>
-                </a:tc>
-              </a:tr>
-            </a:tbl>
-          </a:graphicData>
-        </a:graphic>
-      </p:graphicFrame>
-      <p:graphicFrame>
-        <p:nvGraphicFramePr>
           <p:cNvPr id="7" name="Tabelle 6"/>
           <p:cNvGraphicFramePr>
             <a:graphicFrameLocks noGrp="1"/>
@@ -6739,7 +5260,6 @@
                         <a:rPr lang="de-CH" sz="5500" dirty="0" smtClean="0"/>
                         <a:t>Bachelorarbeit Herbstsemester 2012/13</a:t>
                       </a:r>
-                      <a:endParaRPr lang="de-CH" sz="5500" dirty="0" smtClean="0"/>
                     </a:p>
                   </a:txBody>
                   <a:tcPr marL="0" marR="0" marT="180000" marB="180000"/>
@@ -6788,14 +5308,14 @@
       </p:graphicFrame>
       <p:sp>
         <p:nvSpPr>
-          <p:cNvPr id="45" name="Textfeld 44"/>
+          <p:cNvPr id="47" name="Textfeld 46"/>
           <p:cNvSpPr txBox="1"/>
           <p:nvPr/>
         </p:nvSpPr>
         <p:spPr>
           <a:xfrm>
-            <a:off x="25292802" y="28548836"/>
-            <a:ext cx="5599525" cy="369332"/>
+            <a:off x="16458371" y="21445913"/>
+            <a:ext cx="3468378" cy="461665"/>
           </a:xfrm>
           <a:prstGeom prst="rect">
             <a:avLst/>
@@ -6810,72 +5330,10 @@
           <a:p>
             <a:pPr algn="ctr"/>
             <a:r>
-              <a:rPr lang="de-CH" i="1" dirty="0" smtClean="0"/>
-              <a:t>Abb. 1: Defekt melden</a:t>
-            </a:r>
-            <a:endParaRPr lang="de-CH" i="1" dirty="0"/>
-          </a:p>
-        </p:txBody>
-      </p:sp>
-      <p:sp>
-        <p:nvSpPr>
-          <p:cNvPr id="46" name="Textfeld 45"/>
-          <p:cNvSpPr txBox="1"/>
-          <p:nvPr/>
-        </p:nvSpPr>
-        <p:spPr>
-          <a:xfrm>
-            <a:off x="31861999" y="28581147"/>
-            <a:ext cx="5583238" cy="369332"/>
-          </a:xfrm>
-          <a:prstGeom prst="rect">
-            <a:avLst/>
-          </a:prstGeom>
-          <a:noFill/>
-        </p:spPr>
-        <p:txBody>
-          <a:bodyPr wrap="square" rtlCol="0">
-            <a:spAutoFit/>
-          </a:bodyPr>
-          <a:lstStyle/>
-          <a:p>
-            <a:pPr algn="ctr"/>
-            <a:r>
-              <a:rPr lang="de-CH" i="1" dirty="0" smtClean="0"/>
-              <a:t>Abb. 2: Liste mit gemeldeten Defekten</a:t>
-            </a:r>
-            <a:endParaRPr lang="de-CH" i="1" dirty="0"/>
-          </a:p>
-        </p:txBody>
-      </p:sp>
-      <p:sp>
-        <p:nvSpPr>
-          <p:cNvPr id="47" name="Textfeld 46"/>
-          <p:cNvSpPr txBox="1"/>
-          <p:nvPr/>
-        </p:nvSpPr>
-        <p:spPr>
-          <a:xfrm>
-            <a:off x="37450594" y="28581192"/>
-            <a:ext cx="3468378" cy="369332"/>
-          </a:xfrm>
-          <a:prstGeom prst="rect">
-            <a:avLst/>
-          </a:prstGeom>
-          <a:noFill/>
-        </p:spPr>
-        <p:txBody>
-          <a:bodyPr wrap="square" rtlCol="0">
-            <a:spAutoFit/>
-          </a:bodyPr>
-          <a:lstStyle/>
-          <a:p>
-            <a:pPr algn="ctr"/>
-            <a:r>
-              <a:rPr lang="de-CH" i="1" dirty="0" smtClean="0"/>
-              <a:t>Abb. 3: Defekte anzeigen</a:t>
-            </a:r>
-            <a:endParaRPr lang="de-CH" i="1" dirty="0"/>
+              <a:rPr lang="de-CH" sz="2400" i="1" dirty="0" smtClean="0"/>
+              <a:t>Login</a:t>
+            </a:r>
+            <a:endParaRPr lang="de-CH" sz="2400" i="1" dirty="0"/>
           </a:p>
         </p:txBody>
       </p:sp>
@@ -6888,7 +5346,7 @@
           <p:nvPr/>
         </p:nvPicPr>
         <p:blipFill>
-          <a:blip r:embed="rId13" cstate="print">
+          <a:blip r:embed="rId4" cstate="print">
             <a:extLst>
               <a:ext uri="{28A0092B-C50C-407E-A947-70E740481C1C}">
                 <a14:useLocalDpi xmlns:a14="http://schemas.microsoft.com/office/drawing/2010/main" val="0"/>
@@ -6940,11 +5398,11 @@
           <p:nvPr/>
         </p:nvPicPr>
         <p:blipFill rotWithShape="1">
-          <a:blip r:embed="rId14" cstate="print">
+          <a:blip r:embed="rId5" cstate="print">
             <a:extLst>
               <a:ext uri="{BEBA8EAE-BF5A-486C-A8C5-ECC9F3942E4B}">
                 <a14:imgProps xmlns:a14="http://schemas.microsoft.com/office/drawing/2010/main">
-                  <a14:imgLayer r:embed="rId15">
+                  <a14:imgLayer r:embed="rId6">
                     <a14:imgEffect>
                       <a14:saturation sat="0"/>
                     </a14:imgEffect>
@@ -6995,14 +5453,14 @@
       </p:pic>
       <p:pic>
         <p:nvPicPr>
-          <p:cNvPr id="8" name="Picture 2" descr="D:\xampp\htdocs\kort\_DOCUMENTATION\05_Poster\images\kort.herokuapp.com_qrcode.png"/>
+          <p:cNvPr id="12" name="Picture 5" descr="D:\xampp\htdocs\kort\_DOCUMENTATION\05_Poster\images\kort-icon_v1.png"/>
           <p:cNvPicPr>
             <a:picLocks noChangeAspect="1" noChangeArrowheads="1"/>
           </p:cNvPicPr>
           <p:nvPr/>
         </p:nvPicPr>
         <p:blipFill>
-          <a:blip r:embed="rId16" cstate="print">
+          <a:blip r:embed="rId7">
             <a:extLst>
               <a:ext uri="{28A0092B-C50C-407E-A947-70E740481C1C}">
                 <a14:useLocalDpi xmlns:a14="http://schemas.microsoft.com/office/drawing/2010/main" val="0"/>
@@ -7016,8 +5474,8 @@
         </p:blipFill>
         <p:spPr bwMode="auto">
           <a:xfrm>
-            <a:off x="26444962" y="12573837"/>
-            <a:ext cx="2042359" cy="2042359"/>
+            <a:off x="18372486" y="6847965"/>
+            <a:ext cx="2856802" cy="2856802"/>
           </a:xfrm>
           <a:prstGeom prst="rect">
             <a:avLst/>
@@ -7036,14 +5494,14 @@
       </p:pic>
       <p:pic>
         <p:nvPicPr>
-          <p:cNvPr id="12" name="Picture 5" descr="D:\xampp\htdocs\kort\_DOCUMENTATION\05_Poster\images\kort-icon_v1.png"/>
+          <p:cNvPr id="1026" name="Picture 2" descr="D:\xampp\htdocs\kort\_DOCUMENTATION\05_Poster\images\kort-big_picture.png"/>
           <p:cNvPicPr>
             <a:picLocks noChangeAspect="1" noChangeArrowheads="1"/>
           </p:cNvPicPr>
           <p:nvPr/>
         </p:nvPicPr>
         <p:blipFill>
-          <a:blip r:embed="rId17">
+          <a:blip r:embed="rId8">
             <a:extLst>
               <a:ext uri="{28A0092B-C50C-407E-A947-70E740481C1C}">
                 <a14:useLocalDpi xmlns:a14="http://schemas.microsoft.com/office/drawing/2010/main" val="0"/>
@@ -7057,8 +5515,8 @@
         </p:blipFill>
         <p:spPr bwMode="auto">
           <a:xfrm>
-            <a:off x="18578512" y="6858837"/>
-            <a:ext cx="5715000" cy="5715000"/>
+            <a:off x="28827881" y="14976221"/>
+            <a:ext cx="11251646" cy="13755023"/>
           </a:xfrm>
           <a:prstGeom prst="rect">
             <a:avLst/>
@@ -7075,6 +5533,1179 @@
           </a:extLst>
         </p:spPr>
       </p:pic>
+      <p:pic>
+        <p:nvPicPr>
+          <p:cNvPr id="3" name="Picture 3" descr="D:\xampp\htdocs\kort\_DOCUMENTATION\05_Poster\images\space_invader.png"/>
+          <p:cNvPicPr>
+            <a:picLocks noChangeAspect="1" noChangeArrowheads="1"/>
+          </p:cNvPicPr>
+          <p:nvPr/>
+        </p:nvPicPr>
+        <p:blipFill>
+          <a:blip r:embed="rId9" cstate="print">
+            <a:extLst>
+              <a:ext uri="{28A0092B-C50C-407E-A947-70E740481C1C}">
+                <a14:useLocalDpi xmlns:a14="http://schemas.microsoft.com/office/drawing/2010/main" val="0"/>
+              </a:ext>
+            </a:extLst>
+          </a:blip>
+          <a:srcRect/>
+          <a:stretch>
+            <a:fillRect/>
+          </a:stretch>
+        </p:blipFill>
+        <p:spPr bwMode="auto">
+          <a:xfrm>
+            <a:off x="26648691" y="9235167"/>
+            <a:ext cx="785487" cy="573060"/>
+          </a:xfrm>
+          <a:prstGeom prst="rect">
+            <a:avLst/>
+          </a:prstGeom>
+          <a:noFill/>
+          <a:extLst>
+            <a:ext uri="{909E8E84-426E-40DD-AFC4-6F175D3DCCD1}">
+              <a14:hiddenFill xmlns:a14="http://schemas.microsoft.com/office/drawing/2010/main">
+                <a:solidFill>
+                  <a:srgbClr val="FFFFFF"/>
+                </a:solidFill>
+              </a14:hiddenFill>
+            </a:ext>
+          </a:extLst>
+        </p:spPr>
+      </p:pic>
+      <p:sp>
+        <p:nvSpPr>
+          <p:cNvPr id="5" name="Textfeld 4"/>
+          <p:cNvSpPr txBox="1"/>
+          <p:nvPr/>
+        </p:nvSpPr>
+        <p:spPr>
+          <a:xfrm>
+            <a:off x="26387413" y="6525911"/>
+            <a:ext cx="11882533" cy="861774"/>
+          </a:xfrm>
+          <a:prstGeom prst="rect">
+            <a:avLst/>
+          </a:prstGeom>
+          <a:noFill/>
+        </p:spPr>
+        <p:txBody>
+          <a:bodyPr wrap="square" rtlCol="0">
+            <a:spAutoFit/>
+          </a:bodyPr>
+          <a:lstStyle/>
+          <a:p>
+            <a:r>
+              <a:rPr lang="de-CH" sz="5000" u="sng" dirty="0" err="1" smtClean="0">
+                <a:latin typeface="Commodore 64 Pixelized" pitchFamily="2" charset="0"/>
+              </a:rPr>
+              <a:t>Gamification</a:t>
+            </a:r>
+            <a:endParaRPr lang="de-CH" sz="5000" u="sng" dirty="0">
+              <a:latin typeface="Commodore 64 Pixelized" pitchFamily="2" charset="0"/>
+            </a:endParaRPr>
+          </a:p>
+        </p:txBody>
+      </p:sp>
+      <p:sp>
+        <p:nvSpPr>
+          <p:cNvPr id="30" name="Textfeld 29"/>
+          <p:cNvSpPr txBox="1"/>
+          <p:nvPr/>
+        </p:nvSpPr>
+        <p:spPr>
+          <a:xfrm>
+            <a:off x="26387476" y="7674261"/>
+            <a:ext cx="14644506" cy="1246495"/>
+          </a:xfrm>
+          <a:prstGeom prst="rect">
+            <a:avLst/>
+          </a:prstGeom>
+          <a:noFill/>
+        </p:spPr>
+        <p:txBody>
+          <a:bodyPr wrap="square" rtlCol="0">
+            <a:spAutoFit/>
+          </a:bodyPr>
+          <a:lstStyle/>
+          <a:p>
+            <a:r>
+              <a:rPr lang="de-CH" sz="2500" dirty="0" smtClean="0">
+                <a:latin typeface="Commodore 64 Pixelized" pitchFamily="2" charset="0"/>
+              </a:rPr>
+              <a:t>Unter </a:t>
+            </a:r>
+            <a:r>
+              <a:rPr lang="de-CH" sz="2500" dirty="0" err="1" smtClean="0">
+                <a:latin typeface="Commodore 64 Pixelized" pitchFamily="2" charset="0"/>
+              </a:rPr>
+              <a:t>Gamification</a:t>
+            </a:r>
+            <a:r>
+              <a:rPr lang="de-CH" sz="2500" dirty="0" smtClean="0">
+                <a:latin typeface="Commodore 64 Pixelized" pitchFamily="2" charset="0"/>
+              </a:rPr>
+              <a:t> versteht man das Hinzufügen von spieletypischen Elementen in einen nicht-spieletypischen Kontext.</a:t>
+            </a:r>
+            <a:endParaRPr lang="de-CH" sz="2500" dirty="0">
+              <a:latin typeface="Commodore 64 Pixelized" pitchFamily="2" charset="0"/>
+            </a:endParaRPr>
+          </a:p>
+        </p:txBody>
+      </p:sp>
+      <p:sp>
+        <p:nvSpPr>
+          <p:cNvPr id="31" name="Textfeld 30"/>
+          <p:cNvSpPr txBox="1"/>
+          <p:nvPr/>
+        </p:nvSpPr>
+        <p:spPr>
+          <a:xfrm>
+            <a:off x="27865206" y="9272646"/>
+            <a:ext cx="12214320" cy="4785926"/>
+          </a:xfrm>
+          <a:prstGeom prst="rect">
+            <a:avLst/>
+          </a:prstGeom>
+          <a:noFill/>
+        </p:spPr>
+        <p:txBody>
+          <a:bodyPr wrap="square" rtlCol="0">
+            <a:spAutoFit/>
+          </a:bodyPr>
+          <a:lstStyle/>
+          <a:p>
+            <a:pPr>
+              <a:spcAft>
+                <a:spcPts val="1800"/>
+              </a:spcAft>
+            </a:pPr>
+            <a:r>
+              <a:rPr lang="de-CH" sz="3000" dirty="0" err="1" smtClean="0">
+                <a:latin typeface="Commodore 64 Pixelized" pitchFamily="2" charset="0"/>
+              </a:rPr>
+              <a:t>Badges</a:t>
+            </a:r>
+            <a:r>
+              <a:rPr lang="de-CH" sz="3000" dirty="0" smtClean="0">
+                <a:latin typeface="Commodore 64 Pixelized" pitchFamily="2" charset="0"/>
+              </a:rPr>
+              <a:t>/Auszeichnungen</a:t>
+            </a:r>
+          </a:p>
+          <a:p>
+            <a:pPr>
+              <a:spcAft>
+                <a:spcPts val="1800"/>
+              </a:spcAft>
+            </a:pPr>
+            <a:r>
+              <a:rPr lang="de-CH" sz="3000" dirty="0" smtClean="0">
+                <a:latin typeface="Commodore 64 Pixelized" pitchFamily="2" charset="0"/>
+              </a:rPr>
+              <a:t>Punktesystem</a:t>
+            </a:r>
+          </a:p>
+          <a:p>
+            <a:pPr marL="571500" indent="-571500">
+              <a:spcAft>
+                <a:spcPts val="1800"/>
+              </a:spcAft>
+              <a:buFontTx/>
+              <a:buChar char="-"/>
+            </a:pPr>
+            <a:r>
+              <a:rPr lang="de-CH" sz="2000" dirty="0" smtClean="0">
+                <a:latin typeface="Commodore 64 Pixelized" pitchFamily="2" charset="0"/>
+              </a:rPr>
+              <a:t>Globale </a:t>
+            </a:r>
+            <a:r>
+              <a:rPr lang="de-CH" sz="2000" dirty="0" err="1" smtClean="0">
+                <a:latin typeface="Commodore 64 Pixelized" pitchFamily="2" charset="0"/>
+              </a:rPr>
+              <a:t>Highscore</a:t>
+            </a:r>
+            <a:endParaRPr lang="de-CH" sz="2000" dirty="0" smtClean="0">
+              <a:latin typeface="Commodore 64 Pixelized" pitchFamily="2" charset="0"/>
+            </a:endParaRPr>
+          </a:p>
+          <a:p>
+            <a:pPr marL="571500" indent="-571500">
+              <a:spcAft>
+                <a:spcPts val="1800"/>
+              </a:spcAft>
+              <a:buFontTx/>
+              <a:buChar char="-"/>
+            </a:pPr>
+            <a:r>
+              <a:rPr lang="de-CH" sz="2000" dirty="0" smtClean="0">
+                <a:latin typeface="Commodore 64 Pixelized" pitchFamily="2" charset="0"/>
+              </a:rPr>
+              <a:t>Regionale </a:t>
+            </a:r>
+            <a:r>
+              <a:rPr lang="de-CH" sz="2000" dirty="0" err="1" smtClean="0">
+                <a:latin typeface="Commodore 64 Pixelized" pitchFamily="2" charset="0"/>
+              </a:rPr>
+              <a:t>Highscore</a:t>
+            </a:r>
+            <a:endParaRPr lang="de-CH" sz="2000" dirty="0" smtClean="0">
+              <a:latin typeface="Commodore 64 Pixelized" pitchFamily="2" charset="0"/>
+            </a:endParaRPr>
+          </a:p>
+          <a:p>
+            <a:pPr>
+              <a:spcAft>
+                <a:spcPts val="1800"/>
+              </a:spcAft>
+            </a:pPr>
+            <a:r>
+              <a:rPr lang="de-CH" sz="3000" dirty="0" smtClean="0">
+                <a:latin typeface="Commodore 64 Pixelized" pitchFamily="2" charset="0"/>
+              </a:rPr>
+              <a:t>Zeitlich begrenzte Aktionen</a:t>
+            </a:r>
+          </a:p>
+          <a:p>
+            <a:pPr marL="571500" indent="-571500">
+              <a:spcAft>
+                <a:spcPts val="1800"/>
+              </a:spcAft>
+              <a:buFontTx/>
+              <a:buChar char="-"/>
+            </a:pPr>
+            <a:r>
+              <a:rPr lang="de-CH" sz="2000" dirty="0" smtClean="0">
+                <a:latin typeface="Commodore 64 Pixelized" pitchFamily="2" charset="0"/>
+              </a:rPr>
+              <a:t>Mit Push-Meldungen aufmerksam machen</a:t>
+            </a:r>
+          </a:p>
+          <a:p>
+            <a:pPr marL="571500" indent="-571500">
+              <a:spcAft>
+                <a:spcPts val="1800"/>
+              </a:spcAft>
+              <a:buFontTx/>
+              <a:buChar char="-"/>
+            </a:pPr>
+            <a:r>
+              <a:rPr lang="de-CH" sz="2000" dirty="0" smtClean="0">
+                <a:latin typeface="Commodore 64 Pixelized" pitchFamily="2" charset="0"/>
+              </a:rPr>
+              <a:t>Spezialauszeichnung</a:t>
+            </a:r>
+          </a:p>
+          <a:p>
+            <a:pPr>
+              <a:spcAft>
+                <a:spcPts val="1800"/>
+              </a:spcAft>
+            </a:pPr>
+            <a:r>
+              <a:rPr lang="de-CH" sz="3000" dirty="0" smtClean="0">
+                <a:latin typeface="Commodore 64 Pixelized" pitchFamily="2" charset="0"/>
+              </a:rPr>
+              <a:t>Berechtigungen erhöhen</a:t>
+            </a:r>
+          </a:p>
+        </p:txBody>
+      </p:sp>
+      <p:pic>
+        <p:nvPicPr>
+          <p:cNvPr id="32" name="Picture 3" descr="D:\xampp\htdocs\kort\_DOCUMENTATION\05_Poster\images\space_invader.png"/>
+          <p:cNvPicPr>
+            <a:picLocks noChangeAspect="1" noChangeArrowheads="1"/>
+          </p:cNvPicPr>
+          <p:nvPr/>
+        </p:nvPicPr>
+        <p:blipFill>
+          <a:blip r:embed="rId9" cstate="print">
+            <a:extLst>
+              <a:ext uri="{28A0092B-C50C-407E-A947-70E740481C1C}">
+                <a14:useLocalDpi xmlns:a14="http://schemas.microsoft.com/office/drawing/2010/main" val="0"/>
+              </a:ext>
+            </a:extLst>
+          </a:blip>
+          <a:srcRect/>
+          <a:stretch>
+            <a:fillRect/>
+          </a:stretch>
+        </p:blipFill>
+        <p:spPr bwMode="auto">
+          <a:xfrm>
+            <a:off x="26629982" y="9958287"/>
+            <a:ext cx="785487" cy="573060"/>
+          </a:xfrm>
+          <a:prstGeom prst="rect">
+            <a:avLst/>
+          </a:prstGeom>
+          <a:noFill/>
+          <a:extLst>
+            <a:ext uri="{909E8E84-426E-40DD-AFC4-6F175D3DCCD1}">
+              <a14:hiddenFill xmlns:a14="http://schemas.microsoft.com/office/drawing/2010/main">
+                <a:solidFill>
+                  <a:srgbClr val="FFFFFF"/>
+                </a:solidFill>
+              </a14:hiddenFill>
+            </a:ext>
+          </a:extLst>
+        </p:spPr>
+      </p:pic>
+      <p:pic>
+        <p:nvPicPr>
+          <p:cNvPr id="33" name="Picture 3" descr="D:\xampp\htdocs\kort\_DOCUMENTATION\05_Poster\images\space_invader.png"/>
+          <p:cNvPicPr>
+            <a:picLocks noChangeAspect="1" noChangeArrowheads="1"/>
+          </p:cNvPicPr>
+          <p:nvPr/>
+        </p:nvPicPr>
+        <p:blipFill>
+          <a:blip r:embed="rId9" cstate="print">
+            <a:extLst>
+              <a:ext uri="{28A0092B-C50C-407E-A947-70E740481C1C}">
+                <a14:useLocalDpi xmlns:a14="http://schemas.microsoft.com/office/drawing/2010/main" val="0"/>
+              </a:ext>
+            </a:extLst>
+          </a:blip>
+          <a:srcRect/>
+          <a:stretch>
+            <a:fillRect/>
+          </a:stretch>
+        </p:blipFill>
+        <p:spPr bwMode="auto">
+          <a:xfrm>
+            <a:off x="26648691" y="11757027"/>
+            <a:ext cx="785487" cy="573060"/>
+          </a:xfrm>
+          <a:prstGeom prst="rect">
+            <a:avLst/>
+          </a:prstGeom>
+          <a:noFill/>
+          <a:extLst>
+            <a:ext uri="{909E8E84-426E-40DD-AFC4-6F175D3DCCD1}">
+              <a14:hiddenFill xmlns:a14="http://schemas.microsoft.com/office/drawing/2010/main">
+                <a:solidFill>
+                  <a:srgbClr val="FFFFFF"/>
+                </a:solidFill>
+              </a14:hiddenFill>
+            </a:ext>
+          </a:extLst>
+        </p:spPr>
+      </p:pic>
+      <p:pic>
+        <p:nvPicPr>
+          <p:cNvPr id="34" name="Picture 3" descr="D:\xampp\htdocs\kort\_DOCUMENTATION\05_Poster\images\space_invader.png"/>
+          <p:cNvPicPr>
+            <a:picLocks noChangeAspect="1" noChangeArrowheads="1"/>
+          </p:cNvPicPr>
+          <p:nvPr/>
+        </p:nvPicPr>
+        <p:blipFill>
+          <a:blip r:embed="rId9" cstate="print">
+            <a:extLst>
+              <a:ext uri="{28A0092B-C50C-407E-A947-70E740481C1C}">
+                <a14:useLocalDpi xmlns:a14="http://schemas.microsoft.com/office/drawing/2010/main" val="0"/>
+              </a:ext>
+            </a:extLst>
+          </a:blip>
+          <a:srcRect/>
+          <a:stretch>
+            <a:fillRect/>
+          </a:stretch>
+        </p:blipFill>
+        <p:spPr bwMode="auto">
+          <a:xfrm>
+            <a:off x="26648691" y="13483757"/>
+            <a:ext cx="785487" cy="573060"/>
+          </a:xfrm>
+          <a:prstGeom prst="rect">
+            <a:avLst/>
+          </a:prstGeom>
+          <a:noFill/>
+          <a:extLst>
+            <a:ext uri="{909E8E84-426E-40DD-AFC4-6F175D3DCCD1}">
+              <a14:hiddenFill xmlns:a14="http://schemas.microsoft.com/office/drawing/2010/main">
+                <a:solidFill>
+                  <a:srgbClr val="FFFFFF"/>
+                </a:solidFill>
+              </a14:hiddenFill>
+            </a:ext>
+          </a:extLst>
+        </p:spPr>
+      </p:pic>
+      <p:sp>
+        <p:nvSpPr>
+          <p:cNvPr id="6" name="Textfeld 5"/>
+          <p:cNvSpPr txBox="1"/>
+          <p:nvPr/>
+        </p:nvSpPr>
+        <p:spPr>
+          <a:xfrm>
+            <a:off x="17812631" y="9840463"/>
+            <a:ext cx="7472815" cy="861774"/>
+          </a:xfrm>
+          <a:prstGeom prst="rect">
+            <a:avLst/>
+          </a:prstGeom>
+          <a:noFill/>
+        </p:spPr>
+        <p:txBody>
+          <a:bodyPr wrap="none" rtlCol="0">
+            <a:spAutoFit/>
+          </a:bodyPr>
+          <a:lstStyle/>
+          <a:p>
+            <a:r>
+              <a:rPr lang="de-CH" sz="5000" b="1" u="sng" dirty="0" smtClean="0">
+                <a:solidFill>
+                  <a:schemeClr val="accent4"/>
+                </a:solidFill>
+                <a:latin typeface="Calibri" pitchFamily="34" charset="0"/>
+              </a:rPr>
+              <a:t>http://kort.herokuapp.com</a:t>
+            </a:r>
+            <a:endParaRPr lang="de-CH" sz="5000" b="1" u="sng" dirty="0">
+              <a:solidFill>
+                <a:schemeClr val="accent4"/>
+              </a:solidFill>
+              <a:latin typeface="Calibri" pitchFamily="34" charset="0"/>
+            </a:endParaRPr>
+          </a:p>
+        </p:txBody>
+      </p:sp>
+      <p:pic>
+        <p:nvPicPr>
+          <p:cNvPr id="8" name="Picture 2" descr="D:\xampp\htdocs\kort\_DOCUMENTATION\05_Poster\images\kort.herokuapp.com_qrcode.png"/>
+          <p:cNvPicPr>
+            <a:picLocks noChangeAspect="1" noChangeArrowheads="1"/>
+          </p:cNvPicPr>
+          <p:nvPr/>
+        </p:nvPicPr>
+        <p:blipFill>
+          <a:blip r:embed="rId10" cstate="print">
+            <a:extLst>
+              <a:ext uri="{28A0092B-C50C-407E-A947-70E740481C1C}">
+                <a14:useLocalDpi xmlns:a14="http://schemas.microsoft.com/office/drawing/2010/main" val="0"/>
+              </a:ext>
+            </a:extLst>
+          </a:blip>
+          <a:srcRect/>
+          <a:stretch>
+            <a:fillRect/>
+          </a:stretch>
+        </p:blipFill>
+        <p:spPr bwMode="auto">
+          <a:xfrm>
+            <a:off x="21684160" y="6847965"/>
+            <a:ext cx="2856802" cy="2856802"/>
+          </a:xfrm>
+          <a:prstGeom prst="rect">
+            <a:avLst/>
+          </a:prstGeom>
+          <a:noFill/>
+          <a:extLst>
+            <a:ext uri="{909E8E84-426E-40DD-AFC4-6F175D3DCCD1}">
+              <a14:hiddenFill xmlns:a14="http://schemas.microsoft.com/office/drawing/2010/main">
+                <a:solidFill>
+                  <a:srgbClr val="FFFFFF"/>
+                </a:solidFill>
+              </a14:hiddenFill>
+            </a:ext>
+          </a:extLst>
+        </p:spPr>
+      </p:pic>
+      <p:pic>
+        <p:nvPicPr>
+          <p:cNvPr id="13" name="Picture 5" descr="D:\xampp\htdocs\kort\_DOCUMENTATION\02_Documentation\images\screenshots\kort-screenshot-login.png"/>
+          <p:cNvPicPr>
+            <a:picLocks noChangeAspect="1" noChangeArrowheads="1"/>
+          </p:cNvPicPr>
+          <p:nvPr/>
+        </p:nvPicPr>
+        <p:blipFill>
+          <a:blip r:embed="rId11">
+            <a:extLst>
+              <a:ext uri="{28A0092B-C50C-407E-A947-70E740481C1C}">
+                <a14:useLocalDpi xmlns:a14="http://schemas.microsoft.com/office/drawing/2010/main" val="0"/>
+              </a:ext>
+            </a:extLst>
+          </a:blip>
+          <a:srcRect/>
+          <a:stretch>
+            <a:fillRect/>
+          </a:stretch>
+        </p:blipFill>
+        <p:spPr bwMode="auto">
+          <a:xfrm>
+            <a:off x="16613464" y="14976222"/>
+            <a:ext cx="3158192" cy="6237161"/>
+          </a:xfrm>
+          <a:prstGeom prst="rect">
+            <a:avLst/>
+          </a:prstGeom>
+          <a:noFill/>
+          <a:extLst>
+            <a:ext uri="{909E8E84-426E-40DD-AFC4-6F175D3DCCD1}">
+              <a14:hiddenFill xmlns:a14="http://schemas.microsoft.com/office/drawing/2010/main">
+                <a:solidFill>
+                  <a:srgbClr val="FFFFFF"/>
+                </a:solidFill>
+              </a14:hiddenFill>
+            </a:ext>
+          </a:extLst>
+        </p:spPr>
+      </p:pic>
+      <p:pic>
+        <p:nvPicPr>
+          <p:cNvPr id="1031" name="Picture 7" descr="D:\xampp\htdocs\kort\_DOCUMENTATION\02_Documentation\images\screenshots\kort-screenshot-bugmap.png"/>
+          <p:cNvPicPr>
+            <a:picLocks noChangeAspect="1" noChangeArrowheads="1"/>
+          </p:cNvPicPr>
+          <p:nvPr/>
+        </p:nvPicPr>
+        <p:blipFill>
+          <a:blip r:embed="rId12">
+            <a:extLst>
+              <a:ext uri="{28A0092B-C50C-407E-A947-70E740481C1C}">
+                <a14:useLocalDpi xmlns:a14="http://schemas.microsoft.com/office/drawing/2010/main" val="0"/>
+              </a:ext>
+            </a:extLst>
+          </a:blip>
+          <a:srcRect/>
+          <a:stretch>
+            <a:fillRect/>
+          </a:stretch>
+        </p:blipFill>
+        <p:spPr bwMode="auto">
+          <a:xfrm>
+            <a:off x="16605916" y="22178574"/>
+            <a:ext cx="3081985" cy="6237161"/>
+          </a:xfrm>
+          <a:prstGeom prst="rect">
+            <a:avLst/>
+          </a:prstGeom>
+          <a:noFill/>
+          <a:extLst>
+            <a:ext uri="{909E8E84-426E-40DD-AFC4-6F175D3DCCD1}">
+              <a14:hiddenFill xmlns:a14="http://schemas.microsoft.com/office/drawing/2010/main">
+                <a:solidFill>
+                  <a:srgbClr val="FFFFFF"/>
+                </a:solidFill>
+              </a14:hiddenFill>
+            </a:ext>
+          </a:extLst>
+        </p:spPr>
+      </p:pic>
+      <p:pic>
+        <p:nvPicPr>
+          <p:cNvPr id="1033" name="Picture 9" descr="D:\xampp\htdocs\kort\_DOCUMENTATION\02_Documentation\images\screenshots\kort-screenshot-validation.png"/>
+          <p:cNvPicPr>
+            <a:picLocks noChangeAspect="1" noChangeArrowheads="1"/>
+          </p:cNvPicPr>
+          <p:nvPr/>
+        </p:nvPicPr>
+        <p:blipFill>
+          <a:blip r:embed="rId13">
+            <a:extLst>
+              <a:ext uri="{28A0092B-C50C-407E-A947-70E740481C1C}">
+                <a14:useLocalDpi xmlns:a14="http://schemas.microsoft.com/office/drawing/2010/main" val="0"/>
+              </a:ext>
+            </a:extLst>
+          </a:blip>
+          <a:srcRect/>
+          <a:stretch>
+            <a:fillRect/>
+          </a:stretch>
+        </p:blipFill>
+        <p:spPr bwMode="auto">
+          <a:xfrm>
+            <a:off x="19873022" y="22178573"/>
+            <a:ext cx="3105971" cy="6237161"/>
+          </a:xfrm>
+          <a:prstGeom prst="rect">
+            <a:avLst/>
+          </a:prstGeom>
+          <a:noFill/>
+          <a:extLst>
+            <a:ext uri="{909E8E84-426E-40DD-AFC4-6F175D3DCCD1}">
+              <a14:hiddenFill xmlns:a14="http://schemas.microsoft.com/office/drawing/2010/main">
+                <a:solidFill>
+                  <a:srgbClr val="FFFFFF"/>
+                </a:solidFill>
+              </a14:hiddenFill>
+            </a:ext>
+          </a:extLst>
+        </p:spPr>
+      </p:pic>
+      <p:pic>
+        <p:nvPicPr>
+          <p:cNvPr id="1034" name="Picture 10" descr="D:\xampp\htdocs\kort\_DOCUMENTATION\02_Documentation\images\screenshots\kort-screenshot-vote.png"/>
+          <p:cNvPicPr>
+            <a:picLocks noChangeAspect="1" noChangeArrowheads="1"/>
+          </p:cNvPicPr>
+          <p:nvPr/>
+        </p:nvPicPr>
+        <p:blipFill>
+          <a:blip r:embed="rId14">
+            <a:extLst>
+              <a:ext uri="{28A0092B-C50C-407E-A947-70E740481C1C}">
+                <a14:useLocalDpi xmlns:a14="http://schemas.microsoft.com/office/drawing/2010/main" val="0"/>
+              </a:ext>
+            </a:extLst>
+          </a:blip>
+          <a:srcRect/>
+          <a:stretch>
+            <a:fillRect/>
+          </a:stretch>
+        </p:blipFill>
+        <p:spPr bwMode="auto">
+          <a:xfrm>
+            <a:off x="23175819" y="22178572"/>
+            <a:ext cx="3105971" cy="6237161"/>
+          </a:xfrm>
+          <a:prstGeom prst="rect">
+            <a:avLst/>
+          </a:prstGeom>
+          <a:noFill/>
+          <a:extLst>
+            <a:ext uri="{909E8E84-426E-40DD-AFC4-6F175D3DCCD1}">
+              <a14:hiddenFill xmlns:a14="http://schemas.microsoft.com/office/drawing/2010/main">
+                <a:solidFill>
+                  <a:srgbClr val="FFFFFF"/>
+                </a:solidFill>
+              </a14:hiddenFill>
+            </a:ext>
+          </a:extLst>
+        </p:spPr>
+      </p:pic>
+      <p:pic>
+        <p:nvPicPr>
+          <p:cNvPr id="1036" name="Picture 12" descr="D:\xampp\htdocs\kort\_DOCUMENTATION\02_Documentation\images\screenshots\kort-screenshot-highscore.png"/>
+          <p:cNvPicPr>
+            <a:picLocks noChangeAspect="1" noChangeArrowheads="1"/>
+          </p:cNvPicPr>
+          <p:nvPr/>
+        </p:nvPicPr>
+        <p:blipFill>
+          <a:blip r:embed="rId15">
+            <a:extLst>
+              <a:ext uri="{28A0092B-C50C-407E-A947-70E740481C1C}">
+                <a14:useLocalDpi xmlns:a14="http://schemas.microsoft.com/office/drawing/2010/main" val="0"/>
+              </a:ext>
+            </a:extLst>
+          </a:blip>
+          <a:srcRect/>
+          <a:stretch>
+            <a:fillRect/>
+          </a:stretch>
+        </p:blipFill>
+        <p:spPr bwMode="auto">
+          <a:xfrm>
+            <a:off x="23153824" y="14976222"/>
+            <a:ext cx="3113898" cy="6237159"/>
+          </a:xfrm>
+          <a:prstGeom prst="rect">
+            <a:avLst/>
+          </a:prstGeom>
+          <a:noFill/>
+          <a:extLst>
+            <a:ext uri="{909E8E84-426E-40DD-AFC4-6F175D3DCCD1}">
+              <a14:hiddenFill xmlns:a14="http://schemas.microsoft.com/office/drawing/2010/main">
+                <a:solidFill>
+                  <a:srgbClr val="FFFFFF"/>
+                </a:solidFill>
+              </a14:hiddenFill>
+            </a:ext>
+          </a:extLst>
+        </p:spPr>
+      </p:pic>
+      <p:pic>
+        <p:nvPicPr>
+          <p:cNvPr id="1037" name="Picture 13" descr="D:\xampp\htdocs\kort\_DOCUMENTATION\02_Documentation\images\screenshots\kort-screenshot-profile.png"/>
+          <p:cNvPicPr>
+            <a:picLocks noChangeAspect="1" noChangeArrowheads="1"/>
+          </p:cNvPicPr>
+          <p:nvPr/>
+        </p:nvPicPr>
+        <p:blipFill>
+          <a:blip r:embed="rId16">
+            <a:extLst>
+              <a:ext uri="{28A0092B-C50C-407E-A947-70E740481C1C}">
+                <a14:useLocalDpi xmlns:a14="http://schemas.microsoft.com/office/drawing/2010/main" val="0"/>
+              </a:ext>
+            </a:extLst>
+          </a:blip>
+          <a:srcRect/>
+          <a:stretch>
+            <a:fillRect/>
+          </a:stretch>
+        </p:blipFill>
+        <p:spPr bwMode="auto">
+          <a:xfrm>
+            <a:off x="19897453" y="14976222"/>
+            <a:ext cx="3082172" cy="6237161"/>
+          </a:xfrm>
+          <a:prstGeom prst="rect">
+            <a:avLst/>
+          </a:prstGeom>
+          <a:noFill/>
+          <a:extLst>
+            <a:ext uri="{909E8E84-426E-40DD-AFC4-6F175D3DCCD1}">
+              <a14:hiddenFill xmlns:a14="http://schemas.microsoft.com/office/drawing/2010/main">
+                <a:solidFill>
+                  <a:srgbClr val="FFFFFF"/>
+                </a:solidFill>
+              </a14:hiddenFill>
+            </a:ext>
+          </a:extLst>
+        </p:spPr>
+      </p:pic>
+      <p:sp>
+        <p:nvSpPr>
+          <p:cNvPr id="48" name="Textfeld 47"/>
+          <p:cNvSpPr txBox="1"/>
+          <p:nvPr/>
+        </p:nvSpPr>
+        <p:spPr>
+          <a:xfrm>
+            <a:off x="16412719" y="28648262"/>
+            <a:ext cx="3468378" cy="461665"/>
+          </a:xfrm>
+          <a:prstGeom prst="rect">
+            <a:avLst/>
+          </a:prstGeom>
+          <a:noFill/>
+        </p:spPr>
+        <p:txBody>
+          <a:bodyPr wrap="square" rtlCol="0">
+            <a:spAutoFit/>
+          </a:bodyPr>
+          <a:lstStyle/>
+          <a:p>
+            <a:pPr algn="ctr"/>
+            <a:r>
+              <a:rPr lang="de-CH" sz="2400" i="1" dirty="0" smtClean="0"/>
+              <a:t>Fehler beheben</a:t>
+            </a:r>
+            <a:endParaRPr lang="de-CH" sz="2400" i="1" dirty="0"/>
+          </a:p>
+        </p:txBody>
+      </p:sp>
+      <p:sp>
+        <p:nvSpPr>
+          <p:cNvPr id="49" name="Textfeld 48"/>
+          <p:cNvSpPr txBox="1"/>
+          <p:nvPr/>
+        </p:nvSpPr>
+        <p:spPr>
+          <a:xfrm>
+            <a:off x="21410463" y="28648261"/>
+            <a:ext cx="3468378" cy="461665"/>
+          </a:xfrm>
+          <a:prstGeom prst="rect">
+            <a:avLst/>
+          </a:prstGeom>
+          <a:noFill/>
+        </p:spPr>
+        <p:txBody>
+          <a:bodyPr wrap="square" rtlCol="0">
+            <a:spAutoFit/>
+          </a:bodyPr>
+          <a:lstStyle/>
+          <a:p>
+            <a:pPr algn="ctr"/>
+            <a:r>
+              <a:rPr lang="de-CH" sz="2400" i="1" dirty="0" smtClean="0"/>
+              <a:t>Lösungen überprüfen</a:t>
+            </a:r>
+            <a:endParaRPr lang="de-CH" sz="2400" i="1" dirty="0"/>
+          </a:p>
+        </p:txBody>
+      </p:sp>
+      <p:sp>
+        <p:nvSpPr>
+          <p:cNvPr id="50" name="Textfeld 49"/>
+          <p:cNvSpPr txBox="1"/>
+          <p:nvPr/>
+        </p:nvSpPr>
+        <p:spPr>
+          <a:xfrm>
+            <a:off x="22976584" y="21445913"/>
+            <a:ext cx="3468378" cy="461665"/>
+          </a:xfrm>
+          <a:prstGeom prst="rect">
+            <a:avLst/>
+          </a:prstGeom>
+          <a:noFill/>
+        </p:spPr>
+        <p:txBody>
+          <a:bodyPr wrap="square" rtlCol="0">
+            <a:spAutoFit/>
+          </a:bodyPr>
+          <a:lstStyle/>
+          <a:p>
+            <a:pPr algn="ctr"/>
+            <a:r>
+              <a:rPr lang="de-CH" sz="2400" i="1" dirty="0" err="1" smtClean="0"/>
+              <a:t>Highscore</a:t>
+            </a:r>
+            <a:endParaRPr lang="de-CH" sz="2400" i="1" dirty="0"/>
+          </a:p>
+        </p:txBody>
+      </p:sp>
+      <p:sp>
+        <p:nvSpPr>
+          <p:cNvPr id="51" name="Textfeld 50"/>
+          <p:cNvSpPr txBox="1"/>
+          <p:nvPr/>
+        </p:nvSpPr>
+        <p:spPr>
+          <a:xfrm>
+            <a:off x="19704350" y="21445913"/>
+            <a:ext cx="3468378" cy="461665"/>
+          </a:xfrm>
+          <a:prstGeom prst="rect">
+            <a:avLst/>
+          </a:prstGeom>
+          <a:noFill/>
+        </p:spPr>
+        <p:txBody>
+          <a:bodyPr wrap="square" rtlCol="0">
+            <a:spAutoFit/>
+          </a:bodyPr>
+          <a:lstStyle/>
+          <a:p>
+            <a:pPr algn="ctr"/>
+            <a:r>
+              <a:rPr lang="de-CH" sz="2400" i="1" dirty="0" smtClean="0"/>
+              <a:t>Profil</a:t>
+            </a:r>
+            <a:endParaRPr lang="de-CH" sz="2400" i="1" dirty="0"/>
+          </a:p>
+        </p:txBody>
+      </p:sp>
+      <p:graphicFrame>
+        <p:nvGraphicFramePr>
+          <p:cNvPr id="17" name="Tabelle 16"/>
+          <p:cNvGraphicFramePr>
+            <a:graphicFrameLocks noGrp="1"/>
+          </p:cNvGraphicFramePr>
+          <p:nvPr>
+            <p:extLst>
+              <p:ext uri="{D42A27DB-BD31-4B8C-83A1-F6EECF244321}">
+                <p14:modId xmlns:p14="http://schemas.microsoft.com/office/powerpoint/2010/main" val="1309391983"/>
+              </p:ext>
+            </p:extLst>
+          </p:nvPr>
+        </p:nvGraphicFramePr>
+        <p:xfrm>
+          <a:off x="1532077" y="6354768"/>
+          <a:ext cx="14474010" cy="3734688"/>
+        </p:xfrm>
+        <a:graphic>
+          <a:graphicData uri="http://schemas.openxmlformats.org/drawingml/2006/table">
+            <a:tbl>
+              <a:tblPr firstRow="1" bandRow="1">
+                <a:effectLst>
+                  <a:outerShdw blurRad="50800" dist="38100" dir="2700000" algn="tl" rotWithShape="0">
+                    <a:prstClr val="black">
+                      <a:alpha val="40000"/>
+                    </a:prstClr>
+                  </a:outerShdw>
+                </a:effectLst>
+                <a:tableStyleId>{0660B408-B3CF-4A94-85FC-2B1E0A45F4A2}</a:tableStyleId>
+              </a:tblPr>
+              <a:tblGrid>
+                <a:gridCol w="14474010"/>
+              </a:tblGrid>
+              <a:tr h="555752">
+                <a:tc>
+                  <a:txBody>
+                    <a:bodyPr/>
+                    <a:lstStyle/>
+                    <a:p>
+                      <a:pPr algn="just"/>
+                      <a:r>
+                        <a:rPr lang="de-CH" sz="5000" dirty="0" smtClean="0">
+                          <a:effectLst>
+                            <a:outerShdw blurRad="50800" dist="38100" dir="2700000" algn="tl" rotWithShape="0">
+                              <a:prstClr val="black">
+                                <a:alpha val="40000"/>
+                              </a:prstClr>
+                            </a:outerShdw>
+                          </a:effectLst>
+                          <a:latin typeface="Calibri" pitchFamily="34" charset="0"/>
+                          <a:cs typeface="Calibri" pitchFamily="34" charset="0"/>
+                        </a:rPr>
+                        <a:t>Ziele</a:t>
+                      </a:r>
+                      <a:endParaRPr lang="de-CH" sz="5000" dirty="0" smtClean="0">
+                        <a:effectLst>
+                          <a:outerShdw blurRad="50800" dist="38100" dir="2700000" algn="tl" rotWithShape="0">
+                            <a:prstClr val="black">
+                              <a:alpha val="40000"/>
+                            </a:prstClr>
+                          </a:outerShdw>
+                        </a:effectLst>
+                        <a:latin typeface="Calibri" pitchFamily="34" charset="0"/>
+                        <a:cs typeface="Calibri" pitchFamily="34" charset="0"/>
+                      </a:endParaRPr>
+                    </a:p>
+                  </a:txBody>
+                  <a:tcPr marL="360000" marR="360000" marT="180000" marB="180000">
+                    <a:solidFill>
+                      <a:schemeClr val="accent1">
+                        <a:lumMod val="50000"/>
+                      </a:schemeClr>
+                    </a:solidFill>
+                  </a:tcPr>
+                </a:tc>
+              </a:tr>
+              <a:tr h="2612688">
+                <a:tc>
+                  <a:txBody>
+                    <a:bodyPr/>
+                    <a:lstStyle/>
+                    <a:p>
+                      <a:pPr marL="285750" indent="-285750">
+                        <a:spcAft>
+                          <a:spcPts val="1800"/>
+                        </a:spcAft>
+                        <a:buFontTx/>
+                        <a:buChar char="-"/>
+                      </a:pPr>
+                      <a:r>
+                        <a:rPr lang="de-CH" sz="4000" dirty="0" smtClean="0">
+                          <a:latin typeface="Calibri" pitchFamily="34" charset="0"/>
+                        </a:rPr>
+                        <a:t>Cross-</a:t>
+                      </a:r>
+                      <a:r>
+                        <a:rPr lang="de-CH" sz="4000" dirty="0" err="1" smtClean="0">
+                          <a:latin typeface="Calibri" pitchFamily="34" charset="0"/>
+                        </a:rPr>
+                        <a:t>platform</a:t>
+                      </a:r>
+                      <a:r>
+                        <a:rPr lang="de-CH" sz="4000" dirty="0" smtClean="0">
+                          <a:latin typeface="Calibri" pitchFamily="34" charset="0"/>
+                        </a:rPr>
+                        <a:t> mobile </a:t>
+                      </a:r>
+                      <a:r>
+                        <a:rPr lang="de-CH" sz="4000" dirty="0" err="1" smtClean="0">
+                          <a:latin typeface="Calibri" pitchFamily="34" charset="0"/>
+                        </a:rPr>
+                        <a:t>WebApp</a:t>
+                      </a:r>
+                      <a:endParaRPr lang="de-CH" sz="4000" dirty="0" smtClean="0">
+                        <a:latin typeface="Calibri" pitchFamily="34" charset="0"/>
+                      </a:endParaRPr>
+                    </a:p>
+                    <a:p>
+                      <a:pPr marL="285750" indent="-285750">
+                        <a:spcAft>
+                          <a:spcPts val="1800"/>
+                        </a:spcAft>
+                        <a:buFontTx/>
+                        <a:buChar char="-"/>
+                      </a:pPr>
+                      <a:r>
+                        <a:rPr lang="de-CH" sz="4000" dirty="0" smtClean="0">
+                          <a:latin typeface="Calibri" pitchFamily="34" charset="0"/>
+                        </a:rPr>
+                        <a:t>Verbessern von </a:t>
+                      </a:r>
+                      <a:r>
+                        <a:rPr lang="de-CH" sz="4000" dirty="0" err="1" smtClean="0">
+                          <a:latin typeface="Calibri" pitchFamily="34" charset="0"/>
+                        </a:rPr>
+                        <a:t>OpenStreetMap</a:t>
+                      </a:r>
+                      <a:r>
+                        <a:rPr lang="de-CH" sz="4000" dirty="0" smtClean="0">
+                          <a:latin typeface="Calibri" pitchFamily="34" charset="0"/>
+                        </a:rPr>
+                        <a:t> Daten</a:t>
+                      </a:r>
+                    </a:p>
+                    <a:p>
+                      <a:pPr marL="285750" indent="-285750">
+                        <a:buFontTx/>
+                        <a:buChar char="-"/>
+                      </a:pPr>
+                      <a:endParaRPr lang="de-CH" sz="2800" dirty="0" smtClean="0">
+                        <a:latin typeface="Calibri" pitchFamily="34" charset="0"/>
+                      </a:endParaRPr>
+                    </a:p>
+                  </a:txBody>
+                  <a:tcPr marL="360000" marR="360000" marT="180000" marB="180000"/>
+                </a:tc>
+              </a:tr>
+            </a:tbl>
+          </a:graphicData>
+        </a:graphic>
+      </p:graphicFrame>
+      <p:graphicFrame>
+        <p:nvGraphicFramePr>
+          <p:cNvPr id="54" name="Tabelle 53"/>
+          <p:cNvGraphicFramePr>
+            <a:graphicFrameLocks noGrp="1"/>
+          </p:cNvGraphicFramePr>
+          <p:nvPr>
+            <p:extLst>
+              <p:ext uri="{D42A27DB-BD31-4B8C-83A1-F6EECF244321}">
+                <p14:modId xmlns:p14="http://schemas.microsoft.com/office/powerpoint/2010/main" val="3324802153"/>
+              </p:ext>
+            </p:extLst>
+          </p:nvPr>
+        </p:nvGraphicFramePr>
+        <p:xfrm>
+          <a:off x="1516822" y="10674115"/>
+          <a:ext cx="14474010" cy="3734688"/>
+        </p:xfrm>
+        <a:graphic>
+          <a:graphicData uri="http://schemas.openxmlformats.org/drawingml/2006/table">
+            <a:tbl>
+              <a:tblPr firstRow="1" bandRow="1">
+                <a:effectLst>
+                  <a:outerShdw blurRad="50800" dist="38100" dir="2700000" algn="tl" rotWithShape="0">
+                    <a:prstClr val="black">
+                      <a:alpha val="40000"/>
+                    </a:prstClr>
+                  </a:outerShdw>
+                </a:effectLst>
+                <a:tableStyleId>{0660B408-B3CF-4A94-85FC-2B1E0A45F4A2}</a:tableStyleId>
+              </a:tblPr>
+              <a:tblGrid>
+                <a:gridCol w="14474010"/>
+              </a:tblGrid>
+              <a:tr h="555752">
+                <a:tc>
+                  <a:txBody>
+                    <a:bodyPr/>
+                    <a:lstStyle/>
+                    <a:p>
+                      <a:pPr algn="just"/>
+                      <a:r>
+                        <a:rPr lang="de-CH" sz="5000" dirty="0" smtClean="0">
+                          <a:effectLst>
+                            <a:outerShdw blurRad="50800" dist="38100" dir="2700000" algn="tl" rotWithShape="0">
+                              <a:prstClr val="black">
+                                <a:alpha val="40000"/>
+                              </a:prstClr>
+                            </a:outerShdw>
+                          </a:effectLst>
+                          <a:latin typeface="Calibri" pitchFamily="34" charset="0"/>
+                          <a:cs typeface="Calibri" pitchFamily="34" charset="0"/>
+                        </a:rPr>
+                        <a:t>Umsetzung</a:t>
+                      </a:r>
+                      <a:endParaRPr lang="de-CH" sz="5000" dirty="0" smtClean="0">
+                        <a:effectLst>
+                          <a:outerShdw blurRad="50800" dist="38100" dir="2700000" algn="tl" rotWithShape="0">
+                            <a:prstClr val="black">
+                              <a:alpha val="40000"/>
+                            </a:prstClr>
+                          </a:outerShdw>
+                        </a:effectLst>
+                        <a:latin typeface="Calibri" pitchFamily="34" charset="0"/>
+                        <a:cs typeface="Calibri" pitchFamily="34" charset="0"/>
+                      </a:endParaRPr>
+                    </a:p>
+                  </a:txBody>
+                  <a:tcPr marL="360000" marR="360000" marT="180000" marB="180000">
+                    <a:solidFill>
+                      <a:schemeClr val="accent1">
+                        <a:lumMod val="50000"/>
+                      </a:schemeClr>
+                    </a:solidFill>
+                  </a:tcPr>
+                </a:tc>
+              </a:tr>
+              <a:tr h="2612688">
+                <a:tc>
+                  <a:txBody>
+                    <a:bodyPr/>
+                    <a:lstStyle/>
+                    <a:p>
+                      <a:pPr marL="285750" indent="-285750">
+                        <a:spcAft>
+                          <a:spcPts val="1800"/>
+                        </a:spcAft>
+                        <a:buFontTx/>
+                        <a:buChar char="-"/>
+                      </a:pPr>
+                      <a:r>
+                        <a:rPr lang="de-CH" sz="4000" dirty="0" err="1" smtClean="0">
+                          <a:latin typeface="Calibri" pitchFamily="34" charset="0"/>
+                        </a:rPr>
+                        <a:t>Sencha</a:t>
+                      </a:r>
+                      <a:r>
+                        <a:rPr lang="de-CH" sz="4000" baseline="0" dirty="0" smtClean="0">
+                          <a:latin typeface="Calibri" pitchFamily="34" charset="0"/>
+                        </a:rPr>
+                        <a:t> Touch Framework verwendet</a:t>
+                      </a:r>
+                      <a:endParaRPr lang="de-CH" sz="4000" dirty="0" smtClean="0">
+                        <a:latin typeface="Calibri" pitchFamily="34" charset="0"/>
+                      </a:endParaRPr>
+                    </a:p>
+                    <a:p>
+                      <a:pPr marL="285750" indent="-285750">
+                        <a:buFontTx/>
+                        <a:buChar char="-"/>
+                      </a:pPr>
+                      <a:endParaRPr lang="de-CH" sz="2800" dirty="0" smtClean="0">
+                        <a:latin typeface="Calibri" pitchFamily="34" charset="0"/>
+                      </a:endParaRPr>
+                    </a:p>
+                  </a:txBody>
+                  <a:tcPr marL="360000" marR="360000" marT="180000" marB="180000"/>
+                </a:tc>
+              </a:tr>
+            </a:tbl>
+          </a:graphicData>
+        </a:graphic>
+      </p:graphicFrame>
+      <p:sp>
+        <p:nvSpPr>
+          <p:cNvPr id="18" name="Textfeld 17"/>
+          <p:cNvSpPr txBox="1"/>
+          <p:nvPr/>
+        </p:nvSpPr>
+        <p:spPr>
+          <a:xfrm>
+            <a:off x="28389232" y="15368231"/>
+            <a:ext cx="3382787" cy="707886"/>
+          </a:xfrm>
+          <a:prstGeom prst="rect">
+            <a:avLst/>
+          </a:prstGeom>
+          <a:noFill/>
+        </p:spPr>
+        <p:txBody>
+          <a:bodyPr wrap="square" rtlCol="0">
+            <a:spAutoFit/>
+          </a:bodyPr>
+          <a:lstStyle/>
+          <a:p>
+            <a:r>
+              <a:rPr lang="de-CH" sz="4000" b="1" dirty="0" smtClean="0">
+                <a:latin typeface="Calibri" pitchFamily="34" charset="0"/>
+              </a:rPr>
+              <a:t>Übersicht</a:t>
+            </a:r>
+            <a:endParaRPr lang="de-CH" sz="4000" b="1" dirty="0">
+              <a:latin typeface="Calibri" pitchFamily="34" charset="0"/>
+            </a:endParaRPr>
+          </a:p>
+        </p:txBody>
+      </p:sp>
     </p:spTree>
   </p:cSld>
   <p:clrMapOvr>

--- a/_DOCUMENTATION/05_Poster/kort-Poster.pptx
+++ b/_DOCUMENTATION/05_Poster/kort-Poster.pptx
@@ -4560,52 +4560,6 @@
       </p:grpSpPr>
       <p:sp>
         <p:nvSpPr>
-          <p:cNvPr id="15" name="Rechteck 14"/>
-          <p:cNvSpPr/>
-          <p:nvPr/>
-        </p:nvSpPr>
-        <p:spPr>
-          <a:xfrm>
-            <a:off x="25940892" y="6354768"/>
-            <a:ext cx="14834060" cy="8065119"/>
-          </a:xfrm>
-          <a:prstGeom prst="rect">
-            <a:avLst/>
-          </a:prstGeom>
-          <a:noFill/>
-          <a:ln w="76200">
-            <a:solidFill>
-              <a:schemeClr val="tx1"/>
-            </a:solidFill>
-          </a:ln>
-        </p:spPr>
-        <p:style>
-          <a:lnRef idx="2">
-            <a:schemeClr val="accent1">
-              <a:shade val="50000"/>
-            </a:schemeClr>
-          </a:lnRef>
-          <a:fillRef idx="1">
-            <a:schemeClr val="accent1"/>
-          </a:fillRef>
-          <a:effectRef idx="0">
-            <a:schemeClr val="accent1"/>
-          </a:effectRef>
-          <a:fontRef idx="minor">
-            <a:schemeClr val="lt1"/>
-          </a:fontRef>
-        </p:style>
-        <p:txBody>
-          <a:bodyPr rtlCol="0" anchor="ctr"/>
-          <a:lstStyle/>
-          <a:p>
-            <a:pPr algn="ctr"/>
-            <a:endParaRPr lang="de-CH"/>
-          </a:p>
-        </p:txBody>
-      </p:sp>
-      <p:sp>
-        <p:nvSpPr>
           <p:cNvPr id="2051" name="Text Box 10"/>
           <p:cNvSpPr txBox="1">
             <a:spLocks noChangeArrowheads="1"/>
@@ -5306,37 +5260,6 @@
           </a:graphicData>
         </a:graphic>
       </p:graphicFrame>
-      <p:sp>
-        <p:nvSpPr>
-          <p:cNvPr id="47" name="Textfeld 46"/>
-          <p:cNvSpPr txBox="1"/>
-          <p:nvPr/>
-        </p:nvSpPr>
-        <p:spPr>
-          <a:xfrm>
-            <a:off x="16458371" y="21445913"/>
-            <a:ext cx="3468378" cy="461665"/>
-          </a:xfrm>
-          <a:prstGeom prst="rect">
-            <a:avLst/>
-          </a:prstGeom>
-          <a:noFill/>
-        </p:spPr>
-        <p:txBody>
-          <a:bodyPr wrap="square" rtlCol="0">
-            <a:spAutoFit/>
-          </a:bodyPr>
-          <a:lstStyle/>
-          <a:p>
-            <a:pPr algn="ctr"/>
-            <a:r>
-              <a:rPr lang="de-CH" sz="2400" i="1" dirty="0" smtClean="0"/>
-              <a:t>Login</a:t>
-            </a:r>
-            <a:endParaRPr lang="de-CH" sz="2400" i="1" dirty="0"/>
-          </a:p>
-        </p:txBody>
-      </p:sp>
       <p:pic>
         <p:nvPicPr>
           <p:cNvPr id="1027" name="Picture 3" descr="D:\FILES\Juerg\Desktop\283208_10150262618957668_535577667_7335132_7992693_n.jpg"/>
@@ -5474,8 +5397,8 @@
         </p:blipFill>
         <p:spPr bwMode="auto">
           <a:xfrm>
-            <a:off x="18372486" y="6847965"/>
-            <a:ext cx="2856802" cy="2856802"/>
+            <a:off x="19343543" y="6512237"/>
+            <a:ext cx="4122229" cy="4122229"/>
           </a:xfrm>
           <a:prstGeom prst="rect">
             <a:avLst/>
@@ -5492,16 +5415,61 @@
           </a:extLst>
         </p:spPr>
       </p:pic>
+      <p:sp>
+        <p:nvSpPr>
+          <p:cNvPr id="6" name="Textfeld 5"/>
+          <p:cNvSpPr txBox="1"/>
+          <p:nvPr/>
+        </p:nvSpPr>
+        <p:spPr>
+          <a:xfrm>
+            <a:off x="34078022" y="28317817"/>
+            <a:ext cx="7417030" cy="861774"/>
+          </a:xfrm>
+          <a:prstGeom prst="rect">
+            <a:avLst/>
+          </a:prstGeom>
+          <a:noFill/>
+        </p:spPr>
+        <p:txBody>
+          <a:bodyPr wrap="square" rtlCol="0">
+            <a:spAutoFit/>
+          </a:bodyPr>
+          <a:lstStyle/>
+          <a:p>
+            <a:pPr algn="r"/>
+            <a:r>
+              <a:rPr lang="de-CH" sz="5000" b="1" u="sng" dirty="0" smtClean="0">
+                <a:solidFill>
+                  <a:schemeClr val="bg2">
+                    <a:lumMod val="50000"/>
+                  </a:schemeClr>
+                </a:solidFill>
+                <a:latin typeface="Calibri" pitchFamily="34" charset="0"/>
+              </a:rPr>
+              <a:t>http://kort.herokuapp.com</a:t>
+            </a:r>
+            <a:endParaRPr lang="de-CH" sz="5000" b="1" u="sng" dirty="0">
+              <a:solidFill>
+                <a:schemeClr val="bg2">
+                  <a:lumMod val="50000"/>
+                </a:schemeClr>
+              </a:solidFill>
+              <a:latin typeface="Calibri" pitchFamily="34" charset="0"/>
+            </a:endParaRPr>
+          </a:p>
+        </p:txBody>
+      </p:sp>
       <p:pic>
         <p:nvPicPr>
-          <p:cNvPr id="1026" name="Picture 2" descr="D:\xampp\htdocs\kort\_DOCUMENTATION\05_Poster\images\kort-big_picture.png"/>
+          <p:cNvPr id="8" name="Picture 2" descr="D:\xampp\htdocs\kort\_DOCUMENTATION\05_Poster\images\kort.herokuapp.com_qrcode.png"/>
           <p:cNvPicPr>
             <a:picLocks noChangeAspect="1" noChangeArrowheads="1"/>
           </p:cNvPicPr>
           <p:nvPr/>
         </p:nvPicPr>
         <p:blipFill>
-          <a:blip r:embed="rId8">
+          <a:blip r:embed="rId8" cstate="print">
             <a:extLst>
               <a:ext uri="{28A0092B-C50C-407E-A947-70E740481C1C}">
                 <a14:useLocalDpi xmlns:a14="http://schemas.microsoft.com/office/drawing/2010/main" val="0"/>
@@ -5515,8 +5483,8 @@
         </p:blipFill>
         <p:spPr bwMode="auto">
           <a:xfrm>
-            <a:off x="28827881" y="14976221"/>
-            <a:ext cx="11251646" cy="13755023"/>
+            <a:off x="38832506" y="25852486"/>
+            <a:ext cx="2393321" cy="2393321"/>
           </a:xfrm>
           <a:prstGeom prst="rect">
             <a:avLst/>
@@ -5535,14 +5503,14 @@
       </p:pic>
       <p:pic>
         <p:nvPicPr>
-          <p:cNvPr id="3" name="Picture 3" descr="D:\xampp\htdocs\kort\_DOCUMENTATION\05_Poster\images\space_invader.png"/>
+          <p:cNvPr id="1033" name="Picture 9" descr="D:\xampp\htdocs\kort\_DOCUMENTATION\02_Documentation\images\screenshots\kort-screenshot-validation.png"/>
           <p:cNvPicPr>
             <a:picLocks noChangeAspect="1" noChangeArrowheads="1"/>
           </p:cNvPicPr>
           <p:nvPr/>
         </p:nvPicPr>
         <p:blipFill>
-          <a:blip r:embed="rId9" cstate="print">
+          <a:blip r:embed="rId9">
             <a:extLst>
               <a:ext uri="{28A0092B-C50C-407E-A947-70E740481C1C}">
                 <a14:useLocalDpi xmlns:a14="http://schemas.microsoft.com/office/drawing/2010/main" val="0"/>
@@ -5556,8 +5524,8 @@
         </p:blipFill>
         <p:spPr bwMode="auto">
           <a:xfrm>
-            <a:off x="26648691" y="9235167"/>
-            <a:ext cx="785487" cy="573060"/>
+            <a:off x="30262084" y="13377459"/>
+            <a:ext cx="2509408" cy="5039191"/>
           </a:xfrm>
           <a:prstGeom prst="rect">
             <a:avLst/>
@@ -5574,255 +5542,16 @@
           </a:extLst>
         </p:spPr>
       </p:pic>
-      <p:sp>
-        <p:nvSpPr>
-          <p:cNvPr id="5" name="Textfeld 4"/>
-          <p:cNvSpPr txBox="1"/>
-          <p:nvPr/>
-        </p:nvSpPr>
-        <p:spPr>
-          <a:xfrm>
-            <a:off x="26387413" y="6525911"/>
-            <a:ext cx="11882533" cy="861774"/>
-          </a:xfrm>
-          <a:prstGeom prst="rect">
-            <a:avLst/>
-          </a:prstGeom>
-          <a:noFill/>
-        </p:spPr>
-        <p:txBody>
-          <a:bodyPr wrap="square" rtlCol="0">
-            <a:spAutoFit/>
-          </a:bodyPr>
-          <a:lstStyle/>
-          <a:p>
-            <a:r>
-              <a:rPr lang="de-CH" sz="5000" u="sng" dirty="0" err="1" smtClean="0">
-                <a:latin typeface="Commodore 64 Pixelized" pitchFamily="2" charset="0"/>
-              </a:rPr>
-              <a:t>Gamification</a:t>
-            </a:r>
-            <a:endParaRPr lang="de-CH" sz="5000" u="sng" dirty="0">
-              <a:latin typeface="Commodore 64 Pixelized" pitchFamily="2" charset="0"/>
-            </a:endParaRPr>
-          </a:p>
-        </p:txBody>
-      </p:sp>
-      <p:sp>
-        <p:nvSpPr>
-          <p:cNvPr id="30" name="Textfeld 29"/>
-          <p:cNvSpPr txBox="1"/>
-          <p:nvPr/>
-        </p:nvSpPr>
-        <p:spPr>
-          <a:xfrm>
-            <a:off x="26387476" y="7674261"/>
-            <a:ext cx="14644506" cy="1246495"/>
-          </a:xfrm>
-          <a:prstGeom prst="rect">
-            <a:avLst/>
-          </a:prstGeom>
-          <a:noFill/>
-        </p:spPr>
-        <p:txBody>
-          <a:bodyPr wrap="square" rtlCol="0">
-            <a:spAutoFit/>
-          </a:bodyPr>
-          <a:lstStyle/>
-          <a:p>
-            <a:r>
-              <a:rPr lang="de-CH" sz="2500" dirty="0" smtClean="0">
-                <a:latin typeface="Commodore 64 Pixelized" pitchFamily="2" charset="0"/>
-              </a:rPr>
-              <a:t>Unter </a:t>
-            </a:r>
-            <a:r>
-              <a:rPr lang="de-CH" sz="2500" dirty="0" err="1" smtClean="0">
-                <a:latin typeface="Commodore 64 Pixelized" pitchFamily="2" charset="0"/>
-              </a:rPr>
-              <a:t>Gamification</a:t>
-            </a:r>
-            <a:r>
-              <a:rPr lang="de-CH" sz="2500" dirty="0" smtClean="0">
-                <a:latin typeface="Commodore 64 Pixelized" pitchFamily="2" charset="0"/>
-              </a:rPr>
-              <a:t> versteht man das Hinzufügen von spieletypischen Elementen in einen nicht-spieletypischen Kontext.</a:t>
-            </a:r>
-            <a:endParaRPr lang="de-CH" sz="2500" dirty="0">
-              <a:latin typeface="Commodore 64 Pixelized" pitchFamily="2" charset="0"/>
-            </a:endParaRPr>
-          </a:p>
-        </p:txBody>
-      </p:sp>
-      <p:sp>
-        <p:nvSpPr>
-          <p:cNvPr id="31" name="Textfeld 30"/>
-          <p:cNvSpPr txBox="1"/>
-          <p:nvPr/>
-        </p:nvSpPr>
-        <p:spPr>
-          <a:xfrm>
-            <a:off x="27865206" y="9272646"/>
-            <a:ext cx="12214320" cy="4785926"/>
-          </a:xfrm>
-          <a:prstGeom prst="rect">
-            <a:avLst/>
-          </a:prstGeom>
-          <a:noFill/>
-        </p:spPr>
-        <p:txBody>
-          <a:bodyPr wrap="square" rtlCol="0">
-            <a:spAutoFit/>
-          </a:bodyPr>
-          <a:lstStyle/>
-          <a:p>
-            <a:pPr>
-              <a:spcAft>
-                <a:spcPts val="1800"/>
-              </a:spcAft>
-            </a:pPr>
-            <a:r>
-              <a:rPr lang="de-CH" sz="3000" dirty="0" err="1" smtClean="0">
-                <a:latin typeface="Commodore 64 Pixelized" pitchFamily="2" charset="0"/>
-              </a:rPr>
-              <a:t>Badges</a:t>
-            </a:r>
-            <a:r>
-              <a:rPr lang="de-CH" sz="3000" dirty="0" smtClean="0">
-                <a:latin typeface="Commodore 64 Pixelized" pitchFamily="2" charset="0"/>
-              </a:rPr>
-              <a:t>/Auszeichnungen</a:t>
-            </a:r>
-          </a:p>
-          <a:p>
-            <a:pPr>
-              <a:spcAft>
-                <a:spcPts val="1800"/>
-              </a:spcAft>
-            </a:pPr>
-            <a:r>
-              <a:rPr lang="de-CH" sz="3000" dirty="0" smtClean="0">
-                <a:latin typeface="Commodore 64 Pixelized" pitchFamily="2" charset="0"/>
-              </a:rPr>
-              <a:t>Punktesystem</a:t>
-            </a:r>
-          </a:p>
-          <a:p>
-            <a:pPr marL="571500" indent="-571500">
-              <a:spcAft>
-                <a:spcPts val="1800"/>
-              </a:spcAft>
-              <a:buFontTx/>
-              <a:buChar char="-"/>
-            </a:pPr>
-            <a:r>
-              <a:rPr lang="de-CH" sz="2000" dirty="0" smtClean="0">
-                <a:latin typeface="Commodore 64 Pixelized" pitchFamily="2" charset="0"/>
-              </a:rPr>
-              <a:t>Globale </a:t>
-            </a:r>
-            <a:r>
-              <a:rPr lang="de-CH" sz="2000" dirty="0" err="1" smtClean="0">
-                <a:latin typeface="Commodore 64 Pixelized" pitchFamily="2" charset="0"/>
-              </a:rPr>
-              <a:t>Highscore</a:t>
-            </a:r>
-            <a:endParaRPr lang="de-CH" sz="2000" dirty="0" smtClean="0">
-              <a:latin typeface="Commodore 64 Pixelized" pitchFamily="2" charset="0"/>
-            </a:endParaRPr>
-          </a:p>
-          <a:p>
-            <a:pPr marL="571500" indent="-571500">
-              <a:spcAft>
-                <a:spcPts val="1800"/>
-              </a:spcAft>
-              <a:buFontTx/>
-              <a:buChar char="-"/>
-            </a:pPr>
-            <a:r>
-              <a:rPr lang="de-CH" sz="2000" dirty="0" smtClean="0">
-                <a:latin typeface="Commodore 64 Pixelized" pitchFamily="2" charset="0"/>
-              </a:rPr>
-              <a:t>Regionale </a:t>
-            </a:r>
-            <a:r>
-              <a:rPr lang="de-CH" sz="2000" dirty="0" err="1" smtClean="0">
-                <a:latin typeface="Commodore 64 Pixelized" pitchFamily="2" charset="0"/>
-              </a:rPr>
-              <a:t>Highscore</a:t>
-            </a:r>
-            <a:endParaRPr lang="de-CH" sz="2000" dirty="0" smtClean="0">
-              <a:latin typeface="Commodore 64 Pixelized" pitchFamily="2" charset="0"/>
-            </a:endParaRPr>
-          </a:p>
-          <a:p>
-            <a:pPr>
-              <a:spcAft>
-                <a:spcPts val="1800"/>
-              </a:spcAft>
-            </a:pPr>
-            <a:r>
-              <a:rPr lang="de-CH" sz="3000" dirty="0" smtClean="0">
-                <a:latin typeface="Commodore 64 Pixelized" pitchFamily="2" charset="0"/>
-              </a:rPr>
-              <a:t>Zeitlich begrenzte Aktionen</a:t>
-            </a:r>
-          </a:p>
-          <a:p>
-            <a:pPr marL="571500" indent="-571500">
-              <a:spcAft>
-                <a:spcPts val="1800"/>
-              </a:spcAft>
-              <a:buFontTx/>
-              <a:buChar char="-"/>
-            </a:pPr>
-            <a:r>
-              <a:rPr lang="de-CH" sz="2000" dirty="0" smtClean="0">
-                <a:latin typeface="Commodore 64 Pixelized" pitchFamily="2" charset="0"/>
-              </a:rPr>
-              <a:t>Mit Push-Meldungen aufmerksam machen</a:t>
-            </a:r>
-          </a:p>
-          <a:p>
-            <a:pPr marL="571500" indent="-571500">
-              <a:spcAft>
-                <a:spcPts val="1800"/>
-              </a:spcAft>
-              <a:buFontTx/>
-              <a:buChar char="-"/>
-            </a:pPr>
-            <a:r>
-              <a:rPr lang="de-CH" sz="2000" dirty="0" smtClean="0">
-                <a:latin typeface="Commodore 64 Pixelized" pitchFamily="2" charset="0"/>
-              </a:rPr>
-              <a:t>Spezialauszeichnung</a:t>
-            </a:r>
-          </a:p>
-          <a:p>
-            <a:pPr>
-              <a:spcAft>
-                <a:spcPts val="1800"/>
-              </a:spcAft>
-            </a:pPr>
-            <a:r>
-              <a:rPr lang="de-CH" sz="3000" dirty="0" smtClean="0">
-                <a:latin typeface="Commodore 64 Pixelized" pitchFamily="2" charset="0"/>
-              </a:rPr>
-              <a:t>Berechtigungen erhöhen</a:t>
-            </a:r>
-          </a:p>
-        </p:txBody>
-      </p:sp>
       <p:pic>
         <p:nvPicPr>
-          <p:cNvPr id="32" name="Picture 3" descr="D:\xampp\htdocs\kort\_DOCUMENTATION\05_Poster\images\space_invader.png"/>
+          <p:cNvPr id="1034" name="Picture 10" descr="D:\xampp\htdocs\kort\_DOCUMENTATION\02_Documentation\images\screenshots\kort-screenshot-vote.png"/>
           <p:cNvPicPr>
             <a:picLocks noChangeAspect="1" noChangeArrowheads="1"/>
           </p:cNvPicPr>
           <p:nvPr/>
         </p:nvPicPr>
         <p:blipFill>
-          <a:blip r:embed="rId9" cstate="print">
+          <a:blip r:embed="rId10">
             <a:extLst>
               <a:ext uri="{28A0092B-C50C-407E-A947-70E740481C1C}">
                 <a14:useLocalDpi xmlns:a14="http://schemas.microsoft.com/office/drawing/2010/main" val="0"/>
@@ -5836,8 +5565,8 @@
         </p:blipFill>
         <p:spPr bwMode="auto">
           <a:xfrm>
-            <a:off x="26629982" y="9958287"/>
-            <a:ext cx="785487" cy="573060"/>
+            <a:off x="33071675" y="13361388"/>
+            <a:ext cx="2517411" cy="5055262"/>
           </a:xfrm>
           <a:prstGeom prst="rect">
             <a:avLst/>
@@ -5856,170 +5585,7 @@
       </p:pic>
       <p:pic>
         <p:nvPicPr>
-          <p:cNvPr id="33" name="Picture 3" descr="D:\xampp\htdocs\kort\_DOCUMENTATION\05_Poster\images\space_invader.png"/>
-          <p:cNvPicPr>
-            <a:picLocks noChangeAspect="1" noChangeArrowheads="1"/>
-          </p:cNvPicPr>
-          <p:nvPr/>
-        </p:nvPicPr>
-        <p:blipFill>
-          <a:blip r:embed="rId9" cstate="print">
-            <a:extLst>
-              <a:ext uri="{28A0092B-C50C-407E-A947-70E740481C1C}">
-                <a14:useLocalDpi xmlns:a14="http://schemas.microsoft.com/office/drawing/2010/main" val="0"/>
-              </a:ext>
-            </a:extLst>
-          </a:blip>
-          <a:srcRect/>
-          <a:stretch>
-            <a:fillRect/>
-          </a:stretch>
-        </p:blipFill>
-        <p:spPr bwMode="auto">
-          <a:xfrm>
-            <a:off x="26648691" y="11757027"/>
-            <a:ext cx="785487" cy="573060"/>
-          </a:xfrm>
-          <a:prstGeom prst="rect">
-            <a:avLst/>
-          </a:prstGeom>
-          <a:noFill/>
-          <a:extLst>
-            <a:ext uri="{909E8E84-426E-40DD-AFC4-6F175D3DCCD1}">
-              <a14:hiddenFill xmlns:a14="http://schemas.microsoft.com/office/drawing/2010/main">
-                <a:solidFill>
-                  <a:srgbClr val="FFFFFF"/>
-                </a:solidFill>
-              </a14:hiddenFill>
-            </a:ext>
-          </a:extLst>
-        </p:spPr>
-      </p:pic>
-      <p:pic>
-        <p:nvPicPr>
-          <p:cNvPr id="34" name="Picture 3" descr="D:\xampp\htdocs\kort\_DOCUMENTATION\05_Poster\images\space_invader.png"/>
-          <p:cNvPicPr>
-            <a:picLocks noChangeAspect="1" noChangeArrowheads="1"/>
-          </p:cNvPicPr>
-          <p:nvPr/>
-        </p:nvPicPr>
-        <p:blipFill>
-          <a:blip r:embed="rId9" cstate="print">
-            <a:extLst>
-              <a:ext uri="{28A0092B-C50C-407E-A947-70E740481C1C}">
-                <a14:useLocalDpi xmlns:a14="http://schemas.microsoft.com/office/drawing/2010/main" val="0"/>
-              </a:ext>
-            </a:extLst>
-          </a:blip>
-          <a:srcRect/>
-          <a:stretch>
-            <a:fillRect/>
-          </a:stretch>
-        </p:blipFill>
-        <p:spPr bwMode="auto">
-          <a:xfrm>
-            <a:off x="26648691" y="13483757"/>
-            <a:ext cx="785487" cy="573060"/>
-          </a:xfrm>
-          <a:prstGeom prst="rect">
-            <a:avLst/>
-          </a:prstGeom>
-          <a:noFill/>
-          <a:extLst>
-            <a:ext uri="{909E8E84-426E-40DD-AFC4-6F175D3DCCD1}">
-              <a14:hiddenFill xmlns:a14="http://schemas.microsoft.com/office/drawing/2010/main">
-                <a:solidFill>
-                  <a:srgbClr val="FFFFFF"/>
-                </a:solidFill>
-              </a14:hiddenFill>
-            </a:ext>
-          </a:extLst>
-        </p:spPr>
-      </p:pic>
-      <p:sp>
-        <p:nvSpPr>
-          <p:cNvPr id="6" name="Textfeld 5"/>
-          <p:cNvSpPr txBox="1"/>
-          <p:nvPr/>
-        </p:nvSpPr>
-        <p:spPr>
-          <a:xfrm>
-            <a:off x="17812631" y="9840463"/>
-            <a:ext cx="7472815" cy="861774"/>
-          </a:xfrm>
-          <a:prstGeom prst="rect">
-            <a:avLst/>
-          </a:prstGeom>
-          <a:noFill/>
-        </p:spPr>
-        <p:txBody>
-          <a:bodyPr wrap="none" rtlCol="0">
-            <a:spAutoFit/>
-          </a:bodyPr>
-          <a:lstStyle/>
-          <a:p>
-            <a:r>
-              <a:rPr lang="de-CH" sz="5000" b="1" u="sng" dirty="0" smtClean="0">
-                <a:solidFill>
-                  <a:schemeClr val="accent4"/>
-                </a:solidFill>
-                <a:latin typeface="Calibri" pitchFamily="34" charset="0"/>
-              </a:rPr>
-              <a:t>http://kort.herokuapp.com</a:t>
-            </a:r>
-            <a:endParaRPr lang="de-CH" sz="5000" b="1" u="sng" dirty="0">
-              <a:solidFill>
-                <a:schemeClr val="accent4"/>
-              </a:solidFill>
-              <a:latin typeface="Calibri" pitchFamily="34" charset="0"/>
-            </a:endParaRPr>
-          </a:p>
-        </p:txBody>
-      </p:sp>
-      <p:pic>
-        <p:nvPicPr>
-          <p:cNvPr id="8" name="Picture 2" descr="D:\xampp\htdocs\kort\_DOCUMENTATION\05_Poster\images\kort.herokuapp.com_qrcode.png"/>
-          <p:cNvPicPr>
-            <a:picLocks noChangeAspect="1" noChangeArrowheads="1"/>
-          </p:cNvPicPr>
-          <p:nvPr/>
-        </p:nvPicPr>
-        <p:blipFill>
-          <a:blip r:embed="rId10" cstate="print">
-            <a:extLst>
-              <a:ext uri="{28A0092B-C50C-407E-A947-70E740481C1C}">
-                <a14:useLocalDpi xmlns:a14="http://schemas.microsoft.com/office/drawing/2010/main" val="0"/>
-              </a:ext>
-            </a:extLst>
-          </a:blip>
-          <a:srcRect/>
-          <a:stretch>
-            <a:fillRect/>
-          </a:stretch>
-        </p:blipFill>
-        <p:spPr bwMode="auto">
-          <a:xfrm>
-            <a:off x="21684160" y="6847965"/>
-            <a:ext cx="2856802" cy="2856802"/>
-          </a:xfrm>
-          <a:prstGeom prst="rect">
-            <a:avLst/>
-          </a:prstGeom>
-          <a:noFill/>
-          <a:extLst>
-            <a:ext uri="{909E8E84-426E-40DD-AFC4-6F175D3DCCD1}">
-              <a14:hiddenFill xmlns:a14="http://schemas.microsoft.com/office/drawing/2010/main">
-                <a:solidFill>
-                  <a:srgbClr val="FFFFFF"/>
-                </a:solidFill>
-              </a14:hiddenFill>
-            </a:ext>
-          </a:extLst>
-        </p:spPr>
-      </p:pic>
-      <p:pic>
-        <p:nvPicPr>
-          <p:cNvPr id="13" name="Picture 5" descr="D:\xampp\htdocs\kort\_DOCUMENTATION\02_Documentation\images\screenshots\kort-screenshot-login.png"/>
+          <p:cNvPr id="1036" name="Picture 12" descr="D:\xampp\htdocs\kort\_DOCUMENTATION\02_Documentation\images\screenshots\kort-screenshot-highscore.png"/>
           <p:cNvPicPr>
             <a:picLocks noChangeAspect="1" noChangeArrowheads="1"/>
           </p:cNvPicPr>
@@ -6040,8 +5606,8 @@
         </p:blipFill>
         <p:spPr bwMode="auto">
           <a:xfrm>
-            <a:off x="16613464" y="14976222"/>
-            <a:ext cx="3158192" cy="6237161"/>
+            <a:off x="38297311" y="13377459"/>
+            <a:ext cx="2515813" cy="5039191"/>
           </a:xfrm>
           <a:prstGeom prst="rect">
             <a:avLst/>
@@ -6060,7 +5626,7 @@
       </p:pic>
       <p:pic>
         <p:nvPicPr>
-          <p:cNvPr id="1031" name="Picture 7" descr="D:\xampp\htdocs\kort\_DOCUMENTATION\02_Documentation\images\screenshots\kort-screenshot-bugmap.png"/>
+          <p:cNvPr id="1037" name="Picture 13" descr="D:\xampp\htdocs\kort\_DOCUMENTATION\02_Documentation\images\screenshots\kort-screenshot-profile.png"/>
           <p:cNvPicPr>
             <a:picLocks noChangeAspect="1" noChangeArrowheads="1"/>
           </p:cNvPicPr>
@@ -6081,8 +5647,8 @@
         </p:blipFill>
         <p:spPr bwMode="auto">
           <a:xfrm>
-            <a:off x="16605916" y="22178574"/>
-            <a:ext cx="3081985" cy="6237161"/>
+            <a:off x="35694464" y="13377459"/>
+            <a:ext cx="2490180" cy="5039191"/>
           </a:xfrm>
           <a:prstGeom prst="rect">
             <a:avLst/>
@@ -6099,232 +5665,6 @@
           </a:extLst>
         </p:spPr>
       </p:pic>
-      <p:pic>
-        <p:nvPicPr>
-          <p:cNvPr id="1033" name="Picture 9" descr="D:\xampp\htdocs\kort\_DOCUMENTATION\02_Documentation\images\screenshots\kort-screenshot-validation.png"/>
-          <p:cNvPicPr>
-            <a:picLocks noChangeAspect="1" noChangeArrowheads="1"/>
-          </p:cNvPicPr>
-          <p:nvPr/>
-        </p:nvPicPr>
-        <p:blipFill>
-          <a:blip r:embed="rId13">
-            <a:extLst>
-              <a:ext uri="{28A0092B-C50C-407E-A947-70E740481C1C}">
-                <a14:useLocalDpi xmlns:a14="http://schemas.microsoft.com/office/drawing/2010/main" val="0"/>
-              </a:ext>
-            </a:extLst>
-          </a:blip>
-          <a:srcRect/>
-          <a:stretch>
-            <a:fillRect/>
-          </a:stretch>
-        </p:blipFill>
-        <p:spPr bwMode="auto">
-          <a:xfrm>
-            <a:off x="19873022" y="22178573"/>
-            <a:ext cx="3105971" cy="6237161"/>
-          </a:xfrm>
-          <a:prstGeom prst="rect">
-            <a:avLst/>
-          </a:prstGeom>
-          <a:noFill/>
-          <a:extLst>
-            <a:ext uri="{909E8E84-426E-40DD-AFC4-6F175D3DCCD1}">
-              <a14:hiddenFill xmlns:a14="http://schemas.microsoft.com/office/drawing/2010/main">
-                <a:solidFill>
-                  <a:srgbClr val="FFFFFF"/>
-                </a:solidFill>
-              </a14:hiddenFill>
-            </a:ext>
-          </a:extLst>
-        </p:spPr>
-      </p:pic>
-      <p:pic>
-        <p:nvPicPr>
-          <p:cNvPr id="1034" name="Picture 10" descr="D:\xampp\htdocs\kort\_DOCUMENTATION\02_Documentation\images\screenshots\kort-screenshot-vote.png"/>
-          <p:cNvPicPr>
-            <a:picLocks noChangeAspect="1" noChangeArrowheads="1"/>
-          </p:cNvPicPr>
-          <p:nvPr/>
-        </p:nvPicPr>
-        <p:blipFill>
-          <a:blip r:embed="rId14">
-            <a:extLst>
-              <a:ext uri="{28A0092B-C50C-407E-A947-70E740481C1C}">
-                <a14:useLocalDpi xmlns:a14="http://schemas.microsoft.com/office/drawing/2010/main" val="0"/>
-              </a:ext>
-            </a:extLst>
-          </a:blip>
-          <a:srcRect/>
-          <a:stretch>
-            <a:fillRect/>
-          </a:stretch>
-        </p:blipFill>
-        <p:spPr bwMode="auto">
-          <a:xfrm>
-            <a:off x="23175819" y="22178572"/>
-            <a:ext cx="3105971" cy="6237161"/>
-          </a:xfrm>
-          <a:prstGeom prst="rect">
-            <a:avLst/>
-          </a:prstGeom>
-          <a:noFill/>
-          <a:extLst>
-            <a:ext uri="{909E8E84-426E-40DD-AFC4-6F175D3DCCD1}">
-              <a14:hiddenFill xmlns:a14="http://schemas.microsoft.com/office/drawing/2010/main">
-                <a:solidFill>
-                  <a:srgbClr val="FFFFFF"/>
-                </a:solidFill>
-              </a14:hiddenFill>
-            </a:ext>
-          </a:extLst>
-        </p:spPr>
-      </p:pic>
-      <p:pic>
-        <p:nvPicPr>
-          <p:cNvPr id="1036" name="Picture 12" descr="D:\xampp\htdocs\kort\_DOCUMENTATION\02_Documentation\images\screenshots\kort-screenshot-highscore.png"/>
-          <p:cNvPicPr>
-            <a:picLocks noChangeAspect="1" noChangeArrowheads="1"/>
-          </p:cNvPicPr>
-          <p:nvPr/>
-        </p:nvPicPr>
-        <p:blipFill>
-          <a:blip r:embed="rId15">
-            <a:extLst>
-              <a:ext uri="{28A0092B-C50C-407E-A947-70E740481C1C}">
-                <a14:useLocalDpi xmlns:a14="http://schemas.microsoft.com/office/drawing/2010/main" val="0"/>
-              </a:ext>
-            </a:extLst>
-          </a:blip>
-          <a:srcRect/>
-          <a:stretch>
-            <a:fillRect/>
-          </a:stretch>
-        </p:blipFill>
-        <p:spPr bwMode="auto">
-          <a:xfrm>
-            <a:off x="23153824" y="14976222"/>
-            <a:ext cx="3113898" cy="6237159"/>
-          </a:xfrm>
-          <a:prstGeom prst="rect">
-            <a:avLst/>
-          </a:prstGeom>
-          <a:noFill/>
-          <a:extLst>
-            <a:ext uri="{909E8E84-426E-40DD-AFC4-6F175D3DCCD1}">
-              <a14:hiddenFill xmlns:a14="http://schemas.microsoft.com/office/drawing/2010/main">
-                <a:solidFill>
-                  <a:srgbClr val="FFFFFF"/>
-                </a:solidFill>
-              </a14:hiddenFill>
-            </a:ext>
-          </a:extLst>
-        </p:spPr>
-      </p:pic>
-      <p:pic>
-        <p:nvPicPr>
-          <p:cNvPr id="1037" name="Picture 13" descr="D:\xampp\htdocs\kort\_DOCUMENTATION\02_Documentation\images\screenshots\kort-screenshot-profile.png"/>
-          <p:cNvPicPr>
-            <a:picLocks noChangeAspect="1" noChangeArrowheads="1"/>
-          </p:cNvPicPr>
-          <p:nvPr/>
-        </p:nvPicPr>
-        <p:blipFill>
-          <a:blip r:embed="rId16">
-            <a:extLst>
-              <a:ext uri="{28A0092B-C50C-407E-A947-70E740481C1C}">
-                <a14:useLocalDpi xmlns:a14="http://schemas.microsoft.com/office/drawing/2010/main" val="0"/>
-              </a:ext>
-            </a:extLst>
-          </a:blip>
-          <a:srcRect/>
-          <a:stretch>
-            <a:fillRect/>
-          </a:stretch>
-        </p:blipFill>
-        <p:spPr bwMode="auto">
-          <a:xfrm>
-            <a:off x="19897453" y="14976222"/>
-            <a:ext cx="3082172" cy="6237161"/>
-          </a:xfrm>
-          <a:prstGeom prst="rect">
-            <a:avLst/>
-          </a:prstGeom>
-          <a:noFill/>
-          <a:extLst>
-            <a:ext uri="{909E8E84-426E-40DD-AFC4-6F175D3DCCD1}">
-              <a14:hiddenFill xmlns:a14="http://schemas.microsoft.com/office/drawing/2010/main">
-                <a:solidFill>
-                  <a:srgbClr val="FFFFFF"/>
-                </a:solidFill>
-              </a14:hiddenFill>
-            </a:ext>
-          </a:extLst>
-        </p:spPr>
-      </p:pic>
-      <p:sp>
-        <p:nvSpPr>
-          <p:cNvPr id="48" name="Textfeld 47"/>
-          <p:cNvSpPr txBox="1"/>
-          <p:nvPr/>
-        </p:nvSpPr>
-        <p:spPr>
-          <a:xfrm>
-            <a:off x="16412719" y="28648262"/>
-            <a:ext cx="3468378" cy="461665"/>
-          </a:xfrm>
-          <a:prstGeom prst="rect">
-            <a:avLst/>
-          </a:prstGeom>
-          <a:noFill/>
-        </p:spPr>
-        <p:txBody>
-          <a:bodyPr wrap="square" rtlCol="0">
-            <a:spAutoFit/>
-          </a:bodyPr>
-          <a:lstStyle/>
-          <a:p>
-            <a:pPr algn="ctr"/>
-            <a:r>
-              <a:rPr lang="de-CH" sz="2400" i="1" dirty="0" smtClean="0"/>
-              <a:t>Fehler beheben</a:t>
-            </a:r>
-            <a:endParaRPr lang="de-CH" sz="2400" i="1" dirty="0"/>
-          </a:p>
-        </p:txBody>
-      </p:sp>
-      <p:sp>
-        <p:nvSpPr>
-          <p:cNvPr id="49" name="Textfeld 48"/>
-          <p:cNvSpPr txBox="1"/>
-          <p:nvPr/>
-        </p:nvSpPr>
-        <p:spPr>
-          <a:xfrm>
-            <a:off x="21410463" y="28648261"/>
-            <a:ext cx="3468378" cy="461665"/>
-          </a:xfrm>
-          <a:prstGeom prst="rect">
-            <a:avLst/>
-          </a:prstGeom>
-          <a:noFill/>
-        </p:spPr>
-        <p:txBody>
-          <a:bodyPr wrap="square" rtlCol="0">
-            <a:spAutoFit/>
-          </a:bodyPr>
-          <a:lstStyle/>
-          <a:p>
-            <a:pPr algn="ctr"/>
-            <a:r>
-              <a:rPr lang="de-CH" sz="2400" i="1" dirty="0" smtClean="0"/>
-              <a:t>Lösungen überprüfen</a:t>
-            </a:r>
-            <a:endParaRPr lang="de-CH" sz="2400" i="1" dirty="0"/>
-          </a:p>
-        </p:txBody>
-      </p:sp>
       <p:sp>
         <p:nvSpPr>
           <p:cNvPr id="50" name="Textfeld 49"/>
@@ -6333,8 +5673,8 @@
         </p:nvSpPr>
         <p:spPr>
           <a:xfrm>
-            <a:off x="22976584" y="21445913"/>
-            <a:ext cx="3468378" cy="461665"/>
+            <a:off x="38546320" y="18566862"/>
+            <a:ext cx="2017794" cy="461665"/>
           </a:xfrm>
           <a:prstGeom prst="rect">
             <a:avLst/>
@@ -6364,7 +5704,7 @@
         </p:nvSpPr>
         <p:spPr>
           <a:xfrm>
-            <a:off x="19704350" y="21445913"/>
+            <a:off x="35205365" y="18566862"/>
             <a:ext cx="3468378" cy="461665"/>
           </a:xfrm>
           <a:prstGeom prst="rect">
@@ -6396,14 +5736,14 @@
           <p:nvPr>
             <p:extLst>
               <p:ext uri="{D42A27DB-BD31-4B8C-83A1-F6EECF244321}">
-                <p14:modId xmlns:p14="http://schemas.microsoft.com/office/powerpoint/2010/main" val="1309391983"/>
+                <p14:modId xmlns:p14="http://schemas.microsoft.com/office/powerpoint/2010/main" val="1344600802"/>
               </p:ext>
             </p:extLst>
           </p:nvPr>
         </p:nvGraphicFramePr>
         <p:xfrm>
-          <a:off x="1532077" y="6354768"/>
-          <a:ext cx="14474010" cy="3734688"/>
+          <a:off x="1532077" y="6540087"/>
+          <a:ext cx="13895355" cy="3864383"/>
         </p:xfrm>
         <a:graphic>
           <a:graphicData uri="http://schemas.openxmlformats.org/drawingml/2006/table">
@@ -6419,9 +5759,9 @@
                 <a:tableStyleId>{0660B408-B3CF-4A94-85FC-2B1E0A45F4A2}</a:tableStyleId>
               </a:tblPr>
               <a:tblGrid>
-                <a:gridCol w="14474010"/>
+                <a:gridCol w="13895355"/>
               </a:tblGrid>
-              <a:tr h="555752">
+              <a:tr h="743312">
                 <a:tc>
                   <a:txBody>
                     <a:bodyPr/>
@@ -6441,6 +5781,407 @@
                           <a:cs typeface="Calibri" pitchFamily="34" charset="0"/>
                         </a:rPr>
                         <a:t>Ziele</a:t>
+                      </a:r>
+                    </a:p>
+                  </a:txBody>
+                  <a:tcPr marL="360000" marR="360000" marT="180000" marB="180000">
+                    <a:solidFill>
+                      <a:schemeClr val="accent1">
+                        <a:lumMod val="50000"/>
+                      </a:schemeClr>
+                    </a:solidFill>
+                  </a:tcPr>
+                </a:tc>
+              </a:tr>
+              <a:tr h="2742383">
+                <a:tc>
+                  <a:txBody>
+                    <a:bodyPr/>
+                    <a:lstStyle/>
+                    <a:p>
+                      <a:pPr marL="571500" indent="-571500">
+                        <a:spcAft>
+                          <a:spcPts val="1800"/>
+                        </a:spcAft>
+                        <a:buFont typeface="Wingdings" pitchFamily="2" charset="2"/>
+                        <a:buChar char="§"/>
+                      </a:pPr>
+                      <a:r>
+                        <a:rPr lang="de-CH" sz="4000" dirty="0" smtClean="0">
+                          <a:latin typeface="Calibri" pitchFamily="34" charset="0"/>
+                        </a:rPr>
+                        <a:t>Cross-</a:t>
+                      </a:r>
+                      <a:r>
+                        <a:rPr lang="de-CH" sz="4000" dirty="0" err="1" smtClean="0">
+                          <a:latin typeface="Calibri" pitchFamily="34" charset="0"/>
+                        </a:rPr>
+                        <a:t>platform</a:t>
+                      </a:r>
+                      <a:r>
+                        <a:rPr lang="de-CH" sz="4000" dirty="0" smtClean="0">
+                          <a:latin typeface="Calibri" pitchFamily="34" charset="0"/>
+                        </a:rPr>
+                        <a:t> HTML5 </a:t>
+                      </a:r>
+                      <a:r>
+                        <a:rPr lang="de-CH" sz="4000" dirty="0" err="1" smtClean="0">
+                          <a:latin typeface="Calibri" pitchFamily="34" charset="0"/>
+                        </a:rPr>
+                        <a:t>WebApp</a:t>
+                      </a:r>
+                      <a:r>
+                        <a:rPr lang="de-CH" sz="4000" dirty="0" smtClean="0">
+                          <a:latin typeface="Calibri" pitchFamily="34" charset="0"/>
+                        </a:rPr>
+                        <a:t> mit JavaScript</a:t>
+                      </a:r>
+                    </a:p>
+                    <a:p>
+                      <a:pPr marL="571500" indent="-571500">
+                        <a:spcAft>
+                          <a:spcPts val="1800"/>
+                        </a:spcAft>
+                        <a:buFont typeface="Wingdings" pitchFamily="2" charset="2"/>
+                        <a:buChar char="§"/>
+                      </a:pPr>
+                      <a:r>
+                        <a:rPr lang="de-CH" sz="4000" dirty="0" smtClean="0">
+                          <a:latin typeface="Calibri" pitchFamily="34" charset="0"/>
+                        </a:rPr>
+                        <a:t>Verbesserung von </a:t>
+                      </a:r>
+                      <a:r>
+                        <a:rPr lang="de-CH" sz="4000" dirty="0" err="1" smtClean="0">
+                          <a:latin typeface="Calibri" pitchFamily="34" charset="0"/>
+                        </a:rPr>
+                        <a:t>OpenStreetMap</a:t>
+                      </a:r>
+                      <a:r>
+                        <a:rPr lang="de-CH" sz="4000" dirty="0" smtClean="0">
+                          <a:latin typeface="Calibri" pitchFamily="34" charset="0"/>
+                        </a:rPr>
+                        <a:t>-Daten</a:t>
+                      </a:r>
+                    </a:p>
+                    <a:p>
+                      <a:pPr marL="571500" indent="-571500">
+                        <a:spcAft>
+                          <a:spcPts val="1800"/>
+                        </a:spcAft>
+                        <a:buFont typeface="Wingdings" pitchFamily="2" charset="2"/>
+                        <a:buChar char="§"/>
+                      </a:pPr>
+                      <a:r>
+                        <a:rPr lang="de-CH" sz="4000" dirty="0" smtClean="0">
+                          <a:latin typeface="Calibri" pitchFamily="34" charset="0"/>
+                        </a:rPr>
+                        <a:t>Konzept für </a:t>
+                      </a:r>
+                      <a:r>
+                        <a:rPr lang="de-CH" sz="4000" dirty="0" err="1" smtClean="0">
+                          <a:latin typeface="Calibri" pitchFamily="34" charset="0"/>
+                        </a:rPr>
+                        <a:t>Gamification</a:t>
+                      </a:r>
+                      <a:r>
+                        <a:rPr lang="de-CH" sz="4000" dirty="0" smtClean="0">
+                          <a:latin typeface="Calibri" pitchFamily="34" charset="0"/>
+                        </a:rPr>
+                        <a:t> von</a:t>
+                      </a:r>
+                      <a:r>
+                        <a:rPr lang="de-CH" sz="4000" baseline="0" dirty="0" smtClean="0">
+                          <a:latin typeface="Calibri" pitchFamily="34" charset="0"/>
+                        </a:rPr>
+                        <a:t> </a:t>
+                      </a:r>
+                      <a:r>
+                        <a:rPr lang="de-CH" sz="4000" baseline="0" dirty="0" err="1" smtClean="0">
+                          <a:latin typeface="Calibri" pitchFamily="34" charset="0"/>
+                        </a:rPr>
+                        <a:t>OpenStreetMap</a:t>
+                      </a:r>
+                      <a:r>
+                        <a:rPr lang="de-CH" sz="4000" baseline="0" dirty="0" smtClean="0">
+                          <a:latin typeface="Calibri" pitchFamily="34" charset="0"/>
+                        </a:rPr>
+                        <a:t> erarbeiten</a:t>
+                      </a:r>
+                      <a:endParaRPr lang="de-CH" sz="4000" dirty="0" smtClean="0">
+                        <a:latin typeface="Calibri" pitchFamily="34" charset="0"/>
+                      </a:endParaRPr>
+                    </a:p>
+                  </a:txBody>
+                  <a:tcPr marL="360000" marR="360000" marT="180000" marB="180000"/>
+                </a:tc>
+              </a:tr>
+            </a:tbl>
+          </a:graphicData>
+        </a:graphic>
+      </p:graphicFrame>
+      <p:graphicFrame>
+        <p:nvGraphicFramePr>
+          <p:cNvPr id="54" name="Tabelle 53"/>
+          <p:cNvGraphicFramePr>
+            <a:graphicFrameLocks noGrp="1"/>
+          </p:cNvGraphicFramePr>
+          <p:nvPr>
+            <p:extLst>
+              <p:ext uri="{D42A27DB-BD31-4B8C-83A1-F6EECF244321}">
+                <p14:modId xmlns:p14="http://schemas.microsoft.com/office/powerpoint/2010/main" val="2457238206"/>
+              </p:ext>
+            </p:extLst>
+          </p:nvPr>
+        </p:nvGraphicFramePr>
+        <p:xfrm>
+          <a:off x="1529502" y="11702279"/>
+          <a:ext cx="13897930" cy="5749200"/>
+        </p:xfrm>
+        <a:graphic>
+          <a:graphicData uri="http://schemas.openxmlformats.org/drawingml/2006/table">
+            <a:tbl>
+              <a:tblPr firstRow="1" bandRow="1">
+                <a:effectLst>
+                  <a:outerShdw blurRad="50800" dist="38100" dir="2700000" algn="tl" rotWithShape="0">
+                    <a:prstClr val="black">
+                      <a:alpha val="40000"/>
+                    </a:prstClr>
+                  </a:outerShdw>
+                </a:effectLst>
+                <a:tableStyleId>{0660B408-B3CF-4A94-85FC-2B1E0A45F4A2}</a:tableStyleId>
+              </a:tblPr>
+              <a:tblGrid>
+                <a:gridCol w="13897930"/>
+              </a:tblGrid>
+              <a:tr h="408087">
+                <a:tc>
+                  <a:txBody>
+                    <a:bodyPr/>
+                    <a:lstStyle/>
+                    <a:p>
+                      <a:pPr algn="just"/>
+                      <a:r>
+                        <a:rPr lang="de-CH" sz="5000" dirty="0" smtClean="0">
+                          <a:effectLst>
+                            <a:outerShdw blurRad="50800" dist="38100" dir="2700000" algn="tl" rotWithShape="0">
+                              <a:prstClr val="black">
+                                <a:alpha val="40000"/>
+                              </a:prstClr>
+                            </a:outerShdw>
+                          </a:effectLst>
+                          <a:latin typeface="Calibri" pitchFamily="34" charset="0"/>
+                          <a:cs typeface="Calibri" pitchFamily="34" charset="0"/>
+                        </a:rPr>
+                        <a:t>Umsetzung</a:t>
+                      </a:r>
+                    </a:p>
+                  </a:txBody>
+                  <a:tcPr marL="360000" marR="360000" marT="180000" marB="180000">
+                    <a:solidFill>
+                      <a:schemeClr val="accent1">
+                        <a:lumMod val="50000"/>
+                      </a:schemeClr>
+                    </a:solidFill>
+                  </a:tcPr>
+                </a:tc>
+              </a:tr>
+              <a:tr h="950271">
+                <a:tc>
+                  <a:txBody>
+                    <a:bodyPr/>
+                    <a:lstStyle/>
+                    <a:p>
+                      <a:pPr marL="571500" indent="-571500">
+                        <a:spcAft>
+                          <a:spcPts val="1800"/>
+                        </a:spcAft>
+                        <a:buFont typeface="Wingdings" pitchFamily="2" charset="2"/>
+                        <a:buChar char="§"/>
+                      </a:pPr>
+                      <a:r>
+                        <a:rPr lang="de-CH" sz="4000" dirty="0" err="1" smtClean="0">
+                          <a:latin typeface="Calibri" pitchFamily="34" charset="0"/>
+                        </a:rPr>
+                        <a:t>Sencha</a:t>
+                      </a:r>
+                      <a:r>
+                        <a:rPr lang="de-CH" sz="4000" baseline="0" dirty="0" smtClean="0">
+                          <a:latin typeface="Calibri" pitchFamily="34" charset="0"/>
+                        </a:rPr>
+                        <a:t> Touch Framework </a:t>
+                      </a:r>
+                      <a:r>
+                        <a:rPr lang="de-CH" sz="4000" baseline="0" dirty="0" smtClean="0">
+                          <a:latin typeface="Calibri" pitchFamily="34" charset="0"/>
+                        </a:rPr>
+                        <a:t>verwendet</a:t>
+                      </a:r>
+                    </a:p>
+                    <a:p>
+                      <a:pPr marL="571500" indent="-571500">
+                        <a:spcAft>
+                          <a:spcPts val="1800"/>
+                        </a:spcAft>
+                        <a:buFont typeface="Wingdings" pitchFamily="2" charset="2"/>
+                        <a:buChar char="§"/>
+                      </a:pPr>
+                      <a:r>
+                        <a:rPr lang="de-CH" sz="4000" baseline="0" dirty="0" smtClean="0">
+                          <a:latin typeface="Calibri" pitchFamily="34" charset="0"/>
+                        </a:rPr>
+                        <a:t>REST-Schnittstellen für Kommunikation zwischen Komponenten</a:t>
+                      </a:r>
+                    </a:p>
+                    <a:p>
+                      <a:pPr marL="571500" indent="-571500">
+                        <a:spcAft>
+                          <a:spcPts val="1800"/>
+                        </a:spcAft>
+                        <a:buFont typeface="Wingdings" pitchFamily="2" charset="2"/>
+                        <a:buChar char="§"/>
+                      </a:pPr>
+                      <a:r>
+                        <a:rPr lang="de-CH" sz="4000" baseline="0" dirty="0" smtClean="0">
+                          <a:latin typeface="Calibri" pitchFamily="34" charset="0"/>
+                        </a:rPr>
+                        <a:t>Verwendete Technologien</a:t>
+                      </a:r>
+                    </a:p>
+                    <a:p>
+                      <a:pPr marL="1173163" lvl="1" indent="-571500">
+                        <a:spcAft>
+                          <a:spcPts val="1800"/>
+                        </a:spcAft>
+                        <a:buFont typeface="Wingdings" pitchFamily="2" charset="2"/>
+                        <a:buChar char="§"/>
+                      </a:pPr>
+                      <a:r>
+                        <a:rPr lang="de-CH" sz="3000" baseline="0" dirty="0" smtClean="0">
+                          <a:latin typeface="Calibri" pitchFamily="34" charset="0"/>
+                        </a:rPr>
+                        <a:t>Frontend: HTML5, CSS, JavaScript</a:t>
+                      </a:r>
+                    </a:p>
+                    <a:p>
+                      <a:pPr marL="1173163" lvl="1" indent="-571500">
+                        <a:spcAft>
+                          <a:spcPts val="1800"/>
+                        </a:spcAft>
+                        <a:buFont typeface="Wingdings" pitchFamily="2" charset="2"/>
+                        <a:buChar char="§"/>
+                      </a:pPr>
+                      <a:r>
+                        <a:rPr lang="de-CH" sz="3000" baseline="0" dirty="0" smtClean="0">
+                          <a:latin typeface="Calibri" pitchFamily="34" charset="0"/>
+                        </a:rPr>
+                        <a:t>Backend: PHP, Shell</a:t>
+                      </a:r>
+                    </a:p>
+                  </a:txBody>
+                  <a:tcPr marL="360000" marR="360000" marT="180000" marB="180000"/>
+                </a:tc>
+              </a:tr>
+            </a:tbl>
+          </a:graphicData>
+        </a:graphic>
+      </p:graphicFrame>
+      <p:sp>
+        <p:nvSpPr>
+          <p:cNvPr id="11" name="Rechteckiger Pfeil 10"/>
+          <p:cNvSpPr/>
+          <p:nvPr/>
+        </p:nvSpPr>
+        <p:spPr>
+          <a:xfrm rot="10800000" flipH="1">
+            <a:off x="35534455" y="26026257"/>
+            <a:ext cx="3171023" cy="1677581"/>
+          </a:xfrm>
+          <a:prstGeom prst="bentArrow">
+            <a:avLst/>
+          </a:prstGeom>
+        </p:spPr>
+        <p:style>
+          <a:lnRef idx="1">
+            <a:schemeClr val="accent1"/>
+          </a:lnRef>
+          <a:fillRef idx="3">
+            <a:schemeClr val="accent1"/>
+          </a:fillRef>
+          <a:effectRef idx="2">
+            <a:schemeClr val="accent1"/>
+          </a:effectRef>
+          <a:fontRef idx="minor">
+            <a:schemeClr val="lt1"/>
+          </a:fontRef>
+        </p:style>
+        <p:txBody>
+          <a:bodyPr rtlCol="0" anchor="ctr"/>
+          <a:lstStyle/>
+          <a:p>
+            <a:pPr algn="ctr"/>
+            <a:endParaRPr lang="de-CH">
+              <a:solidFill>
+                <a:schemeClr val="tx1"/>
+              </a:solidFill>
+            </a:endParaRPr>
+          </a:p>
+        </p:txBody>
+      </p:sp>
+      <p:graphicFrame>
+        <p:nvGraphicFramePr>
+          <p:cNvPr id="39" name="Tabelle 38"/>
+          <p:cNvGraphicFramePr>
+            <a:graphicFrameLocks noGrp="1"/>
+          </p:cNvGraphicFramePr>
+          <p:nvPr>
+            <p:extLst>
+              <p:ext uri="{D42A27DB-BD31-4B8C-83A1-F6EECF244321}">
+                <p14:modId xmlns:p14="http://schemas.microsoft.com/office/powerpoint/2010/main" val="2421724750"/>
+              </p:ext>
+            </p:extLst>
+          </p:nvPr>
+        </p:nvGraphicFramePr>
+        <p:xfrm>
+          <a:off x="27368007" y="6582397"/>
+          <a:ext cx="13953622" cy="5444400"/>
+        </p:xfrm>
+        <a:graphic>
+          <a:graphicData uri="http://schemas.openxmlformats.org/drawingml/2006/table">
+            <a:tbl>
+              <a:tblPr firstRow="1" bandRow="1">
+                <a:effectLst>
+                  <a:outerShdw blurRad="50800" dist="38100" dir="2700000" algn="tl" rotWithShape="0">
+                    <a:prstClr val="black">
+                      <a:alpha val="40000"/>
+                    </a:prstClr>
+                  </a:outerShdw>
+                </a:effectLst>
+                <a:tableStyleId>{0660B408-B3CF-4A94-85FC-2B1E0A45F4A2}</a:tableStyleId>
+              </a:tblPr>
+              <a:tblGrid>
+                <a:gridCol w="13953622"/>
+              </a:tblGrid>
+              <a:tr h="408087">
+                <a:tc>
+                  <a:txBody>
+                    <a:bodyPr/>
+                    <a:lstStyle/>
+                    <a:p>
+                      <a:pPr algn="just"/>
+                      <a:r>
+                        <a:rPr lang="de-CH" sz="5000" dirty="0" smtClean="0">
+                          <a:effectLst>
+                            <a:outerShdw blurRad="50800" dist="38100" dir="2700000" algn="tl" rotWithShape="0">
+                              <a:prstClr val="black">
+                                <a:alpha val="40000"/>
+                              </a:prstClr>
+                            </a:outerShdw>
+                          </a:effectLst>
+                          <a:latin typeface="Calibri" pitchFamily="34" charset="0"/>
+                          <a:cs typeface="Calibri" pitchFamily="34" charset="0"/>
+                        </a:rPr>
+                        <a:t>Ergebnisse</a:t>
                       </a:r>
                       <a:endParaRPr lang="de-CH" sz="5000" dirty="0" smtClean="0">
                         <a:effectLst>
@@ -6464,80 +6205,98 @@
                   </a:tcPr>
                 </a:tc>
               </a:tr>
-              <a:tr h="2612688">
+              <a:tr h="950271">
                 <a:tc>
                   <a:txBody>
                     <a:bodyPr/>
                     <a:lstStyle/>
                     <a:p>
-                      <a:pPr marL="285750" indent="-285750">
+                      <a:pPr marL="571500" indent="-571500">
                         <a:spcAft>
                           <a:spcPts val="1800"/>
                         </a:spcAft>
-                        <a:buFontTx/>
-                        <a:buChar char="-"/>
+                        <a:buFont typeface="Wingdings" pitchFamily="2" charset="2"/>
+                        <a:buChar char="§"/>
                       </a:pPr>
                       <a:r>
                         <a:rPr lang="de-CH" sz="4000" dirty="0" smtClean="0">
                           <a:latin typeface="Calibri" pitchFamily="34" charset="0"/>
                         </a:rPr>
-                        <a:t>Cross-</a:t>
+                        <a:t>Login mit </a:t>
                       </a:r>
                       <a:r>
                         <a:rPr lang="de-CH" sz="4000" dirty="0" err="1" smtClean="0">
                           <a:latin typeface="Calibri" pitchFamily="34" charset="0"/>
                         </a:rPr>
-                        <a:t>platform</a:t>
-                      </a:r>
-                      <a:r>
-                        <a:rPr lang="de-CH" sz="4000" dirty="0" smtClean="0">
-                          <a:latin typeface="Calibri" pitchFamily="34" charset="0"/>
-                        </a:rPr>
-                        <a:t> mobile </a:t>
-                      </a:r>
-                      <a:r>
-                        <a:rPr lang="de-CH" sz="4000" dirty="0" err="1" smtClean="0">
-                          <a:latin typeface="Calibri" pitchFamily="34" charset="0"/>
-                        </a:rPr>
-                        <a:t>WebApp</a:t>
+                        <a:t>OAuth</a:t>
                       </a:r>
                       <a:endParaRPr lang="de-CH" sz="4000" dirty="0" smtClean="0">
                         <a:latin typeface="Calibri" pitchFamily="34" charset="0"/>
                       </a:endParaRPr>
                     </a:p>
                     <a:p>
-                      <a:pPr marL="285750" indent="-285750">
+                      <a:pPr marL="571500" indent="-571500">
                         <a:spcAft>
                           <a:spcPts val="1800"/>
                         </a:spcAft>
-                        <a:buFontTx/>
-                        <a:buChar char="-"/>
+                        <a:buFont typeface="Wingdings" pitchFamily="2" charset="2"/>
+                        <a:buChar char="§"/>
                       </a:pPr>
                       <a:r>
                         <a:rPr lang="de-CH" sz="4000" dirty="0" smtClean="0">
                           <a:latin typeface="Calibri" pitchFamily="34" charset="0"/>
                         </a:rPr>
-                        <a:t>Verbessern von </a:t>
-                      </a:r>
-                      <a:r>
-                        <a:rPr lang="de-CH" sz="4000" dirty="0" err="1" smtClean="0">
-                          <a:latin typeface="Calibri" pitchFamily="34" charset="0"/>
-                        </a:rPr>
-                        <a:t>OpenStreetMap</a:t>
-                      </a:r>
-                      <a:r>
-                        <a:rPr lang="de-CH" sz="4000" dirty="0" smtClean="0">
-                          <a:latin typeface="Calibri" pitchFamily="34" charset="0"/>
-                        </a:rPr>
-                        <a:t> Daten</a:t>
+                        <a:t>Fehler verbessern</a:t>
                       </a:r>
                     </a:p>
                     <a:p>
-                      <a:pPr marL="285750" indent="-285750">
-                        <a:buFontTx/>
-                        <a:buChar char="-"/>
+                      <a:pPr marL="571500" indent="-571500">
+                        <a:spcAft>
+                          <a:spcPts val="1800"/>
+                        </a:spcAft>
+                        <a:buFont typeface="Wingdings" pitchFamily="2" charset="2"/>
+                        <a:buChar char="§"/>
                       </a:pPr>
-                      <a:endParaRPr lang="de-CH" sz="2800" dirty="0" smtClean="0">
+                      <a:r>
+                        <a:rPr lang="de-CH" sz="4000" baseline="0" dirty="0" smtClean="0">
+                          <a:latin typeface="Calibri" pitchFamily="34" charset="0"/>
+                        </a:rPr>
+                        <a:t>Lösungen überprüfen</a:t>
+                      </a:r>
+                    </a:p>
+                    <a:p>
+                      <a:pPr marL="571500" indent="-571500">
+                        <a:spcAft>
+                          <a:spcPts val="1800"/>
+                        </a:spcAft>
+                        <a:buFont typeface="Wingdings" pitchFamily="2" charset="2"/>
+                        <a:buChar char="§"/>
+                      </a:pPr>
+                      <a:r>
+                        <a:rPr lang="de-CH" sz="4000" baseline="0" dirty="0" err="1" smtClean="0">
+                          <a:latin typeface="Calibri" pitchFamily="34" charset="0"/>
+                        </a:rPr>
+                        <a:t>Highscore</a:t>
+                      </a:r>
+                      <a:endParaRPr lang="de-CH" sz="4000" baseline="0" dirty="0" smtClean="0">
+                        <a:latin typeface="Calibri" pitchFamily="34" charset="0"/>
+                      </a:endParaRPr>
+                    </a:p>
+                    <a:p>
+                      <a:pPr marL="571500" indent="-571500">
+                        <a:spcAft>
+                          <a:spcPts val="1800"/>
+                        </a:spcAft>
+                        <a:buFont typeface="Wingdings" pitchFamily="2" charset="2"/>
+                        <a:buChar char="§"/>
+                      </a:pPr>
+                      <a:r>
+                        <a:rPr lang="de-CH" sz="4000" baseline="0" dirty="0" smtClean="0">
+                          <a:latin typeface="Calibri" pitchFamily="34" charset="0"/>
+                        </a:rPr>
+                        <a:t>Profil</a:t>
+                      </a:r>
+                      <a:endParaRPr lang="de-CH" sz="3000" baseline="0" dirty="0" smtClean="0">
                         <a:latin typeface="Calibri" pitchFamily="34" charset="0"/>
                       </a:endParaRPr>
                     </a:p>
@@ -6551,21 +6310,21 @@
       </p:graphicFrame>
       <p:graphicFrame>
         <p:nvGraphicFramePr>
-          <p:cNvPr id="54" name="Tabelle 53"/>
+          <p:cNvPr id="40" name="Tabelle 39"/>
           <p:cNvGraphicFramePr>
             <a:graphicFrameLocks noGrp="1"/>
           </p:cNvGraphicFramePr>
           <p:nvPr>
             <p:extLst>
               <p:ext uri="{D42A27DB-BD31-4B8C-83A1-F6EECF244321}">
-                <p14:modId xmlns:p14="http://schemas.microsoft.com/office/powerpoint/2010/main" val="3324802153"/>
+                <p14:modId xmlns:p14="http://schemas.microsoft.com/office/powerpoint/2010/main" val="2395949878"/>
               </p:ext>
             </p:extLst>
           </p:nvPr>
         </p:nvGraphicFramePr>
         <p:xfrm>
-          <a:off x="1516822" y="10674115"/>
-          <a:ext cx="14474010" cy="3734688"/>
+          <a:off x="1530350" y="18678227"/>
+          <a:ext cx="13897083" cy="9711600"/>
         </p:xfrm>
         <a:graphic>
           <a:graphicData uri="http://schemas.openxmlformats.org/drawingml/2006/table">
@@ -6581,9 +6340,9 @@
                 <a:tableStyleId>{0660B408-B3CF-4A94-85FC-2B1E0A45F4A2}</a:tableStyleId>
               </a:tblPr>
               <a:tblGrid>
-                <a:gridCol w="14474010"/>
+                <a:gridCol w="13897083"/>
               </a:tblGrid>
-              <a:tr h="555752">
+              <a:tr h="408087">
                 <a:tc>
                   <a:txBody>
                     <a:bodyPr/>
@@ -6591,7 +6350,7 @@
                     <a:p>
                       <a:pPr algn="just"/>
                       <a:r>
-                        <a:rPr lang="de-CH" sz="5000" dirty="0" smtClean="0">
+                        <a:rPr lang="de-CH" sz="5000" dirty="0" err="1" smtClean="0">
                           <a:effectLst>
                             <a:outerShdw blurRad="50800" dist="38100" dir="2700000" algn="tl" rotWithShape="0">
                               <a:prstClr val="black">
@@ -6602,7 +6361,7 @@
                           <a:latin typeface="Calibri" pitchFamily="34" charset="0"/>
                           <a:cs typeface="Calibri" pitchFamily="34" charset="0"/>
                         </a:rPr>
-                        <a:t>Umsetzung</a:t>
+                        <a:t>Gamification</a:t>
                       </a:r>
                       <a:endParaRPr lang="de-CH" sz="5000" dirty="0" smtClean="0">
                         <a:effectLst>
@@ -6626,43 +6385,169 @@
                   </a:tcPr>
                 </a:tc>
               </a:tr>
-              <a:tr h="2612688">
+              <a:tr h="950271">
                 <a:tc>
                   <a:txBody>
                     <a:bodyPr/>
                     <a:lstStyle/>
                     <a:p>
-                      <a:pPr marL="285750" indent="-285750">
+                      <a:pPr marL="0" indent="0">
                         <a:spcAft>
                           <a:spcPts val="1800"/>
                         </a:spcAft>
                         <a:buFontTx/>
-                        <a:buChar char="-"/>
+                        <a:buNone/>
+                      </a:pPr>
+                      <a:r>
+                        <a:rPr lang="de-CH" sz="4000" dirty="0" smtClean="0">
+                          <a:latin typeface="Calibri" pitchFamily="34" charset="0"/>
+                        </a:rPr>
+                        <a:t>Unter </a:t>
+                      </a:r>
+                      <a:r>
+                        <a:rPr lang="de-CH" sz="4000" dirty="0" err="1" smtClean="0">
+                          <a:latin typeface="Calibri" pitchFamily="34" charset="0"/>
+                        </a:rPr>
+                        <a:t>Gamification</a:t>
+                      </a:r>
+                      <a:r>
+                        <a:rPr lang="de-CH" sz="4000" baseline="0" dirty="0" smtClean="0">
+                          <a:latin typeface="Calibri" pitchFamily="34" charset="0"/>
+                        </a:rPr>
+                        <a:t> versteht man das Hinzufügen von spieltypischen Elementen in einen nicht-spieltypischen Kontext. Dadurch soll die Motivation der Benutzer erhöht werden.</a:t>
+                      </a:r>
+                    </a:p>
+                    <a:p>
+                      <a:pPr marL="0" indent="0">
+                        <a:spcAft>
+                          <a:spcPts val="1800"/>
+                        </a:spcAft>
+                        <a:buFontTx/>
+                        <a:buNone/>
+                      </a:pPr>
+                      <a:r>
+                        <a:rPr lang="de-CH" sz="4000" b="1" baseline="0" dirty="0" smtClean="0">
+                          <a:latin typeface="Calibri" pitchFamily="34" charset="0"/>
+                        </a:rPr>
+                        <a:t>Mögliche Elemente:</a:t>
+                      </a:r>
+                      <a:endParaRPr lang="de-CH" sz="4000" b="1" dirty="0" smtClean="0">
+                        <a:latin typeface="Calibri" pitchFamily="34" charset="0"/>
+                      </a:endParaRPr>
+                    </a:p>
+                    <a:p>
+                      <a:pPr marL="571500" indent="-571500">
+                        <a:spcAft>
+                          <a:spcPts val="1800"/>
+                        </a:spcAft>
+                        <a:buFont typeface="Wingdings" pitchFamily="2" charset="2"/>
+                        <a:buChar char="§"/>
                       </a:pPr>
                       <a:r>
                         <a:rPr lang="de-CH" sz="4000" dirty="0" err="1" smtClean="0">
                           <a:latin typeface="Calibri" pitchFamily="34" charset="0"/>
                         </a:rPr>
-                        <a:t>Sencha</a:t>
+                        <a:t>Badges</a:t>
                       </a:r>
+                      <a:r>
+                        <a:rPr lang="de-CH" sz="4000" dirty="0" smtClean="0">
+                          <a:latin typeface="Calibri" pitchFamily="34" charset="0"/>
+                        </a:rPr>
+                        <a:t>/Auszeichnungen</a:t>
+                      </a:r>
+                    </a:p>
+                    <a:p>
+                      <a:pPr marL="571500" indent="-571500">
+                        <a:spcAft>
+                          <a:spcPts val="1800"/>
+                        </a:spcAft>
+                        <a:buFont typeface="Wingdings" pitchFamily="2" charset="2"/>
+                        <a:buChar char="§"/>
+                      </a:pPr>
                       <a:r>
                         <a:rPr lang="de-CH" sz="4000" baseline="0" dirty="0" smtClean="0">
                           <a:latin typeface="Calibri" pitchFamily="34" charset="0"/>
                         </a:rPr>
-                        <a:t> Touch Framework verwendet</a:t>
+                        <a:t>Punktesystem</a:t>
                       </a:r>
-                      <a:endParaRPr lang="de-CH" sz="4000" dirty="0" smtClean="0">
+                    </a:p>
+                    <a:p>
+                      <a:pPr marL="571500" lvl="0" indent="-571500">
+                        <a:spcAft>
+                          <a:spcPts val="1800"/>
+                        </a:spcAft>
+                        <a:buFont typeface="Wingdings" pitchFamily="2" charset="2"/>
+                        <a:buChar char="§"/>
+                      </a:pPr>
+                      <a:r>
+                        <a:rPr lang="de-CH" sz="4000" baseline="0" dirty="0" err="1" smtClean="0">
+                          <a:latin typeface="Calibri" pitchFamily="34" charset="0"/>
+                        </a:rPr>
+                        <a:t>Highscore</a:t>
+                      </a:r>
+                      <a:endParaRPr lang="de-CH" sz="4000" baseline="0" dirty="0" smtClean="0">
                         <a:latin typeface="Calibri" pitchFamily="34" charset="0"/>
                       </a:endParaRPr>
                     </a:p>
                     <a:p>
-                      <a:pPr marL="285750" indent="-285750">
-                        <a:buFontTx/>
-                        <a:buChar char="-"/>
+                      <a:pPr marL="571500" lvl="0" indent="-571500">
+                        <a:spcAft>
+                          <a:spcPts val="1800"/>
+                        </a:spcAft>
+                        <a:buFont typeface="Wingdings" pitchFamily="2" charset="2"/>
+                        <a:buChar char="§"/>
                       </a:pPr>
-                      <a:endParaRPr lang="de-CH" sz="2800" dirty="0" smtClean="0">
-                        <a:latin typeface="Calibri" pitchFamily="34" charset="0"/>
-                      </a:endParaRPr>
+                      <a:r>
+                        <a:rPr lang="de-CH" sz="4000" baseline="0" dirty="0" smtClean="0">
+                          <a:latin typeface="Calibri" pitchFamily="34" charset="0"/>
+                        </a:rPr>
+                        <a:t>Zeitlich begrenzte Aktionen</a:t>
+                      </a:r>
+                    </a:p>
+                    <a:p>
+                      <a:pPr marL="1173163" lvl="1" indent="-571500">
+                        <a:spcAft>
+                          <a:spcPts val="1800"/>
+                        </a:spcAft>
+                        <a:buFont typeface="Wingdings" pitchFamily="2" charset="2"/>
+                        <a:buChar char="§"/>
+                      </a:pPr>
+                      <a:r>
+                        <a:rPr lang="de-CH" sz="3000" baseline="0" dirty="0" smtClean="0">
+                          <a:latin typeface="Calibri" pitchFamily="34" charset="0"/>
+                        </a:rPr>
+                        <a:t>Spezialauszeichnungen</a:t>
+                      </a:r>
+                    </a:p>
+                    <a:p>
+                      <a:pPr marL="1173163" lvl="1" indent="-571500">
+                        <a:spcAft>
+                          <a:spcPts val="1800"/>
+                        </a:spcAft>
+                        <a:buFont typeface="Wingdings" pitchFamily="2" charset="2"/>
+                        <a:buChar char="§"/>
+                      </a:pPr>
+                      <a:r>
+                        <a:rPr lang="de-CH" sz="3000" baseline="0" dirty="0" smtClean="0">
+                          <a:latin typeface="Calibri" pitchFamily="34" charset="0"/>
+                        </a:rPr>
+                        <a:t>Abhängig von Ereignissen (z.B. Halloween, Advent)</a:t>
+                      </a:r>
+                    </a:p>
+                    <a:p>
+                      <a:pPr marL="571500" lvl="0" indent="-571500">
+                        <a:spcAft>
+                          <a:spcPts val="1800"/>
+                        </a:spcAft>
+                        <a:buFont typeface="Wingdings" pitchFamily="2" charset="2"/>
+                        <a:buChar char="§"/>
+                      </a:pPr>
+                      <a:r>
+                        <a:rPr lang="de-CH" sz="4000" baseline="0" dirty="0" smtClean="0">
+                          <a:latin typeface="Calibri" pitchFamily="34" charset="0"/>
+                        </a:rPr>
+                        <a:t>Vorteile im «echten Leben» (z.B. Vergünstigungen)</a:t>
+                      </a:r>
                     </a:p>
                   </a:txBody>
                   <a:tcPr marL="360000" marR="360000" marT="180000" marB="180000"/>
@@ -6672,21 +6557,518 @@
           </a:graphicData>
         </a:graphic>
       </p:graphicFrame>
-      <p:sp>
-        <p:nvSpPr>
-          <p:cNvPr id="18" name="Textfeld 17"/>
-          <p:cNvSpPr txBox="1"/>
+      <p:pic>
+        <p:nvPicPr>
+          <p:cNvPr id="14" name="Picture 2" descr="http://cdn1.iconfinder.com/data/icons/SUPERVISTA/business/png/400/checkered_flag.png"/>
+          <p:cNvPicPr>
+            <a:picLocks noChangeAspect="1" noChangeArrowheads="1"/>
+          </p:cNvPicPr>
           <p:nvPr/>
-        </p:nvSpPr>
-        <p:spPr>
+        </p:nvPicPr>
+        <p:blipFill>
+          <a:blip r:embed="rId13">
+            <a:extLst>
+              <a:ext uri="{28A0092B-C50C-407E-A947-70E740481C1C}">
+                <a14:useLocalDpi xmlns:a14="http://schemas.microsoft.com/office/drawing/2010/main" val="0"/>
+              </a:ext>
+            </a:extLst>
+          </a:blip>
+          <a:srcRect/>
+          <a:stretch>
+            <a:fillRect/>
+          </a:stretch>
+        </p:blipFill>
+        <p:spPr bwMode="auto">
           <a:xfrm>
-            <a:off x="28389232" y="15368231"/>
-            <a:ext cx="3382787" cy="707886"/>
+            <a:off x="14056660" y="5961424"/>
+            <a:ext cx="2162882" cy="2162882"/>
           </a:xfrm>
           <a:prstGeom prst="rect">
             <a:avLst/>
           </a:prstGeom>
           <a:noFill/>
+          <a:extLst>
+            <a:ext uri="{909E8E84-426E-40DD-AFC4-6F175D3DCCD1}">
+              <a14:hiddenFill xmlns:a14="http://schemas.microsoft.com/office/drawing/2010/main">
+                <a:solidFill>
+                  <a:srgbClr val="FFFFFF"/>
+                </a:solidFill>
+              </a14:hiddenFill>
+            </a:ext>
+          </a:extLst>
+        </p:spPr>
+      </p:pic>
+      <p:pic>
+        <p:nvPicPr>
+          <p:cNvPr id="1030" name="Picture 6" descr="http://files.softicons.com/download/game-icons/classic-games-icons-by-thvg/png/256/Space%20Invaders%205.png"/>
+          <p:cNvPicPr>
+            <a:picLocks noChangeAspect="1" noChangeArrowheads="1"/>
+          </p:cNvPicPr>
+          <p:nvPr/>
+        </p:nvPicPr>
+        <p:blipFill rotWithShape="1">
+          <a:blip r:embed="rId14">
+            <a:extLst>
+              <a:ext uri="{28A0092B-C50C-407E-A947-70E740481C1C}">
+                <a14:useLocalDpi xmlns:a14="http://schemas.microsoft.com/office/drawing/2010/main" val="0"/>
+              </a:ext>
+            </a:extLst>
+          </a:blip>
+          <a:srcRect b="29124"/>
+          <a:stretch/>
+        </p:blipFill>
+        <p:spPr bwMode="auto">
+          <a:xfrm>
+            <a:off x="13857082" y="18327366"/>
+            <a:ext cx="1930400" cy="1368190"/>
+          </a:xfrm>
+          <a:prstGeom prst="rect">
+            <a:avLst/>
+          </a:prstGeom>
+          <a:noFill/>
+          <a:extLst>
+            <a:ext uri="{909E8E84-426E-40DD-AFC4-6F175D3DCCD1}">
+              <a14:hiddenFill xmlns:a14="http://schemas.microsoft.com/office/drawing/2010/main">
+                <a:solidFill>
+                  <a:srgbClr val="FFFFFF"/>
+                </a:solidFill>
+              </a14:hiddenFill>
+            </a:ext>
+          </a:extLst>
+        </p:spPr>
+      </p:pic>
+      <p:pic>
+        <p:nvPicPr>
+          <p:cNvPr id="44" name="Picture 2" descr="http://www.bscw.de/files/images/icons_214x214/icon_large_integration.png"/>
+          <p:cNvPicPr>
+            <a:picLocks noChangeAspect="1" noChangeArrowheads="1"/>
+          </p:cNvPicPr>
+          <p:nvPr/>
+        </p:nvPicPr>
+        <p:blipFill>
+          <a:blip r:embed="rId15">
+            <a:extLst>
+              <a:ext uri="{28A0092B-C50C-407E-A947-70E740481C1C}">
+                <a14:useLocalDpi xmlns:a14="http://schemas.microsoft.com/office/drawing/2010/main" val="0"/>
+              </a:ext>
+            </a:extLst>
+          </a:blip>
+          <a:srcRect/>
+          <a:stretch>
+            <a:fillRect/>
+          </a:stretch>
+        </p:blipFill>
+        <p:spPr bwMode="auto">
+          <a:xfrm>
+            <a:off x="13934080" y="11467477"/>
+            <a:ext cx="1853402" cy="1732001"/>
+          </a:xfrm>
+          <a:prstGeom prst="rect">
+            <a:avLst/>
+          </a:prstGeom>
+          <a:noFill/>
+          <a:extLst>
+            <a:ext uri="{909E8E84-426E-40DD-AFC4-6F175D3DCCD1}">
+              <a14:hiddenFill xmlns:a14="http://schemas.microsoft.com/office/drawing/2010/main">
+                <a:solidFill>
+                  <a:srgbClr val="FFFFFF"/>
+                </a:solidFill>
+              </a14:hiddenFill>
+            </a:ext>
+          </a:extLst>
+        </p:spPr>
+      </p:pic>
+      <p:pic>
+        <p:nvPicPr>
+          <p:cNvPr id="46" name="Picture 4"/>
+          <p:cNvPicPr>
+            <a:picLocks noChangeAspect="1" noChangeArrowheads="1"/>
+          </p:cNvPicPr>
+          <p:nvPr/>
+        </p:nvPicPr>
+        <p:blipFill>
+          <a:blip r:embed="rId16">
+            <a:extLst>
+              <a:ext uri="{28A0092B-C50C-407E-A947-70E740481C1C}">
+                <a14:useLocalDpi xmlns:a14="http://schemas.microsoft.com/office/drawing/2010/main" val="0"/>
+              </a:ext>
+            </a:extLst>
+          </a:blip>
+          <a:srcRect/>
+          <a:stretch>
+            <a:fillRect/>
+          </a:stretch>
+        </p:blipFill>
+        <p:spPr bwMode="auto">
+          <a:xfrm>
+            <a:off x="30045462" y="23406389"/>
+            <a:ext cx="2459110" cy="1068301"/>
+          </a:xfrm>
+          <a:prstGeom prst="rect">
+            <a:avLst/>
+          </a:prstGeom>
+          <a:noFill/>
+          <a:ln>
+            <a:noFill/>
+          </a:ln>
+          <a:effectLst/>
+          <a:extLst>
+            <a:ext uri="{909E8E84-426E-40DD-AFC4-6F175D3DCCD1}">
+              <a14:hiddenFill xmlns:a14="http://schemas.microsoft.com/office/drawing/2010/main">
+                <a:solidFill>
+                  <a:schemeClr val="accent1"/>
+                </a:solidFill>
+              </a14:hiddenFill>
+            </a:ext>
+            <a:ext uri="{91240B29-F687-4F45-9708-019B960494DF}">
+              <a14:hiddenLine xmlns:a14="http://schemas.microsoft.com/office/drawing/2010/main" w="9525">
+                <a:solidFill>
+                  <a:schemeClr val="tx1"/>
+                </a:solidFill>
+                <a:miter lim="800000"/>
+                <a:headEnd/>
+                <a:tailEnd/>
+              </a14:hiddenLine>
+            </a:ext>
+            <a:ext uri="{AF507438-7753-43E0-B8FC-AC1667EBCBE1}">
+              <a14:hiddenEffects xmlns:a14="http://schemas.microsoft.com/office/drawing/2010/main">
+                <a:effectLst>
+                  <a:outerShdw dist="35921" dir="2700000" algn="ctr" rotWithShape="0">
+                    <a:schemeClr val="bg2"/>
+                  </a:outerShdw>
+                </a:effectLst>
+              </a14:hiddenEffects>
+            </a:ext>
+          </a:extLst>
+        </p:spPr>
+      </p:pic>
+      <p:pic>
+        <p:nvPicPr>
+          <p:cNvPr id="53" name="Picture 6"/>
+          <p:cNvPicPr>
+            <a:picLocks noChangeAspect="1" noChangeArrowheads="1"/>
+          </p:cNvPicPr>
+          <p:nvPr/>
+        </p:nvPicPr>
+        <p:blipFill>
+          <a:blip r:embed="rId17">
+            <a:extLst>
+              <a:ext uri="{28A0092B-C50C-407E-A947-70E740481C1C}">
+                <a14:useLocalDpi xmlns:a14="http://schemas.microsoft.com/office/drawing/2010/main" val="0"/>
+              </a:ext>
+            </a:extLst>
+          </a:blip>
+          <a:srcRect/>
+          <a:stretch>
+            <a:fillRect/>
+          </a:stretch>
+        </p:blipFill>
+        <p:spPr bwMode="auto">
+          <a:xfrm>
+            <a:off x="34502693" y="20684757"/>
+            <a:ext cx="2690575" cy="742920"/>
+          </a:xfrm>
+          <a:prstGeom prst="rect">
+            <a:avLst/>
+          </a:prstGeom>
+          <a:noFill/>
+          <a:ln>
+            <a:noFill/>
+          </a:ln>
+          <a:effectLst/>
+          <a:extLst>
+            <a:ext uri="{909E8E84-426E-40DD-AFC4-6F175D3DCCD1}">
+              <a14:hiddenFill xmlns:a14="http://schemas.microsoft.com/office/drawing/2010/main">
+                <a:solidFill>
+                  <a:schemeClr val="accent1"/>
+                </a:solidFill>
+              </a14:hiddenFill>
+            </a:ext>
+            <a:ext uri="{91240B29-F687-4F45-9708-019B960494DF}">
+              <a14:hiddenLine xmlns:a14="http://schemas.microsoft.com/office/drawing/2010/main" w="9525">
+                <a:solidFill>
+                  <a:schemeClr val="tx1"/>
+                </a:solidFill>
+                <a:miter lim="800000"/>
+                <a:headEnd/>
+                <a:tailEnd/>
+              </a14:hiddenLine>
+            </a:ext>
+            <a:ext uri="{AF507438-7753-43E0-B8FC-AC1667EBCBE1}">
+              <a14:hiddenEffects xmlns:a14="http://schemas.microsoft.com/office/drawing/2010/main">
+                <a:effectLst>
+                  <a:outerShdw dist="35921" dir="2700000" algn="ctr" rotWithShape="0">
+                    <a:schemeClr val="bg2"/>
+                  </a:outerShdw>
+                </a:effectLst>
+              </a14:hiddenEffects>
+            </a:ext>
+          </a:extLst>
+        </p:spPr>
+      </p:pic>
+      <p:pic>
+        <p:nvPicPr>
+          <p:cNvPr id="55" name="Picture 7"/>
+          <p:cNvPicPr>
+            <a:picLocks noChangeAspect="1" noChangeArrowheads="1"/>
+          </p:cNvPicPr>
+          <p:nvPr/>
+        </p:nvPicPr>
+        <p:blipFill>
+          <a:blip r:embed="rId18">
+            <a:extLst>
+              <a:ext uri="{28A0092B-C50C-407E-A947-70E740481C1C}">
+                <a14:useLocalDpi xmlns:a14="http://schemas.microsoft.com/office/drawing/2010/main" val="0"/>
+              </a:ext>
+            </a:extLst>
+          </a:blip>
+          <a:srcRect/>
+          <a:stretch>
+            <a:fillRect/>
+          </a:stretch>
+        </p:blipFill>
+        <p:spPr bwMode="auto">
+          <a:xfrm>
+            <a:off x="35999591" y="22353934"/>
+            <a:ext cx="2832916" cy="780868"/>
+          </a:xfrm>
+          <a:prstGeom prst="rect">
+            <a:avLst/>
+          </a:prstGeom>
+          <a:noFill/>
+          <a:ln>
+            <a:noFill/>
+          </a:ln>
+          <a:effectLst/>
+          <a:extLst>
+            <a:ext uri="{909E8E84-426E-40DD-AFC4-6F175D3DCCD1}">
+              <a14:hiddenFill xmlns:a14="http://schemas.microsoft.com/office/drawing/2010/main">
+                <a:solidFill>
+                  <a:schemeClr val="accent1"/>
+                </a:solidFill>
+              </a14:hiddenFill>
+            </a:ext>
+            <a:ext uri="{91240B29-F687-4F45-9708-019B960494DF}">
+              <a14:hiddenLine xmlns:a14="http://schemas.microsoft.com/office/drawing/2010/main" w="9525">
+                <a:solidFill>
+                  <a:schemeClr val="tx1"/>
+                </a:solidFill>
+                <a:miter lim="800000"/>
+                <a:headEnd/>
+                <a:tailEnd/>
+              </a14:hiddenLine>
+            </a:ext>
+            <a:ext uri="{AF507438-7753-43E0-B8FC-AC1667EBCBE1}">
+              <a14:hiddenEffects xmlns:a14="http://schemas.microsoft.com/office/drawing/2010/main">
+                <a:effectLst>
+                  <a:outerShdw dist="35921" dir="2700000" algn="ctr" rotWithShape="0">
+                    <a:schemeClr val="bg2"/>
+                  </a:outerShdw>
+                </a:effectLst>
+              </a14:hiddenEffects>
+            </a:ext>
+          </a:extLst>
+        </p:spPr>
+      </p:pic>
+      <p:pic>
+        <p:nvPicPr>
+          <p:cNvPr id="56" name="Picture 2"/>
+          <p:cNvPicPr>
+            <a:picLocks noChangeAspect="1" noChangeArrowheads="1"/>
+          </p:cNvPicPr>
+          <p:nvPr/>
+        </p:nvPicPr>
+        <p:blipFill>
+          <a:blip r:embed="rId19">
+            <a:extLst>
+              <a:ext uri="{28A0092B-C50C-407E-A947-70E740481C1C}">
+                <a14:useLocalDpi xmlns:a14="http://schemas.microsoft.com/office/drawing/2010/main" val="0"/>
+              </a:ext>
+            </a:extLst>
+          </a:blip>
+          <a:srcRect/>
+          <a:stretch>
+            <a:fillRect/>
+          </a:stretch>
+        </p:blipFill>
+        <p:spPr bwMode="auto">
+          <a:xfrm>
+            <a:off x="30136880" y="20744838"/>
+            <a:ext cx="1657579" cy="1389686"/>
+          </a:xfrm>
+          <a:prstGeom prst="rect">
+            <a:avLst/>
+          </a:prstGeom>
+          <a:noFill/>
+          <a:ln>
+            <a:noFill/>
+          </a:ln>
+          <a:effectLst/>
+          <a:extLst>
+            <a:ext uri="{909E8E84-426E-40DD-AFC4-6F175D3DCCD1}">
+              <a14:hiddenFill xmlns:a14="http://schemas.microsoft.com/office/drawing/2010/main">
+                <a:solidFill>
+                  <a:schemeClr val="accent1"/>
+                </a:solidFill>
+              </a14:hiddenFill>
+            </a:ext>
+            <a:ext uri="{91240B29-F687-4F45-9708-019B960494DF}">
+              <a14:hiddenLine xmlns:a14="http://schemas.microsoft.com/office/drawing/2010/main" w="9525">
+                <a:solidFill>
+                  <a:schemeClr val="tx1"/>
+                </a:solidFill>
+                <a:miter lim="800000"/>
+                <a:headEnd/>
+                <a:tailEnd/>
+              </a14:hiddenLine>
+            </a:ext>
+            <a:ext uri="{AF507438-7753-43E0-B8FC-AC1667EBCBE1}">
+              <a14:hiddenEffects xmlns:a14="http://schemas.microsoft.com/office/drawing/2010/main">
+                <a:effectLst>
+                  <a:outerShdw dist="35921" dir="2700000" algn="ctr" rotWithShape="0">
+                    <a:schemeClr val="bg2"/>
+                  </a:outerShdw>
+                </a:effectLst>
+              </a14:hiddenEffects>
+            </a:ext>
+          </a:extLst>
+        </p:spPr>
+      </p:pic>
+      <p:pic>
+        <p:nvPicPr>
+          <p:cNvPr id="1032" name="Picture 8" descr="http://i.computer-bild.de/imgs/3/7/1/0/4/8/7/Google-Chrome-512x384-ef1f5c3243621c42.jpg"/>
+          <p:cNvPicPr>
+            <a:picLocks noChangeAspect="1" noChangeArrowheads="1"/>
+          </p:cNvPicPr>
+          <p:nvPr/>
+        </p:nvPicPr>
+        <p:blipFill>
+          <a:blip r:embed="rId20" cstate="print">
+            <a:extLst>
+              <a:ext uri="{28A0092B-C50C-407E-A947-70E740481C1C}">
+                <a14:useLocalDpi xmlns:a14="http://schemas.microsoft.com/office/drawing/2010/main" val="0"/>
+              </a:ext>
+            </a:extLst>
+          </a:blip>
+          <a:srcRect/>
+          <a:stretch>
+            <a:fillRect/>
+          </a:stretch>
+        </p:blipFill>
+        <p:spPr bwMode="auto">
+          <a:xfrm>
+            <a:off x="32444293" y="22134524"/>
+            <a:ext cx="2058400" cy="1543800"/>
+          </a:xfrm>
+          <a:prstGeom prst="rect">
+            <a:avLst/>
+          </a:prstGeom>
+          <a:noFill/>
+          <a:extLst>
+            <a:ext uri="{909E8E84-426E-40DD-AFC4-6F175D3DCCD1}">
+              <a14:hiddenFill xmlns:a14="http://schemas.microsoft.com/office/drawing/2010/main">
+                <a:solidFill>
+                  <a:srgbClr val="FFFFFF"/>
+                </a:solidFill>
+              </a14:hiddenFill>
+            </a:ext>
+          </a:extLst>
+        </p:spPr>
+      </p:pic>
+      <p:pic>
+        <p:nvPicPr>
+          <p:cNvPr id="16" name="Picture 10" descr="http://www.pokipsie.ch/wp-content/uploads/2012/03/Bildschirmfoto-2012-03-07-um-21.51.38.png"/>
+          <p:cNvPicPr>
+            <a:picLocks noChangeAspect="1" noChangeArrowheads="1"/>
+          </p:cNvPicPr>
+          <p:nvPr/>
+        </p:nvPicPr>
+        <p:blipFill>
+          <a:blip r:embed="rId21">
+            <a:extLst>
+              <a:ext uri="{28A0092B-C50C-407E-A947-70E740481C1C}">
+                <a14:useLocalDpi xmlns:a14="http://schemas.microsoft.com/office/drawing/2010/main" val="0"/>
+              </a:ext>
+            </a:extLst>
+          </a:blip>
+          <a:srcRect/>
+          <a:stretch>
+            <a:fillRect/>
+          </a:stretch>
+        </p:blipFill>
+        <p:spPr bwMode="auto">
+          <a:xfrm>
+            <a:off x="38360558" y="20804910"/>
+            <a:ext cx="1668609" cy="1056786"/>
+          </a:xfrm>
+          <a:prstGeom prst="rect">
+            <a:avLst/>
+          </a:prstGeom>
+          <a:noFill/>
+          <a:extLst>
+            <a:ext uri="{909E8E84-426E-40DD-AFC4-6F175D3DCCD1}">
+              <a14:hiddenFill xmlns:a14="http://schemas.microsoft.com/office/drawing/2010/main">
+                <a:solidFill>
+                  <a:srgbClr val="FFFFFF"/>
+                </a:solidFill>
+              </a14:hiddenFill>
+            </a:ext>
+          </a:extLst>
+        </p:spPr>
+      </p:pic>
+      <p:sp>
+        <p:nvSpPr>
+          <p:cNvPr id="20" name="Explosion 2 19"/>
+          <p:cNvSpPr/>
+          <p:nvPr/>
+        </p:nvSpPr>
+        <p:spPr>
+          <a:xfrm>
+            <a:off x="32728647" y="23678324"/>
+            <a:ext cx="5945095" cy="3415323"/>
+          </a:xfrm>
+          <a:prstGeom prst="irregularSeal2">
+            <a:avLst/>
+          </a:prstGeom>
+        </p:spPr>
+        <p:style>
+          <a:lnRef idx="1">
+            <a:schemeClr val="accent1"/>
+          </a:lnRef>
+          <a:fillRef idx="3">
+            <a:schemeClr val="accent1"/>
+          </a:fillRef>
+          <a:effectRef idx="2">
+            <a:schemeClr val="accent1"/>
+          </a:effectRef>
+          <a:fontRef idx="minor">
+            <a:schemeClr val="lt1"/>
+          </a:fontRef>
+        </p:style>
+        <p:txBody>
+          <a:bodyPr rtlCol="0" anchor="ctr"/>
+          <a:lstStyle/>
+          <a:p>
+            <a:pPr algn="ctr"/>
+            <a:endParaRPr lang="de-CH"/>
+          </a:p>
+        </p:txBody>
+      </p:sp>
+      <p:sp>
+        <p:nvSpPr>
+          <p:cNvPr id="21" name="Textfeld 20"/>
+          <p:cNvSpPr txBox="1"/>
+          <p:nvPr/>
+        </p:nvSpPr>
+        <p:spPr>
+          <a:xfrm rot="20523438">
+            <a:off x="33755271" y="24845867"/>
+            <a:ext cx="3411928" cy="1323439"/>
+          </a:xfrm>
+          <a:prstGeom prst="rect">
+            <a:avLst/>
+          </a:prstGeom>
+          <a:noFill/>
         </p:spPr>
         <p:txBody>
           <a:bodyPr wrap="square" rtlCol="0">
@@ -6694,18 +7076,228 @@
           </a:bodyPr>
           <a:lstStyle/>
           <a:p>
+            <a:pPr algn="ctr"/>
             <a:r>
               <a:rPr lang="de-CH" sz="4000" b="1" dirty="0" smtClean="0">
+                <a:solidFill>
+                  <a:schemeClr val="bg1"/>
+                </a:solidFill>
+              </a:rPr>
+              <a:t>Jetzt </a:t>
+            </a:r>
+            <a:r>
+              <a:rPr lang="de-CH" sz="4000" b="1" dirty="0" err="1" smtClean="0">
+                <a:solidFill>
+                  <a:schemeClr val="bg1"/>
+                </a:solidFill>
+              </a:rPr>
+              <a:t>koins</a:t>
+            </a:r>
+            <a:r>
+              <a:rPr lang="de-CH" sz="4000" b="1" dirty="0" smtClean="0">
+                <a:solidFill>
+                  <a:schemeClr val="bg1"/>
+                </a:solidFill>
+              </a:rPr>
+              <a:t> sammeln!</a:t>
+            </a:r>
+            <a:endParaRPr lang="de-CH" sz="4000" b="1" dirty="0">
+              <a:solidFill>
+                <a:schemeClr val="bg1"/>
+              </a:solidFill>
+            </a:endParaRPr>
+          </a:p>
+        </p:txBody>
+      </p:sp>
+      <p:sp>
+        <p:nvSpPr>
+          <p:cNvPr id="58" name="Textfeld 57"/>
+          <p:cNvSpPr txBox="1"/>
+          <p:nvPr/>
+        </p:nvSpPr>
+        <p:spPr>
+          <a:xfrm>
+            <a:off x="20098983" y="10891397"/>
+            <a:ext cx="3177539" cy="1692771"/>
+          </a:xfrm>
+          <a:prstGeom prst="rect">
+            <a:avLst/>
+          </a:prstGeom>
+          <a:noFill/>
+        </p:spPr>
+        <p:txBody>
+          <a:bodyPr wrap="square" rtlCol="0">
+            <a:spAutoFit/>
+            <a:scene3d>
+              <a:camera prst="orthographicFront">
+                <a:rot lat="0" lon="0" rev="0"/>
+              </a:camera>
+              <a:lightRig rig="contrasting" dir="t">
+                <a:rot lat="0" lon="0" rev="4500000"/>
+              </a:lightRig>
+            </a:scene3d>
+            <a:sp3d contourW="6350" prstMaterial="metal">
+              <a:contourClr>
+                <a:schemeClr val="accent1">
+                  <a:shade val="75000"/>
+                </a:schemeClr>
+              </a:contourClr>
+            </a:sp3d>
+          </a:bodyPr>
+          <a:lstStyle/>
+          <a:p>
+            <a:r>
+              <a:rPr lang="de-CH" sz="10400" b="1" cap="all" dirty="0" smtClean="0">
+                <a:ln w="0"/>
+                <a:solidFill>
+                  <a:schemeClr val="accent1">
+                    <a:lumMod val="50000"/>
+                  </a:schemeClr>
+                </a:solidFill>
+                <a:effectLst/>
                 <a:latin typeface="Calibri" pitchFamily="34" charset="0"/>
               </a:rPr>
-              <a:t>Übersicht</a:t>
+              <a:t>K</a:t>
             </a:r>
-            <a:endParaRPr lang="de-CH" sz="4000" b="1" dirty="0">
+            <a:r>
+              <a:rPr lang="de-CH" sz="8800" b="1" cap="all" dirty="0" smtClean="0">
+                <a:ln w="0"/>
+                <a:solidFill>
+                  <a:schemeClr val="accent1">
+                    <a:lumMod val="50000"/>
+                  </a:schemeClr>
+                </a:solidFill>
+                <a:effectLst/>
+                <a:latin typeface="Calibri" pitchFamily="34" charset="0"/>
+              </a:rPr>
+              <a:t>ORT</a:t>
+            </a:r>
+            <a:endParaRPr lang="de-CH" sz="8800" b="1" cap="all" dirty="0">
+              <a:ln w="0"/>
+              <a:solidFill>
+                <a:schemeClr val="accent1">
+                  <a:lumMod val="50000"/>
+                </a:schemeClr>
+              </a:solidFill>
+              <a:effectLst/>
               <a:latin typeface="Calibri" pitchFamily="34" charset="0"/>
             </a:endParaRPr>
           </a:p>
         </p:txBody>
       </p:sp>
+      <p:sp>
+        <p:nvSpPr>
+          <p:cNvPr id="60" name="Textfeld 59"/>
+          <p:cNvSpPr txBox="1"/>
+          <p:nvPr/>
+        </p:nvSpPr>
+        <p:spPr>
+          <a:xfrm>
+            <a:off x="31164613" y="18566862"/>
+            <a:ext cx="3468378" cy="461665"/>
+          </a:xfrm>
+          <a:prstGeom prst="rect">
+            <a:avLst/>
+          </a:prstGeom>
+          <a:noFill/>
+        </p:spPr>
+        <p:txBody>
+          <a:bodyPr wrap="square" rtlCol="0">
+            <a:spAutoFit/>
+          </a:bodyPr>
+          <a:lstStyle/>
+          <a:p>
+            <a:pPr algn="ctr"/>
+            <a:r>
+              <a:rPr lang="de-CH" sz="2400" i="1" dirty="0" smtClean="0"/>
+              <a:t>Überprüfen</a:t>
+            </a:r>
+            <a:endParaRPr lang="de-CH" sz="2400" i="1" dirty="0"/>
+          </a:p>
+        </p:txBody>
+      </p:sp>
+      <p:pic>
+        <p:nvPicPr>
+          <p:cNvPr id="1039" name="Picture 15" descr="D:\xampp\htdocs\kort\_DOCUMENTATION\05_Poster\images\kort-big_picture.png"/>
+          <p:cNvPicPr>
+            <a:picLocks noChangeAspect="1" noChangeArrowheads="1"/>
+          </p:cNvPicPr>
+          <p:nvPr/>
+        </p:nvPicPr>
+        <p:blipFill>
+          <a:blip r:embed="rId22">
+            <a:extLst>
+              <a:ext uri="{28A0092B-C50C-407E-A947-70E740481C1C}">
+                <a14:useLocalDpi xmlns:a14="http://schemas.microsoft.com/office/drawing/2010/main" val="0"/>
+              </a:ext>
+            </a:extLst>
+          </a:blip>
+          <a:srcRect/>
+          <a:stretch>
+            <a:fillRect/>
+          </a:stretch>
+        </p:blipFill>
+        <p:spPr bwMode="auto">
+          <a:xfrm>
+            <a:off x="16478021" y="13595090"/>
+            <a:ext cx="12775331" cy="14650717"/>
+          </a:xfrm>
+          <a:prstGeom prst="rect">
+            <a:avLst/>
+          </a:prstGeom>
+          <a:noFill/>
+          <a:extLst>
+            <a:ext uri="{909E8E84-426E-40DD-AFC4-6F175D3DCCD1}">
+              <a14:hiddenFill xmlns:a14="http://schemas.microsoft.com/office/drawing/2010/main">
+                <a:solidFill>
+                  <a:srgbClr val="FFFFFF"/>
+                </a:solidFill>
+              </a14:hiddenFill>
+            </a:ext>
+          </a:extLst>
+        </p:spPr>
+      </p:pic>
+      <p:pic>
+        <p:nvPicPr>
+          <p:cNvPr id="1047" name="Picture 23" descr="http://suvendugiri.files.wordpress.com/2012/02/checkbox.png?w=604"/>
+          <p:cNvPicPr>
+            <a:picLocks noChangeAspect="1" noChangeArrowheads="1"/>
+          </p:cNvPicPr>
+          <p:nvPr/>
+        </p:nvPicPr>
+        <p:blipFill>
+          <a:blip r:embed="rId23">
+            <a:extLst>
+              <a:ext uri="{28A0092B-C50C-407E-A947-70E740481C1C}">
+                <a14:useLocalDpi xmlns:a14="http://schemas.microsoft.com/office/drawing/2010/main" val="0"/>
+              </a:ext>
+            </a:extLst>
+          </a:blip>
+          <a:srcRect/>
+          <a:stretch>
+            <a:fillRect/>
+          </a:stretch>
+        </p:blipFill>
+        <p:spPr bwMode="auto">
+          <a:xfrm>
+            <a:off x="39406762" y="6138146"/>
+            <a:ext cx="2016871" cy="2016871"/>
+          </a:xfrm>
+          <a:prstGeom prst="rect">
+            <a:avLst/>
+          </a:prstGeom>
+          <a:noFill/>
+          <a:extLst>
+            <a:ext uri="{909E8E84-426E-40DD-AFC4-6F175D3DCCD1}">
+              <a14:hiddenFill xmlns:a14="http://schemas.microsoft.com/office/drawing/2010/main">
+                <a:solidFill>
+                  <a:srgbClr val="FFFFFF"/>
+                </a:solidFill>
+              </a14:hiddenFill>
+            </a:ext>
+          </a:extLst>
+        </p:spPr>
+      </p:pic>
     </p:spTree>
   </p:cSld>
   <p:clrMapOvr>

--- a/_DOCUMENTATION/05_Poster/kort-Poster.pptx
+++ b/_DOCUMENTATION/05_Poster/kort-Poster.pptx
@@ -5483,7 +5483,7 @@
         </p:blipFill>
         <p:spPr bwMode="auto">
           <a:xfrm>
-            <a:off x="38832506" y="25852486"/>
+            <a:off x="38832506" y="25924496"/>
             <a:ext cx="2393321" cy="2393321"/>
           </a:xfrm>
           <a:prstGeom prst="rect">
@@ -5503,7 +5503,7 @@
       </p:pic>
       <p:pic>
         <p:nvPicPr>
-          <p:cNvPr id="1033" name="Picture 9" descr="D:\xampp\htdocs\kort\_DOCUMENTATION\02_Documentation\images\screenshots\kort-screenshot-validation.png"/>
+          <p:cNvPr id="1034" name="Picture 10" descr="D:\xampp\htdocs\kort\_DOCUMENTATION\02_Documentation\images\screenshots\kort-screenshot-vote.png"/>
           <p:cNvPicPr>
             <a:picLocks noChangeAspect="1" noChangeArrowheads="1"/>
           </p:cNvPicPr>
@@ -5524,8 +5524,8 @@
         </p:blipFill>
         <p:spPr bwMode="auto">
           <a:xfrm>
-            <a:off x="30262084" y="13377459"/>
-            <a:ext cx="2509408" cy="5039191"/>
+            <a:off x="33185315" y="13361388"/>
+            <a:ext cx="2517411" cy="5055262"/>
           </a:xfrm>
           <a:prstGeom prst="rect">
             <a:avLst/>
@@ -5544,7 +5544,7 @@
       </p:pic>
       <p:pic>
         <p:nvPicPr>
-          <p:cNvPr id="1034" name="Picture 10" descr="D:\xampp\htdocs\kort\_DOCUMENTATION\02_Documentation\images\screenshots\kort-screenshot-vote.png"/>
+          <p:cNvPr id="1036" name="Picture 12" descr="D:\xampp\htdocs\kort\_DOCUMENTATION\02_Documentation\images\screenshots\kort-screenshot-highscore.png"/>
           <p:cNvPicPr>
             <a:picLocks noChangeAspect="1" noChangeArrowheads="1"/>
           </p:cNvPicPr>
@@ -5565,8 +5565,8 @@
         </p:blipFill>
         <p:spPr bwMode="auto">
           <a:xfrm>
-            <a:off x="33071675" y="13361388"/>
-            <a:ext cx="2517411" cy="5055262"/>
+            <a:off x="36094302" y="13361388"/>
+            <a:ext cx="2515813" cy="5039191"/>
           </a:xfrm>
           <a:prstGeom prst="rect">
             <a:avLst/>
@@ -5585,7 +5585,7 @@
       </p:pic>
       <p:pic>
         <p:nvPicPr>
-          <p:cNvPr id="1036" name="Picture 12" descr="D:\xampp\htdocs\kort\_DOCUMENTATION\02_Documentation\images\screenshots\kort-screenshot-highscore.png"/>
+          <p:cNvPr id="1037" name="Picture 13" descr="D:\xampp\htdocs\kort\_DOCUMENTATION\02_Documentation\images\screenshots\kort-screenshot-profile.png"/>
           <p:cNvPicPr>
             <a:picLocks noChangeAspect="1" noChangeArrowheads="1"/>
           </p:cNvPicPr>
@@ -5606,48 +5606,7 @@
         </p:blipFill>
         <p:spPr bwMode="auto">
           <a:xfrm>
-            <a:off x="38297311" y="13377459"/>
-            <a:ext cx="2515813" cy="5039191"/>
-          </a:xfrm>
-          <a:prstGeom prst="rect">
-            <a:avLst/>
-          </a:prstGeom>
-          <a:noFill/>
-          <a:extLst>
-            <a:ext uri="{909E8E84-426E-40DD-AFC4-6F175D3DCCD1}">
-              <a14:hiddenFill xmlns:a14="http://schemas.microsoft.com/office/drawing/2010/main">
-                <a:solidFill>
-                  <a:srgbClr val="FFFFFF"/>
-                </a:solidFill>
-              </a14:hiddenFill>
-            </a:ext>
-          </a:extLst>
-        </p:spPr>
-      </p:pic>
-      <p:pic>
-        <p:nvPicPr>
-          <p:cNvPr id="1037" name="Picture 13" descr="D:\xampp\htdocs\kort\_DOCUMENTATION\02_Documentation\images\screenshots\kort-screenshot-profile.png"/>
-          <p:cNvPicPr>
-            <a:picLocks noChangeAspect="1" noChangeArrowheads="1"/>
-          </p:cNvPicPr>
-          <p:nvPr/>
-        </p:nvPicPr>
-        <p:blipFill>
-          <a:blip r:embed="rId12">
-            <a:extLst>
-              <a:ext uri="{28A0092B-C50C-407E-A947-70E740481C1C}">
-                <a14:useLocalDpi xmlns:a14="http://schemas.microsoft.com/office/drawing/2010/main" val="0"/>
-              </a:ext>
-            </a:extLst>
-          </a:blip>
-          <a:srcRect/>
-          <a:stretch>
-            <a:fillRect/>
-          </a:stretch>
-        </p:blipFill>
-        <p:spPr bwMode="auto">
-          <a:xfrm>
-            <a:off x="35694464" y="13377459"/>
+            <a:off x="38953487" y="13377459"/>
             <a:ext cx="2490180" cy="5039191"/>
           </a:xfrm>
           <a:prstGeom prst="rect">
@@ -5673,7 +5632,7 @@
         </p:nvSpPr>
         <p:spPr>
           <a:xfrm>
-            <a:off x="38546320" y="18566862"/>
+            <a:off x="36343311" y="18581212"/>
             <a:ext cx="2017794" cy="461665"/>
           </a:xfrm>
           <a:prstGeom prst="rect">
@@ -5704,8 +5663,8 @@
         </p:nvSpPr>
         <p:spPr>
           <a:xfrm>
-            <a:off x="35205365" y="18566862"/>
-            <a:ext cx="3468378" cy="461665"/>
+            <a:off x="39478477" y="18581212"/>
+            <a:ext cx="1440200" cy="461665"/>
           </a:xfrm>
           <a:prstGeom prst="rect">
             <a:avLst/>
@@ -5929,14 +5888,14 @@
           <p:nvPr>
             <p:extLst>
               <p:ext uri="{D42A27DB-BD31-4B8C-83A1-F6EECF244321}">
-                <p14:modId xmlns:p14="http://schemas.microsoft.com/office/powerpoint/2010/main" val="2457238206"/>
+                <p14:modId xmlns:p14="http://schemas.microsoft.com/office/powerpoint/2010/main" val="2428863907"/>
               </p:ext>
             </p:extLst>
           </p:nvPr>
         </p:nvGraphicFramePr>
         <p:xfrm>
-          <a:off x="1529502" y="11702279"/>
-          <a:ext cx="13897930" cy="5749200"/>
+          <a:off x="1529502" y="11606337"/>
+          <a:ext cx="13897930" cy="6054000"/>
         </p:xfrm>
         <a:graphic>
           <a:graphicData uri="http://schemas.openxmlformats.org/drawingml/2006/table">
@@ -6009,13 +5968,7 @@
                         <a:rPr lang="de-CH" sz="4000" baseline="0" dirty="0" smtClean="0">
                           <a:latin typeface="Calibri" pitchFamily="34" charset="0"/>
                         </a:rPr>
-                        <a:t> Touch Framework </a:t>
-                      </a:r>
-                      <a:r>
-                        <a:rPr lang="de-CH" sz="4000" baseline="0" dirty="0" smtClean="0">
-                          <a:latin typeface="Calibri" pitchFamily="34" charset="0"/>
-                        </a:rPr>
-                        <a:t>verwendet</a:t>
+                        <a:t> Touch Framework verwendet</a:t>
                       </a:r>
                     </a:p>
                     <a:p>
@@ -6057,7 +6010,7 @@
                         <a:buChar char="§"/>
                       </a:pPr>
                       <a:r>
-                        <a:rPr lang="de-CH" sz="3000" baseline="0" dirty="0" smtClean="0">
+                        <a:rPr lang="de-CH" sz="4000" baseline="0" dirty="0" smtClean="0">
                           <a:latin typeface="Calibri" pitchFamily="34" charset="0"/>
                         </a:rPr>
                         <a:t>Frontend: HTML5, CSS, JavaScript</a:t>
@@ -6072,7 +6025,7 @@
                         <a:buChar char="§"/>
                       </a:pPr>
                       <a:r>
-                        <a:rPr lang="de-CH" sz="3000" baseline="0" dirty="0" smtClean="0">
+                        <a:rPr lang="de-CH" sz="4000" baseline="0" dirty="0" smtClean="0">
                           <a:latin typeface="Calibri" pitchFamily="34" charset="0"/>
                         </a:rPr>
                         <a:t>Backend: PHP, Shell</a:t>
@@ -6094,7 +6047,7 @@
         </p:nvSpPr>
         <p:spPr>
           <a:xfrm rot="10800000" flipH="1">
-            <a:off x="35534455" y="26026257"/>
+            <a:off x="35534455" y="25941487"/>
             <a:ext cx="3171023" cy="1677581"/>
           </a:xfrm>
           <a:prstGeom prst="bentArrow">
@@ -6137,14 +6090,14 @@
           <p:nvPr>
             <p:extLst>
               <p:ext uri="{D42A27DB-BD31-4B8C-83A1-F6EECF244321}">
-                <p14:modId xmlns:p14="http://schemas.microsoft.com/office/powerpoint/2010/main" val="2421724750"/>
+                <p14:modId xmlns:p14="http://schemas.microsoft.com/office/powerpoint/2010/main" val="4157032882"/>
               </p:ext>
             </p:extLst>
           </p:nvPr>
         </p:nvGraphicFramePr>
         <p:xfrm>
           <a:off x="27368007" y="6582397"/>
-          <a:ext cx="13953622" cy="5444400"/>
+          <a:ext cx="13953622" cy="6054000"/>
         </p:xfrm>
         <a:graphic>
           <a:graphicData uri="http://schemas.openxmlformats.org/drawingml/2006/table">
@@ -6183,17 +6136,6 @@
                         </a:rPr>
                         <a:t>Ergebnisse</a:t>
                       </a:r>
-                      <a:endParaRPr lang="de-CH" sz="5000" dirty="0" smtClean="0">
-                        <a:effectLst>
-                          <a:outerShdw blurRad="50800" dist="38100" dir="2700000" algn="tl" rotWithShape="0">
-                            <a:prstClr val="black">
-                              <a:alpha val="40000"/>
-                            </a:prstClr>
-                          </a:outerShdw>
-                        </a:effectLst>
-                        <a:latin typeface="Calibri" pitchFamily="34" charset="0"/>
-                        <a:cs typeface="Calibri" pitchFamily="34" charset="0"/>
-                      </a:endParaRPr>
                     </a:p>
                   </a:txBody>
                   <a:tcPr marL="360000" marR="360000" marT="180000" marB="180000">
@@ -6225,6 +6167,12 @@
                         <a:t>Login mit </a:t>
                       </a:r>
                       <a:r>
+                        <a:rPr lang="de-CH" sz="4000" dirty="0" smtClean="0">
+                          <a:latin typeface="Calibri" pitchFamily="34" charset="0"/>
+                        </a:rPr>
+                        <a:t>Google </a:t>
+                      </a:r>
+                      <a:r>
                         <a:rPr lang="de-CH" sz="4000" dirty="0" err="1" smtClean="0">
                           <a:latin typeface="Calibri" pitchFamily="34" charset="0"/>
                         </a:rPr>
@@ -6246,7 +6194,37 @@
                         <a:rPr lang="de-CH" sz="4000" dirty="0" smtClean="0">
                           <a:latin typeface="Calibri" pitchFamily="34" charset="0"/>
                         </a:rPr>
-                        <a:t>Fehler verbessern</a:t>
+                        <a:t>Fehler </a:t>
+                      </a:r>
+                      <a:r>
+                        <a:rPr lang="de-CH" sz="4000" dirty="0" smtClean="0">
+                          <a:latin typeface="Calibri" pitchFamily="34" charset="0"/>
+                        </a:rPr>
+                        <a:t>auf Karte anzeigen und verbessern</a:t>
+                      </a:r>
+                      <a:endParaRPr lang="de-CH" sz="4000" dirty="0" smtClean="0">
+                        <a:latin typeface="Calibri" pitchFamily="34" charset="0"/>
+                      </a:endParaRPr>
+                    </a:p>
+                    <a:p>
+                      <a:pPr marL="571500" indent="-571500">
+                        <a:spcAft>
+                          <a:spcPts val="1800"/>
+                        </a:spcAft>
+                        <a:buFont typeface="Wingdings" pitchFamily="2" charset="2"/>
+                        <a:buChar char="§"/>
+                      </a:pPr>
+                      <a:r>
+                        <a:rPr lang="de-CH" sz="4000" baseline="0" dirty="0" smtClean="0">
+                          <a:latin typeface="Calibri" pitchFamily="34" charset="0"/>
+                        </a:rPr>
+                        <a:t>Eingetragene Lösungen </a:t>
+                      </a:r>
+                      <a:r>
+                        <a:rPr lang="de-CH" sz="4000" baseline="0" dirty="0" smtClean="0">
+                          <a:latin typeface="Calibri" pitchFamily="34" charset="0"/>
+                        </a:rPr>
+                        <a:t>überprüfen</a:t>
                       </a:r>
                     </a:p>
                     <a:p>
@@ -6261,22 +6239,19 @@
                         <a:rPr lang="de-CH" sz="4000" baseline="0" dirty="0" smtClean="0">
                           <a:latin typeface="Calibri" pitchFamily="34" charset="0"/>
                         </a:rPr>
-                        <a:t>Lösungen überprüfen</a:t>
+                        <a:t>Globale </a:t>
                       </a:r>
-                    </a:p>
-                    <a:p>
-                      <a:pPr marL="571500" indent="-571500">
-                        <a:spcAft>
-                          <a:spcPts val="1800"/>
-                        </a:spcAft>
-                        <a:buFont typeface="Wingdings" pitchFamily="2" charset="2"/>
-                        <a:buChar char="§"/>
-                      </a:pPr>
                       <a:r>
                         <a:rPr lang="de-CH" sz="4000" baseline="0" dirty="0" err="1" smtClean="0">
                           <a:latin typeface="Calibri" pitchFamily="34" charset="0"/>
                         </a:rPr>
                         <a:t>Highscore</a:t>
+                      </a:r>
+                      <a:r>
+                        <a:rPr lang="de-CH" sz="4000" baseline="0" dirty="0" smtClean="0">
+                          <a:latin typeface="Calibri" pitchFamily="34" charset="0"/>
+                        </a:rPr>
+                        <a:t> für den Vergleich mit anderen Spielern</a:t>
                       </a:r>
                       <a:endParaRPr lang="de-CH" sz="4000" baseline="0" dirty="0" smtClean="0">
                         <a:latin typeface="Calibri" pitchFamily="34" charset="0"/>
@@ -6294,7 +6269,7 @@
                         <a:rPr lang="de-CH" sz="4000" baseline="0" dirty="0" smtClean="0">
                           <a:latin typeface="Calibri" pitchFamily="34" charset="0"/>
                         </a:rPr>
-                        <a:t>Profil</a:t>
+                        <a:t>Ansicht seines eigenen Profils (Gewonnene Punkte / Auszeichnungen)</a:t>
                       </a:r>
                       <a:endParaRPr lang="de-CH" sz="3000" baseline="0" dirty="0" smtClean="0">
                         <a:latin typeface="Calibri" pitchFamily="34" charset="0"/>
@@ -6317,14 +6292,14 @@
           <p:nvPr>
             <p:extLst>
               <p:ext uri="{D42A27DB-BD31-4B8C-83A1-F6EECF244321}">
-                <p14:modId xmlns:p14="http://schemas.microsoft.com/office/powerpoint/2010/main" val="2395949878"/>
+                <p14:modId xmlns:p14="http://schemas.microsoft.com/office/powerpoint/2010/main" val="1937064408"/>
               </p:ext>
             </p:extLst>
           </p:nvPr>
         </p:nvGraphicFramePr>
         <p:xfrm>
           <a:off x="1530350" y="18678227"/>
-          <a:ext cx="13897083" cy="9711600"/>
+          <a:ext cx="13897083" cy="10016400"/>
         </p:xfrm>
         <a:graphic>
           <a:graphicData uri="http://schemas.openxmlformats.org/drawingml/2006/table">
@@ -6350,6 +6325,20 @@
                     <a:p>
                       <a:pPr algn="just"/>
                       <a:r>
+                        <a:rPr lang="de-CH" sz="5000" dirty="0" smtClean="0">
+                          <a:effectLst>
+                            <a:outerShdw blurRad="50800" dist="38100" dir="2700000" algn="tl" rotWithShape="0">
+                              <a:prstClr val="black">
+                                <a:alpha val="40000"/>
+                              </a:prstClr>
+                            </a:outerShdw>
+                          </a:effectLst>
+                          <a:latin typeface="Calibri" pitchFamily="34" charset="0"/>
+                          <a:cs typeface="Calibri" pitchFamily="34" charset="0"/>
+                        </a:rPr>
+                        <a:t>Was ist </a:t>
+                      </a:r>
+                      <a:r>
                         <a:rPr lang="de-CH" sz="5000" dirty="0" err="1" smtClean="0">
                           <a:effectLst>
                             <a:outerShdw blurRad="50800" dist="38100" dir="2700000" algn="tl" rotWithShape="0">
@@ -6362,6 +6351,20 @@
                           <a:cs typeface="Calibri" pitchFamily="34" charset="0"/>
                         </a:rPr>
                         <a:t>Gamification</a:t>
+                      </a:r>
+                      <a:r>
+                        <a:rPr lang="de-CH" sz="5000" dirty="0" smtClean="0">
+                          <a:effectLst>
+                            <a:outerShdw blurRad="50800" dist="38100" dir="2700000" algn="tl" rotWithShape="0">
+                              <a:prstClr val="black">
+                                <a:alpha val="40000"/>
+                              </a:prstClr>
+                            </a:outerShdw>
+                          </a:effectLst>
+                          <a:latin typeface="Calibri" pitchFamily="34" charset="0"/>
+                          <a:cs typeface="Calibri" pitchFamily="34" charset="0"/>
+                        </a:rPr>
+                        <a:t>?</a:t>
                       </a:r>
                       <a:endParaRPr lang="de-CH" sz="5000" dirty="0" smtClean="0">
                         <a:effectLst>
@@ -6513,7 +6516,7 @@
                         <a:buChar char="§"/>
                       </a:pPr>
                       <a:r>
-                        <a:rPr lang="de-CH" sz="3000" baseline="0" dirty="0" smtClean="0">
+                        <a:rPr lang="de-CH" sz="4000" baseline="0" dirty="0" smtClean="0">
                           <a:latin typeface="Calibri" pitchFamily="34" charset="0"/>
                         </a:rPr>
                         <a:t>Spezialauszeichnungen</a:t>
@@ -6528,7 +6531,7 @@
                         <a:buChar char="§"/>
                       </a:pPr>
                       <a:r>
-                        <a:rPr lang="de-CH" sz="3000" baseline="0" dirty="0" smtClean="0">
+                        <a:rPr lang="de-CH" sz="4000" baseline="0" dirty="0" smtClean="0">
                           <a:latin typeface="Calibri" pitchFamily="34" charset="0"/>
                         </a:rPr>
                         <a:t>Abhängig von Ereignissen (z.B. Halloween, Advent)</a:t>
@@ -6566,7 +6569,7 @@
           <p:nvPr/>
         </p:nvPicPr>
         <p:blipFill>
-          <a:blip r:embed="rId13">
+          <a:blip r:embed="rId12">
             <a:extLst>
               <a:ext uri="{28A0092B-C50C-407E-A947-70E740481C1C}">
                 <a14:useLocalDpi xmlns:a14="http://schemas.microsoft.com/office/drawing/2010/main" val="0"/>
@@ -6607,7 +6610,7 @@
           <p:nvPr/>
         </p:nvPicPr>
         <p:blipFill rotWithShape="1">
-          <a:blip r:embed="rId14">
+          <a:blip r:embed="rId13">
             <a:extLst>
               <a:ext uri="{28A0092B-C50C-407E-A947-70E740481C1C}">
                 <a14:useLocalDpi xmlns:a14="http://schemas.microsoft.com/office/drawing/2010/main" val="0"/>
@@ -6646,7 +6649,7 @@
           <p:nvPr/>
         </p:nvPicPr>
         <p:blipFill>
-          <a:blip r:embed="rId15">
+          <a:blip r:embed="rId14">
             <a:extLst>
               <a:ext uri="{28A0092B-C50C-407E-A947-70E740481C1C}">
                 <a14:useLocalDpi xmlns:a14="http://schemas.microsoft.com/office/drawing/2010/main" val="0"/>
@@ -6660,7 +6663,7 @@
         </p:blipFill>
         <p:spPr bwMode="auto">
           <a:xfrm>
-            <a:off x="13934080" y="11467477"/>
+            <a:off x="13934080" y="11371535"/>
             <a:ext cx="1853402" cy="1732001"/>
           </a:xfrm>
           <a:prstGeom prst="rect">
@@ -6687,7 +6690,7 @@
           <p:nvPr/>
         </p:nvPicPr>
         <p:blipFill>
-          <a:blip r:embed="rId16">
+          <a:blip r:embed="rId15">
             <a:extLst>
               <a:ext uri="{28A0092B-C50C-407E-A947-70E740481C1C}">
                 <a14:useLocalDpi xmlns:a14="http://schemas.microsoft.com/office/drawing/2010/main" val="0"/>
@@ -6751,7 +6754,7 @@
           <p:nvPr/>
         </p:nvPicPr>
         <p:blipFill>
-          <a:blip r:embed="rId17">
+          <a:blip r:embed="rId16">
             <a:extLst>
               <a:ext uri="{28A0092B-C50C-407E-A947-70E740481C1C}">
                 <a14:useLocalDpi xmlns:a14="http://schemas.microsoft.com/office/drawing/2010/main" val="0"/>
@@ -6815,7 +6818,7 @@
           <p:nvPr/>
         </p:nvPicPr>
         <p:blipFill>
-          <a:blip r:embed="rId18">
+          <a:blip r:embed="rId17">
             <a:extLst>
               <a:ext uri="{28A0092B-C50C-407E-A947-70E740481C1C}">
                 <a14:useLocalDpi xmlns:a14="http://schemas.microsoft.com/office/drawing/2010/main" val="0"/>
@@ -6879,7 +6882,7 @@
           <p:nvPr/>
         </p:nvPicPr>
         <p:blipFill>
-          <a:blip r:embed="rId19">
+          <a:blip r:embed="rId18">
             <a:extLst>
               <a:ext uri="{28A0092B-C50C-407E-A947-70E740481C1C}">
                 <a14:useLocalDpi xmlns:a14="http://schemas.microsoft.com/office/drawing/2010/main" val="0"/>
@@ -6943,7 +6946,7 @@
           <p:nvPr/>
         </p:nvPicPr>
         <p:blipFill>
-          <a:blip r:embed="rId20" cstate="print">
+          <a:blip r:embed="rId19" cstate="print">
             <a:extLst>
               <a:ext uri="{28A0092B-C50C-407E-A947-70E740481C1C}">
                 <a14:useLocalDpi xmlns:a14="http://schemas.microsoft.com/office/drawing/2010/main" val="0"/>
@@ -6984,7 +6987,7 @@
           <p:nvPr/>
         </p:nvPicPr>
         <p:blipFill>
-          <a:blip r:embed="rId21">
+          <a:blip r:embed="rId20">
             <a:extLst>
               <a:ext uri="{28A0092B-C50C-407E-A947-70E740481C1C}">
                 <a14:useLocalDpi xmlns:a14="http://schemas.microsoft.com/office/drawing/2010/main" val="0"/>
@@ -7193,8 +7196,8 @@
         </p:nvSpPr>
         <p:spPr>
           <a:xfrm>
-            <a:off x="31164613" y="18566862"/>
-            <a:ext cx="3468378" cy="461665"/>
+            <a:off x="33576926" y="18581212"/>
+            <a:ext cx="1734188" cy="461665"/>
           </a:xfrm>
           <a:prstGeom prst="rect">
             <a:avLst/>
@@ -7219,6 +7222,47 @@
       <p:pic>
         <p:nvPicPr>
           <p:cNvPr id="1039" name="Picture 15" descr="D:\xampp\htdocs\kort\_DOCUMENTATION\05_Poster\images\kort-big_picture.png"/>
+          <p:cNvPicPr>
+            <a:picLocks noChangeAspect="1" noChangeArrowheads="1"/>
+          </p:cNvPicPr>
+          <p:nvPr/>
+        </p:nvPicPr>
+        <p:blipFill>
+          <a:blip r:embed="rId21">
+            <a:extLst>
+              <a:ext uri="{28A0092B-C50C-407E-A947-70E740481C1C}">
+                <a14:useLocalDpi xmlns:a14="http://schemas.microsoft.com/office/drawing/2010/main" val="0"/>
+              </a:ext>
+            </a:extLst>
+          </a:blip>
+          <a:srcRect/>
+          <a:stretch>
+            <a:fillRect/>
+          </a:stretch>
+        </p:blipFill>
+        <p:spPr bwMode="auto">
+          <a:xfrm>
+            <a:off x="16478021" y="13739110"/>
+            <a:ext cx="12775331" cy="14650717"/>
+          </a:xfrm>
+          <a:prstGeom prst="rect">
+            <a:avLst/>
+          </a:prstGeom>
+          <a:noFill/>
+          <a:extLst>
+            <a:ext uri="{909E8E84-426E-40DD-AFC4-6F175D3DCCD1}">
+              <a14:hiddenFill xmlns:a14="http://schemas.microsoft.com/office/drawing/2010/main">
+                <a:solidFill>
+                  <a:srgbClr val="FFFFFF"/>
+                </a:solidFill>
+              </a14:hiddenFill>
+            </a:ext>
+          </a:extLst>
+        </p:spPr>
+      </p:pic>
+      <p:pic>
+        <p:nvPicPr>
+          <p:cNvPr id="1047" name="Picture 23" descr="http://suvendugiri.files.wordpress.com/2012/02/checkbox.png?w=604"/>
           <p:cNvPicPr>
             <a:picLocks noChangeAspect="1" noChangeArrowheads="1"/>
           </p:cNvPicPr>
@@ -7239,8 +7283,8 @@
         </p:blipFill>
         <p:spPr bwMode="auto">
           <a:xfrm>
-            <a:off x="16478021" y="13595090"/>
-            <a:ext cx="12775331" cy="14650717"/>
+            <a:off x="39406762" y="6138146"/>
+            <a:ext cx="2016871" cy="2016871"/>
           </a:xfrm>
           <a:prstGeom prst="rect">
             <a:avLst/>
@@ -7257,9 +7301,74 @@
           </a:extLst>
         </p:spPr>
       </p:pic>
+      <p:sp>
+        <p:nvSpPr>
+          <p:cNvPr id="2" name="Textfeld 1"/>
+          <p:cNvSpPr txBox="1"/>
+          <p:nvPr/>
+        </p:nvSpPr>
+        <p:spPr>
+          <a:xfrm>
+            <a:off x="29685412" y="19748627"/>
+            <a:ext cx="5066063" cy="707886"/>
+          </a:xfrm>
+          <a:prstGeom prst="rect">
+            <a:avLst/>
+          </a:prstGeom>
+          <a:noFill/>
+        </p:spPr>
+        <p:txBody>
+          <a:bodyPr wrap="square" rtlCol="0">
+            <a:spAutoFit/>
+          </a:bodyPr>
+          <a:lstStyle/>
+          <a:p>
+            <a:r>
+              <a:rPr lang="de-CH" sz="4000" b="1" dirty="0" smtClean="0">
+                <a:latin typeface="Calibri" pitchFamily="34" charset="0"/>
+              </a:rPr>
+              <a:t>Unterstützte Browser:</a:t>
+            </a:r>
+            <a:endParaRPr lang="de-CH" sz="4000" b="1" dirty="0">
+              <a:latin typeface="Calibri" pitchFamily="34" charset="0"/>
+            </a:endParaRPr>
+          </a:p>
+        </p:txBody>
+      </p:sp>
+      <p:sp>
+        <p:nvSpPr>
+          <p:cNvPr id="42" name="Textfeld 41"/>
+          <p:cNvSpPr txBox="1"/>
+          <p:nvPr/>
+        </p:nvSpPr>
+        <p:spPr>
+          <a:xfrm>
+            <a:off x="30597722" y="18581211"/>
+            <a:ext cx="1734189" cy="461665"/>
+          </a:xfrm>
+          <a:prstGeom prst="rect">
+            <a:avLst/>
+          </a:prstGeom>
+          <a:noFill/>
+        </p:spPr>
+        <p:txBody>
+          <a:bodyPr wrap="square" rtlCol="0">
+            <a:spAutoFit/>
+          </a:bodyPr>
+          <a:lstStyle/>
+          <a:p>
+            <a:pPr algn="ctr"/>
+            <a:r>
+              <a:rPr lang="de-CH" sz="2400" i="1" dirty="0" smtClean="0"/>
+              <a:t>Aufträge</a:t>
+            </a:r>
+            <a:endParaRPr lang="de-CH" sz="2400" i="1" dirty="0"/>
+          </a:p>
+        </p:txBody>
+      </p:sp>
       <p:pic>
         <p:nvPicPr>
-          <p:cNvPr id="1047" name="Picture 23" descr="http://suvendugiri.files.wordpress.com/2012/02/checkbox.png?w=604"/>
+          <p:cNvPr id="1026" name="Picture 2" descr="D:\xampp\htdocs\kort\_DOCUMENTATION\02_Documentation\images\screenshots\kort-screenshot-bugmap.png"/>
           <p:cNvPicPr>
             <a:picLocks noChangeAspect="1" noChangeArrowheads="1"/>
           </p:cNvPicPr>
@@ -7280,8 +7389,8 @@
         </p:blipFill>
         <p:spPr bwMode="auto">
           <a:xfrm>
-            <a:off x="39406762" y="6138146"/>
-            <a:ext cx="2016871" cy="2016871"/>
+            <a:off x="30219803" y="13361388"/>
+            <a:ext cx="2490029" cy="5039191"/>
           </a:xfrm>
           <a:prstGeom prst="rect">
             <a:avLst/>

--- a/_DOCUMENTATION/05_Poster/kort-Poster.pptx
+++ b/_DOCUMENTATION/05_Poster/kort-Poster.pptx
@@ -5524,7 +5524,7 @@
         </p:blipFill>
         <p:spPr bwMode="auto">
           <a:xfrm>
-            <a:off x="33185315" y="13361388"/>
+            <a:off x="33185315" y="13779098"/>
             <a:ext cx="2517411" cy="5055262"/>
           </a:xfrm>
           <a:prstGeom prst="rect">
@@ -5565,7 +5565,7 @@
         </p:blipFill>
         <p:spPr bwMode="auto">
           <a:xfrm>
-            <a:off x="36094302" y="13361388"/>
+            <a:off x="36094302" y="13779098"/>
             <a:ext cx="2515813" cy="5039191"/>
           </a:xfrm>
           <a:prstGeom prst="rect">
@@ -5606,7 +5606,7 @@
         </p:blipFill>
         <p:spPr bwMode="auto">
           <a:xfrm>
-            <a:off x="38953487" y="13377459"/>
+            <a:off x="38953487" y="13795169"/>
             <a:ext cx="2490180" cy="5039191"/>
           </a:xfrm>
           <a:prstGeom prst="rect">
@@ -5632,7 +5632,7 @@
         </p:nvSpPr>
         <p:spPr>
           <a:xfrm>
-            <a:off x="36343311" y="18581212"/>
+            <a:off x="36343311" y="18998922"/>
             <a:ext cx="2017794" cy="461665"/>
           </a:xfrm>
           <a:prstGeom prst="rect">
@@ -5663,7 +5663,7 @@
         </p:nvSpPr>
         <p:spPr>
           <a:xfrm>
-            <a:off x="39478477" y="18581212"/>
+            <a:off x="39478477" y="18998922"/>
             <a:ext cx="1440200" cy="461665"/>
           </a:xfrm>
           <a:prstGeom prst="rect">
@@ -5695,7 +5695,7 @@
           <p:nvPr>
             <p:extLst>
               <p:ext uri="{D42A27DB-BD31-4B8C-83A1-F6EECF244321}">
-                <p14:modId xmlns:p14="http://schemas.microsoft.com/office/powerpoint/2010/main" val="1344600802"/>
+                <p14:modId xmlns:p14="http://schemas.microsoft.com/office/powerpoint/2010/main" val="176406939"/>
               </p:ext>
             </p:extLst>
           </p:nvPr>
@@ -5784,16 +5784,16 @@
                         <a:t> HTML5 </a:t>
                       </a:r>
                       <a:r>
-                        <a:rPr lang="de-CH" sz="4000" dirty="0" err="1" smtClean="0">
+                        <a:rPr lang="de-CH" sz="4000" dirty="0" smtClean="0">
                           <a:latin typeface="Calibri" pitchFamily="34" charset="0"/>
                         </a:rPr>
-                        <a:t>WebApp</a:t>
+                        <a:t>Web-App </a:t>
                       </a:r>
                       <a:r>
                         <a:rPr lang="de-CH" sz="4000" dirty="0" smtClean="0">
                           <a:latin typeface="Calibri" pitchFamily="34" charset="0"/>
                         </a:rPr>
-                        <a:t> mit JavaScript</a:t>
+                        <a:t>mit JavaScript</a:t>
                       </a:r>
                     </a:p>
                     <a:p>
@@ -5808,7 +5808,13 @@
                         <a:rPr lang="de-CH" sz="4000" dirty="0" smtClean="0">
                           <a:latin typeface="Calibri" pitchFamily="34" charset="0"/>
                         </a:rPr>
-                        <a:t>Verbesserung von </a:t>
+                        <a:t>Verbesserung </a:t>
+                      </a:r>
+                      <a:r>
+                        <a:rPr lang="de-CH" sz="4000" dirty="0" smtClean="0">
+                          <a:latin typeface="Calibri" pitchFamily="34" charset="0"/>
+                        </a:rPr>
+                        <a:t>der </a:t>
                       </a:r>
                       <a:r>
                         <a:rPr lang="de-CH" sz="4000" dirty="0" err="1" smtClean="0">
@@ -5888,13 +5894,13 @@
           <p:nvPr>
             <p:extLst>
               <p:ext uri="{D42A27DB-BD31-4B8C-83A1-F6EECF244321}">
-                <p14:modId xmlns:p14="http://schemas.microsoft.com/office/powerpoint/2010/main" val="2428863907"/>
+                <p14:modId xmlns:p14="http://schemas.microsoft.com/office/powerpoint/2010/main" val="899279922"/>
               </p:ext>
             </p:extLst>
           </p:nvPr>
         </p:nvGraphicFramePr>
         <p:xfrm>
-          <a:off x="1529502" y="11606337"/>
+          <a:off x="1529502" y="11462317"/>
           <a:ext cx="13897930" cy="6054000"/>
         </p:xfrm>
         <a:graphic>
@@ -5959,6 +5965,12 @@
                         <a:buChar char="§"/>
                       </a:pPr>
                       <a:r>
+                        <a:rPr lang="de-CH" sz="4000" dirty="0" smtClean="0">
+                          <a:latin typeface="Calibri" pitchFamily="34" charset="0"/>
+                        </a:rPr>
+                        <a:t>Web-App wurde mit dem </a:t>
+                      </a:r>
+                      <a:r>
                         <a:rPr lang="de-CH" sz="4000" dirty="0" err="1" smtClean="0">
                           <a:latin typeface="Calibri" pitchFamily="34" charset="0"/>
                         </a:rPr>
@@ -5968,8 +5980,11 @@
                         <a:rPr lang="de-CH" sz="4000" baseline="0" dirty="0" smtClean="0">
                           <a:latin typeface="Calibri" pitchFamily="34" charset="0"/>
                         </a:rPr>
-                        <a:t> Touch Framework verwendet</a:t>
+                        <a:t> Touch 2 Framework erstellt</a:t>
                       </a:r>
+                      <a:endParaRPr lang="de-CH" sz="4000" baseline="0" dirty="0" smtClean="0">
+                        <a:latin typeface="Calibri" pitchFamily="34" charset="0"/>
+                      </a:endParaRPr>
                     </a:p>
                     <a:p>
                       <a:pPr marL="571500" indent="-571500">
@@ -5983,8 +5998,17 @@
                         <a:rPr lang="de-CH" sz="4000" baseline="0" dirty="0" smtClean="0">
                           <a:latin typeface="Calibri" pitchFamily="34" charset="0"/>
                         </a:rPr>
-                        <a:t>REST-Schnittstellen für Kommunikation zwischen Komponenten</a:t>
+                        <a:t>REST-Schnittstellen für Kommunikation zwischen </a:t>
                       </a:r>
+                      <a:r>
+                        <a:rPr lang="de-CH" sz="4000" baseline="0" dirty="0" smtClean="0">
+                          <a:latin typeface="Calibri" pitchFamily="34" charset="0"/>
+                        </a:rPr>
+                        <a:t>den Komponenten</a:t>
+                      </a:r>
+                      <a:endParaRPr lang="de-CH" sz="4000" baseline="0" dirty="0" smtClean="0">
+                        <a:latin typeface="Calibri" pitchFamily="34" charset="0"/>
+                      </a:endParaRPr>
                     </a:p>
                     <a:p>
                       <a:pPr marL="571500" indent="-571500">
@@ -6090,14 +6114,14 @@
           <p:nvPr>
             <p:extLst>
               <p:ext uri="{D42A27DB-BD31-4B8C-83A1-F6EECF244321}">
-                <p14:modId xmlns:p14="http://schemas.microsoft.com/office/powerpoint/2010/main" val="4157032882"/>
+                <p14:modId xmlns:p14="http://schemas.microsoft.com/office/powerpoint/2010/main" val="3839307838"/>
               </p:ext>
             </p:extLst>
           </p:nvPr>
         </p:nvGraphicFramePr>
         <p:xfrm>
           <a:off x="27368007" y="6582397"/>
-          <a:ext cx="13953622" cy="6054000"/>
+          <a:ext cx="13953622" cy="6892200"/>
         </p:xfrm>
         <a:graphic>
           <a:graphicData uri="http://schemas.openxmlformats.org/drawingml/2006/table">
@@ -6164,13 +6188,67 @@
                         <a:rPr lang="de-CH" sz="4000" dirty="0" smtClean="0">
                           <a:latin typeface="Calibri" pitchFamily="34" charset="0"/>
                         </a:rPr>
-                        <a:t>Login mit </a:t>
+                        <a:t>Web-App</a:t>
+                      </a:r>
+                      <a:r>
+                        <a:rPr lang="de-CH" sz="4000" baseline="0" dirty="0" smtClean="0">
+                          <a:latin typeface="Calibri" pitchFamily="34" charset="0"/>
+                        </a:rPr>
+                        <a:t> kompatibel mit </a:t>
+                      </a:r>
+                      <a:r>
+                        <a:rPr lang="de-CH" sz="4000" baseline="0" dirty="0" err="1" smtClean="0">
+                          <a:latin typeface="Calibri" pitchFamily="34" charset="0"/>
+                        </a:rPr>
+                        <a:t>iOS</a:t>
+                      </a:r>
+                      <a:r>
+                        <a:rPr lang="de-CH" sz="4000" baseline="0" dirty="0" smtClean="0">
+                          <a:latin typeface="Calibri" pitchFamily="34" charset="0"/>
+                        </a:rPr>
+                        <a:t>, </a:t>
+                      </a:r>
+                      <a:r>
+                        <a:rPr lang="de-CH" sz="4000" baseline="0" dirty="0" err="1" smtClean="0">
+                          <a:latin typeface="Calibri" pitchFamily="34" charset="0"/>
+                        </a:rPr>
+                        <a:t>Andoid</a:t>
+                      </a:r>
+                      <a:r>
+                        <a:rPr lang="de-CH" sz="4000" baseline="0" dirty="0" smtClean="0">
+                          <a:latin typeface="Calibri" pitchFamily="34" charset="0"/>
+                        </a:rPr>
+                        <a:t> und </a:t>
+                      </a:r>
+                      <a:r>
+                        <a:rPr lang="de-CH" sz="4000" baseline="0" dirty="0" err="1" smtClean="0">
+                          <a:latin typeface="Calibri" pitchFamily="34" charset="0"/>
+                        </a:rPr>
+                        <a:t>BlackBerry</a:t>
+                      </a:r>
+                      <a:endParaRPr lang="de-CH" sz="4000" dirty="0" smtClean="0">
+                        <a:latin typeface="Calibri" pitchFamily="34" charset="0"/>
+                      </a:endParaRPr>
+                    </a:p>
+                    <a:p>
+                      <a:pPr marL="571500" indent="-571500">
+                        <a:spcAft>
+                          <a:spcPts val="1800"/>
+                        </a:spcAft>
+                        <a:buFont typeface="Wingdings" pitchFamily="2" charset="2"/>
+                        <a:buChar char="§"/>
+                      </a:pPr>
+                      <a:r>
+                        <a:rPr lang="de-CH" sz="4000" dirty="0" smtClean="0">
+                          <a:latin typeface="Calibri" pitchFamily="34" charset="0"/>
+                        </a:rPr>
+                        <a:t>Login </a:t>
                       </a:r>
                       <a:r>
                         <a:rPr lang="de-CH" sz="4000" dirty="0" smtClean="0">
                           <a:latin typeface="Calibri" pitchFamily="34" charset="0"/>
                         </a:rPr>
-                        <a:t>Google </a:t>
+                        <a:t>mit Google </a:t>
                       </a:r>
                       <a:r>
                         <a:rPr lang="de-CH" sz="4000" dirty="0" err="1" smtClean="0">
@@ -6194,17 +6272,8 @@
                         <a:rPr lang="de-CH" sz="4000" dirty="0" smtClean="0">
                           <a:latin typeface="Calibri" pitchFamily="34" charset="0"/>
                         </a:rPr>
-                        <a:t>Fehler </a:t>
+                        <a:t>Fehler auf Karte anzeigen und verbessern</a:t>
                       </a:r>
-                      <a:r>
-                        <a:rPr lang="de-CH" sz="4000" dirty="0" smtClean="0">
-                          <a:latin typeface="Calibri" pitchFamily="34" charset="0"/>
-                        </a:rPr>
-                        <a:t>auf Karte anzeigen und verbessern</a:t>
-                      </a:r>
-                      <a:endParaRPr lang="de-CH" sz="4000" dirty="0" smtClean="0">
-                        <a:latin typeface="Calibri" pitchFamily="34" charset="0"/>
-                      </a:endParaRPr>
                     </a:p>
                     <a:p>
                       <a:pPr marL="571500" indent="-571500">
@@ -6218,13 +6287,7 @@
                         <a:rPr lang="de-CH" sz="4000" baseline="0" dirty="0" smtClean="0">
                           <a:latin typeface="Calibri" pitchFamily="34" charset="0"/>
                         </a:rPr>
-                        <a:t>Eingetragene Lösungen </a:t>
-                      </a:r>
-                      <a:r>
-                        <a:rPr lang="de-CH" sz="4000" baseline="0" dirty="0" smtClean="0">
-                          <a:latin typeface="Calibri" pitchFamily="34" charset="0"/>
-                        </a:rPr>
-                        <a:t>überprüfen</a:t>
+                        <a:t>Eingetragene Lösungen überprüfen</a:t>
                       </a:r>
                     </a:p>
                     <a:p>
@@ -6251,7 +6314,7 @@
                         <a:rPr lang="de-CH" sz="4000" baseline="0" dirty="0" smtClean="0">
                           <a:latin typeface="Calibri" pitchFamily="34" charset="0"/>
                         </a:rPr>
-                        <a:t> für den Vergleich mit anderen Spielern</a:t>
+                        <a:t> zum Vergleich mit anderen Spielern</a:t>
                       </a:r>
                       <a:endParaRPr lang="de-CH" sz="4000" baseline="0" dirty="0" smtClean="0">
                         <a:latin typeface="Calibri" pitchFamily="34" charset="0"/>
@@ -6292,14 +6355,14 @@
           <p:nvPr>
             <p:extLst>
               <p:ext uri="{D42A27DB-BD31-4B8C-83A1-F6EECF244321}">
-                <p14:modId xmlns:p14="http://schemas.microsoft.com/office/powerpoint/2010/main" val="1937064408"/>
+                <p14:modId xmlns:p14="http://schemas.microsoft.com/office/powerpoint/2010/main" val="3278628765"/>
               </p:ext>
             </p:extLst>
           </p:nvPr>
         </p:nvGraphicFramePr>
         <p:xfrm>
-          <a:off x="1530350" y="18678227"/>
-          <a:ext cx="13897083" cy="10016400"/>
+          <a:off x="1529502" y="18443258"/>
+          <a:ext cx="13897083" cy="10626000"/>
         </p:xfrm>
         <a:graphic>
           <a:graphicData uri="http://schemas.openxmlformats.org/drawingml/2006/table">
@@ -6366,24 +6429,11 @@
                         </a:rPr>
                         <a:t>?</a:t>
                       </a:r>
-                      <a:endParaRPr lang="de-CH" sz="5000" dirty="0" smtClean="0">
-                        <a:effectLst>
-                          <a:outerShdw blurRad="50800" dist="38100" dir="2700000" algn="tl" rotWithShape="0">
-                            <a:prstClr val="black">
-                              <a:alpha val="40000"/>
-                            </a:prstClr>
-                          </a:outerShdw>
-                        </a:effectLst>
-                        <a:latin typeface="Calibri" pitchFamily="34" charset="0"/>
-                        <a:cs typeface="Calibri" pitchFamily="34" charset="0"/>
-                      </a:endParaRPr>
                     </a:p>
                   </a:txBody>
                   <a:tcPr marL="360000" marR="360000" marT="180000" marB="180000">
                     <a:solidFill>
-                      <a:schemeClr val="accent1">
-                        <a:lumMod val="50000"/>
-                      </a:schemeClr>
+                      <a:srgbClr val="035917"/>
                     </a:solidFill>
                   </a:tcPr>
                 </a:tc>
@@ -6417,8 +6467,17 @@
                         <a:rPr lang="de-CH" sz="4000" baseline="0" dirty="0" smtClean="0">
                           <a:latin typeface="Calibri" pitchFamily="34" charset="0"/>
                         </a:rPr>
-                        <a:t> versteht man das Hinzufügen von spieltypischen Elementen in einen nicht-spieltypischen Kontext. Dadurch soll die Motivation der Benutzer erhöht werden.</a:t>
+                        <a:t> versteht man das Hinzufügen von spieltypischen Elementen in einen nicht-spieltypischen Kontext. Dadurch soll die Motivation der Benutzer erhöht </a:t>
                       </a:r>
+                      <a:r>
+                        <a:rPr lang="de-CH" sz="4000" baseline="0" dirty="0" smtClean="0">
+                          <a:latin typeface="Calibri" pitchFamily="34" charset="0"/>
+                        </a:rPr>
+                        <a:t>werden die App längerfristig zu verwenden.</a:t>
+                      </a:r>
+                      <a:endParaRPr lang="de-CH" sz="4000" baseline="0" dirty="0" smtClean="0">
+                        <a:latin typeface="Calibri" pitchFamily="34" charset="0"/>
+                      </a:endParaRPr>
                     </a:p>
                     <a:p>
                       <a:pPr marL="0" indent="0">
@@ -6453,11 +6512,20 @@
                         <a:t>Badges</a:t>
                       </a:r>
                       <a:r>
+                        <a:rPr lang="de-CH" sz="4000" baseline="0" dirty="0" smtClean="0">
+                          <a:latin typeface="Calibri" pitchFamily="34" charset="0"/>
+                        </a:rPr>
+                        <a:t> / </a:t>
+                      </a:r>
+                      <a:r>
                         <a:rPr lang="de-CH" sz="4000" dirty="0" smtClean="0">
                           <a:latin typeface="Calibri" pitchFamily="34" charset="0"/>
                         </a:rPr>
-                        <a:t>/Auszeichnungen</a:t>
+                        <a:t>Auszeichnungen</a:t>
                       </a:r>
+                      <a:endParaRPr lang="de-CH" sz="4000" dirty="0" smtClean="0">
+                        <a:latin typeface="Calibri" pitchFamily="34" charset="0"/>
+                      </a:endParaRPr>
                     </a:p>
                     <a:p>
                       <a:pPr marL="571500" indent="-571500">
@@ -6553,7 +6621,11 @@
                       </a:r>
                     </a:p>
                   </a:txBody>
-                  <a:tcPr marL="360000" marR="360000" marT="180000" marB="180000"/>
+                  <a:tcPr marL="360000" marR="360000" marT="180000" marB="180000">
+                    <a:solidFill>
+                      <a:srgbClr val="C9E7A7"/>
+                    </a:solidFill>
+                  </a:tcPr>
                 </a:tc>
               </a:tr>
             </a:tbl>
@@ -6622,7 +6694,7 @@
         </p:blipFill>
         <p:spPr bwMode="auto">
           <a:xfrm>
-            <a:off x="13857082" y="18327366"/>
+            <a:off x="13856234" y="18092397"/>
             <a:ext cx="1930400" cy="1368190"/>
           </a:xfrm>
           <a:prstGeom prst="rect">
@@ -6663,7 +6735,7 @@
         </p:blipFill>
         <p:spPr bwMode="auto">
           <a:xfrm>
-            <a:off x="13934080" y="11371535"/>
+            <a:off x="13934080" y="11103666"/>
             <a:ext cx="1853402" cy="1732001"/>
           </a:xfrm>
           <a:prstGeom prst="rect">
@@ -6768,7 +6840,7 @@
         </p:blipFill>
         <p:spPr bwMode="auto">
           <a:xfrm>
-            <a:off x="34502693" y="20684757"/>
+            <a:off x="34502693" y="21166007"/>
             <a:ext cx="2690575" cy="742920"/>
           </a:xfrm>
           <a:prstGeom prst="rect">
@@ -6832,7 +6904,7 @@
         </p:blipFill>
         <p:spPr bwMode="auto">
           <a:xfrm>
-            <a:off x="35999591" y="22353934"/>
+            <a:off x="35999591" y="22496249"/>
             <a:ext cx="2832916" cy="780868"/>
           </a:xfrm>
           <a:prstGeom prst="rect">
@@ -6896,7 +6968,7 @@
         </p:blipFill>
         <p:spPr bwMode="auto">
           <a:xfrm>
-            <a:off x="30136880" y="20744838"/>
+            <a:off x="30136880" y="21023311"/>
             <a:ext cx="1657579" cy="1389686"/>
           </a:xfrm>
           <a:prstGeom prst="rect">
@@ -7001,7 +7073,7 @@
         </p:blipFill>
         <p:spPr bwMode="auto">
           <a:xfrm>
-            <a:off x="38360558" y="20804910"/>
+            <a:off x="38360558" y="20996161"/>
             <a:ext cx="1668609" cy="1056786"/>
           </a:xfrm>
           <a:prstGeom prst="rect">
@@ -7196,7 +7268,7 @@
         </p:nvSpPr>
         <p:spPr>
           <a:xfrm>
-            <a:off x="33576926" y="18581212"/>
+            <a:off x="33576926" y="18998922"/>
             <a:ext cx="1734188" cy="461665"/>
           </a:xfrm>
           <a:prstGeom prst="rect">
@@ -7242,7 +7314,7 @@
         </p:blipFill>
         <p:spPr bwMode="auto">
           <a:xfrm>
-            <a:off x="16478021" y="13739110"/>
+            <a:off x="16478021" y="13883130"/>
             <a:ext cx="12775331" cy="14650717"/>
           </a:xfrm>
           <a:prstGeom prst="rect">
@@ -7309,7 +7381,7 @@
         </p:nvSpPr>
         <p:spPr>
           <a:xfrm>
-            <a:off x="29685412" y="19748627"/>
+            <a:off x="29685412" y="20120891"/>
             <a:ext cx="5066063" cy="707886"/>
           </a:xfrm>
           <a:prstGeom prst="rect">
@@ -7343,7 +7415,7 @@
         </p:nvSpPr>
         <p:spPr>
           <a:xfrm>
-            <a:off x="30597722" y="18581211"/>
+            <a:off x="30597722" y="18998921"/>
             <a:ext cx="1734189" cy="461665"/>
           </a:xfrm>
           <a:prstGeom prst="rect">
@@ -7389,7 +7461,7 @@
         </p:blipFill>
         <p:spPr bwMode="auto">
           <a:xfrm>
-            <a:off x="30219803" y="13361388"/>
+            <a:off x="30219803" y="13779098"/>
             <a:ext cx="2490029" cy="5039191"/>
           </a:xfrm>
           <a:prstGeom prst="rect">

--- a/_DOCUMENTATION/05_Poster/kort-Poster.pptx
+++ b/_DOCUMENTATION/05_Poster/kort-Poster.pptx
@@ -5262,120 +5262,6 @@
       </p:graphicFrame>
       <p:pic>
         <p:nvPicPr>
-          <p:cNvPr id="1027" name="Picture 3" descr="D:\FILES\Juerg\Desktop\283208_10150262618957668_535577667_7335132_7992693_n.jpg"/>
-          <p:cNvPicPr>
-            <a:picLocks noChangeAspect="1" noChangeArrowheads="1"/>
-          </p:cNvPicPr>
-          <p:nvPr/>
-        </p:nvPicPr>
-        <p:blipFill>
-          <a:blip r:embed="rId4" cstate="print">
-            <a:extLst>
-              <a:ext uri="{28A0092B-C50C-407E-A947-70E740481C1C}">
-                <a14:useLocalDpi xmlns:a14="http://schemas.microsoft.com/office/drawing/2010/main" val="0"/>
-              </a:ext>
-            </a:extLst>
-          </a:blip>
-          <a:srcRect/>
-          <a:stretch>
-            <a:fillRect/>
-          </a:stretch>
-        </p:blipFill>
-        <p:spPr bwMode="auto">
-          <a:xfrm>
-            <a:off x="17913302" y="2033588"/>
-            <a:ext cx="2925857" cy="2925857"/>
-          </a:xfrm>
-          <a:prstGeom prst="rect">
-            <a:avLst/>
-          </a:prstGeom>
-          <a:ln w="88900">
-            <a:solidFill>
-              <a:schemeClr val="bg1"/>
-            </a:solidFill>
-          </a:ln>
-          <a:effectLst>
-            <a:outerShdw blurRad="190500" algn="tl" rotWithShape="0">
-              <a:srgbClr val="000000">
-                <a:alpha val="70000"/>
-              </a:srgbClr>
-            </a:outerShdw>
-          </a:effectLst>
-          <a:extLst>
-            <a:ext uri="{909E8E84-426E-40DD-AFC4-6F175D3DCCD1}">
-              <a14:hiddenFill xmlns:a14="http://schemas.microsoft.com/office/drawing/2010/main">
-                <a:solidFill>
-                  <a:srgbClr val="FFFFFF"/>
-                </a:solidFill>
-              </a14:hiddenFill>
-            </a:ext>
-          </a:extLst>
-        </p:spPr>
-      </p:pic>
-      <p:pic>
-        <p:nvPicPr>
-          <p:cNvPr id="10" name="Picture 3"/>
-          <p:cNvPicPr>
-            <a:picLocks noChangeAspect="1" noChangeArrowheads="1"/>
-          </p:cNvPicPr>
-          <p:nvPr/>
-        </p:nvPicPr>
-        <p:blipFill rotWithShape="1">
-          <a:blip r:embed="rId5" cstate="print">
-            <a:extLst>
-              <a:ext uri="{BEBA8EAE-BF5A-486C-A8C5-ECC9F3942E4B}">
-                <a14:imgProps xmlns:a14="http://schemas.microsoft.com/office/drawing/2010/main">
-                  <a14:imgLayer r:embed="rId6">
-                    <a14:imgEffect>
-                      <a14:saturation sat="0"/>
-                    </a14:imgEffect>
-                  </a14:imgLayer>
-                </a14:imgProps>
-              </a:ext>
-              <a:ext uri="{28A0092B-C50C-407E-A947-70E740481C1C}">
-                <a14:useLocalDpi xmlns:a14="http://schemas.microsoft.com/office/drawing/2010/main" val="0"/>
-              </a:ext>
-            </a:extLst>
-          </a:blip>
-          <a:srcRect l="3438" t="-1" b="358"/>
-          <a:stretch/>
-        </p:blipFill>
-        <p:spPr bwMode="auto">
-          <a:xfrm>
-            <a:off x="21945025" y="2033586"/>
-            <a:ext cx="2983275" cy="2925858"/>
-          </a:xfrm>
-          <a:prstGeom prst="rect">
-            <a:avLst/>
-          </a:prstGeom>
-          <a:ln w="88900">
-            <a:solidFill>
-              <a:schemeClr val="bg1"/>
-            </a:solidFill>
-            <a:miter lim="800000"/>
-            <a:headEnd/>
-            <a:tailEnd/>
-          </a:ln>
-          <a:effectLst>
-            <a:outerShdw blurRad="190500" algn="tl" rotWithShape="0">
-              <a:srgbClr val="000000">
-                <a:alpha val="70000"/>
-              </a:srgbClr>
-            </a:outerShdw>
-          </a:effectLst>
-          <a:extLst>
-            <a:ext uri="{909E8E84-426E-40DD-AFC4-6F175D3DCCD1}">
-              <a14:hiddenFill xmlns:a14="http://schemas.microsoft.com/office/drawing/2010/main">
-                <a:solidFill>
-                  <a:schemeClr val="accent1"/>
-                </a:solidFill>
-              </a14:hiddenFill>
-            </a:ext>
-          </a:extLst>
-        </p:spPr>
-      </p:pic>
-      <p:pic>
-        <p:nvPicPr>
           <p:cNvPr id="12" name="Picture 5" descr="D:\xampp\htdocs\kort\_DOCUMENTATION\05_Poster\images\kort-icon_v1.png"/>
           <p:cNvPicPr>
             <a:picLocks noChangeAspect="1" noChangeArrowheads="1"/>
@@ -5383,7 +5269,7 @@
           <p:nvPr/>
         </p:nvPicPr>
         <p:blipFill>
-          <a:blip r:embed="rId7">
+          <a:blip r:embed="rId4">
             <a:extLst>
               <a:ext uri="{28A0092B-C50C-407E-A947-70E740481C1C}">
                 <a14:useLocalDpi xmlns:a14="http://schemas.microsoft.com/office/drawing/2010/main" val="0"/>
@@ -5469,7 +5355,7 @@
           <p:nvPr/>
         </p:nvPicPr>
         <p:blipFill>
-          <a:blip r:embed="rId8" cstate="print">
+          <a:blip r:embed="rId5" cstate="print">
             <a:extLst>
               <a:ext uri="{28A0092B-C50C-407E-A947-70E740481C1C}">
                 <a14:useLocalDpi xmlns:a14="http://schemas.microsoft.com/office/drawing/2010/main" val="0"/>
@@ -5510,7 +5396,7 @@
           <p:nvPr/>
         </p:nvPicPr>
         <p:blipFill>
-          <a:blip r:embed="rId9">
+          <a:blip r:embed="rId6">
             <a:extLst>
               <a:ext uri="{28A0092B-C50C-407E-A947-70E740481C1C}">
                 <a14:useLocalDpi xmlns:a14="http://schemas.microsoft.com/office/drawing/2010/main" val="0"/>
@@ -5524,7 +5410,7 @@
         </p:blipFill>
         <p:spPr bwMode="auto">
           <a:xfrm>
-            <a:off x="33185315" y="13779098"/>
+            <a:off x="33185315" y="14067138"/>
             <a:ext cx="2517411" cy="5055262"/>
           </a:xfrm>
           <a:prstGeom prst="rect">
@@ -5551,7 +5437,7 @@
           <p:nvPr/>
         </p:nvPicPr>
         <p:blipFill>
-          <a:blip r:embed="rId10">
+          <a:blip r:embed="rId7">
             <a:extLst>
               <a:ext uri="{28A0092B-C50C-407E-A947-70E740481C1C}">
                 <a14:useLocalDpi xmlns:a14="http://schemas.microsoft.com/office/drawing/2010/main" val="0"/>
@@ -5565,7 +5451,7 @@
         </p:blipFill>
         <p:spPr bwMode="auto">
           <a:xfrm>
-            <a:off x="36094302" y="13779098"/>
+            <a:off x="36094302" y="14067138"/>
             <a:ext cx="2515813" cy="5039191"/>
           </a:xfrm>
           <a:prstGeom prst="rect">
@@ -5592,7 +5478,7 @@
           <p:nvPr/>
         </p:nvPicPr>
         <p:blipFill>
-          <a:blip r:embed="rId11">
+          <a:blip r:embed="rId8">
             <a:extLst>
               <a:ext uri="{28A0092B-C50C-407E-A947-70E740481C1C}">
                 <a14:useLocalDpi xmlns:a14="http://schemas.microsoft.com/office/drawing/2010/main" val="0"/>
@@ -5606,7 +5492,7 @@
         </p:blipFill>
         <p:spPr bwMode="auto">
           <a:xfrm>
-            <a:off x="38953487" y="13795169"/>
+            <a:off x="38953487" y="14083209"/>
             <a:ext cx="2490180" cy="5039191"/>
           </a:xfrm>
           <a:prstGeom prst="rect">
@@ -5632,7 +5518,7 @@
         </p:nvSpPr>
         <p:spPr>
           <a:xfrm>
-            <a:off x="36343311" y="18998922"/>
+            <a:off x="36343311" y="19286962"/>
             <a:ext cx="2017794" cy="461665"/>
           </a:xfrm>
           <a:prstGeom prst="rect">
@@ -5663,7 +5549,7 @@
         </p:nvSpPr>
         <p:spPr>
           <a:xfrm>
-            <a:off x="39478477" y="18998922"/>
+            <a:off x="39478477" y="19286962"/>
             <a:ext cx="1440200" cy="461665"/>
           </a:xfrm>
           <a:prstGeom prst="rect">
@@ -5781,19 +5667,7 @@
                         <a:rPr lang="de-CH" sz="4000" dirty="0" smtClean="0">
                           <a:latin typeface="Calibri" pitchFamily="34" charset="0"/>
                         </a:rPr>
-                        <a:t> HTML5 </a:t>
-                      </a:r>
-                      <a:r>
-                        <a:rPr lang="de-CH" sz="4000" dirty="0" smtClean="0">
-                          <a:latin typeface="Calibri" pitchFamily="34" charset="0"/>
-                        </a:rPr>
-                        <a:t>Web-App </a:t>
-                      </a:r>
-                      <a:r>
-                        <a:rPr lang="de-CH" sz="4000" dirty="0" smtClean="0">
-                          <a:latin typeface="Calibri" pitchFamily="34" charset="0"/>
-                        </a:rPr>
-                        <a:t>mit JavaScript</a:t>
+                        <a:t> HTML5 Web-App mit JavaScript</a:t>
                       </a:r>
                     </a:p>
                     <a:p>
@@ -5808,13 +5682,7 @@
                         <a:rPr lang="de-CH" sz="4000" dirty="0" smtClean="0">
                           <a:latin typeface="Calibri" pitchFamily="34" charset="0"/>
                         </a:rPr>
-                        <a:t>Verbesserung </a:t>
-                      </a:r>
-                      <a:r>
-                        <a:rPr lang="de-CH" sz="4000" dirty="0" smtClean="0">
-                          <a:latin typeface="Calibri" pitchFamily="34" charset="0"/>
-                        </a:rPr>
-                        <a:t>der </a:t>
+                        <a:t>Verbesserung der </a:t>
                       </a:r>
                       <a:r>
                         <a:rPr lang="de-CH" sz="4000" dirty="0" err="1" smtClean="0">
@@ -5894,13 +5762,13 @@
           <p:nvPr>
             <p:extLst>
               <p:ext uri="{D42A27DB-BD31-4B8C-83A1-F6EECF244321}">
-                <p14:modId xmlns:p14="http://schemas.microsoft.com/office/powerpoint/2010/main" val="899279922"/>
+                <p14:modId xmlns:p14="http://schemas.microsoft.com/office/powerpoint/2010/main" val="3150877318"/>
               </p:ext>
             </p:extLst>
           </p:nvPr>
         </p:nvGraphicFramePr>
         <p:xfrm>
-          <a:off x="1529502" y="11462317"/>
+          <a:off x="1529502" y="11394068"/>
           <a:ext cx="13897930" cy="6054000"/>
         </p:xfrm>
         <a:graphic>
@@ -5982,9 +5850,6 @@
                         </a:rPr>
                         <a:t> Touch 2 Framework erstellt</a:t>
                       </a:r>
-                      <a:endParaRPr lang="de-CH" sz="4000" baseline="0" dirty="0" smtClean="0">
-                        <a:latin typeface="Calibri" pitchFamily="34" charset="0"/>
-                      </a:endParaRPr>
                     </a:p>
                     <a:p>
                       <a:pPr marL="571500" indent="-571500">
@@ -5998,17 +5863,14 @@
                         <a:rPr lang="de-CH" sz="4000" baseline="0" dirty="0" smtClean="0">
                           <a:latin typeface="Calibri" pitchFamily="34" charset="0"/>
                         </a:rPr>
-                        <a:t>REST-Schnittstellen für Kommunikation zwischen </a:t>
+                        <a:t>Einsatz von REST-Schnittstellen </a:t>
                       </a:r>
                       <a:r>
                         <a:rPr lang="de-CH" sz="4000" baseline="0" dirty="0" smtClean="0">
                           <a:latin typeface="Calibri" pitchFamily="34" charset="0"/>
                         </a:rPr>
-                        <a:t>den Komponenten</a:t>
+                        <a:t>für Kommunikation zwischen den Komponenten</a:t>
                       </a:r>
-                      <a:endParaRPr lang="de-CH" sz="4000" baseline="0" dirty="0" smtClean="0">
-                        <a:latin typeface="Calibri" pitchFamily="34" charset="0"/>
-                      </a:endParaRPr>
                     </a:p>
                     <a:p>
                       <a:pPr marL="571500" indent="-571500">
@@ -6114,7 +5976,7 @@
           <p:nvPr>
             <p:extLst>
               <p:ext uri="{D42A27DB-BD31-4B8C-83A1-F6EECF244321}">
-                <p14:modId xmlns:p14="http://schemas.microsoft.com/office/powerpoint/2010/main" val="3839307838"/>
+                <p14:modId xmlns:p14="http://schemas.microsoft.com/office/powerpoint/2010/main" val="613611051"/>
               </p:ext>
             </p:extLst>
           </p:nvPr>
@@ -6242,13 +6104,7 @@
                         <a:rPr lang="de-CH" sz="4000" dirty="0" smtClean="0">
                           <a:latin typeface="Calibri" pitchFamily="34" charset="0"/>
                         </a:rPr>
-                        <a:t>Login </a:t>
-                      </a:r>
-                      <a:r>
-                        <a:rPr lang="de-CH" sz="4000" dirty="0" smtClean="0">
-                          <a:latin typeface="Calibri" pitchFamily="34" charset="0"/>
-                        </a:rPr>
-                        <a:t>mit Google </a:t>
+                        <a:t>Login mit Google </a:t>
                       </a:r>
                       <a:r>
                         <a:rPr lang="de-CH" sz="4000" dirty="0" err="1" smtClean="0">
@@ -6272,7 +6128,13 @@
                         <a:rPr lang="de-CH" sz="4000" dirty="0" smtClean="0">
                           <a:latin typeface="Calibri" pitchFamily="34" charset="0"/>
                         </a:rPr>
-                        <a:t>Fehler auf Karte anzeigen und verbessern</a:t>
+                        <a:t>Fehler </a:t>
+                      </a:r>
+                      <a:r>
+                        <a:rPr lang="de-CH" sz="4000" dirty="0" smtClean="0">
+                          <a:latin typeface="Calibri" pitchFamily="34" charset="0"/>
+                        </a:rPr>
+                        <a:t>auf Karte anzeigen und verbessern</a:t>
                       </a:r>
                     </a:p>
                     <a:p>
@@ -6314,7 +6176,13 @@
                         <a:rPr lang="de-CH" sz="4000" baseline="0" dirty="0" smtClean="0">
                           <a:latin typeface="Calibri" pitchFamily="34" charset="0"/>
                         </a:rPr>
-                        <a:t> zum Vergleich mit anderen Spielern</a:t>
+                        <a:t> </a:t>
+                      </a:r>
+                      <a:r>
+                        <a:rPr lang="de-CH" sz="4000" baseline="0" dirty="0" smtClean="0">
+                          <a:latin typeface="Calibri" pitchFamily="34" charset="0"/>
+                        </a:rPr>
+                        <a:t>um sich mit anderen Spielern zu messen</a:t>
                       </a:r>
                       <a:endParaRPr lang="de-CH" sz="4000" baseline="0" dirty="0" smtClean="0">
                         <a:latin typeface="Calibri" pitchFamily="34" charset="0"/>
@@ -6355,14 +6223,14 @@
           <p:nvPr>
             <p:extLst>
               <p:ext uri="{D42A27DB-BD31-4B8C-83A1-F6EECF244321}">
-                <p14:modId xmlns:p14="http://schemas.microsoft.com/office/powerpoint/2010/main" val="3278628765"/>
+                <p14:modId xmlns:p14="http://schemas.microsoft.com/office/powerpoint/2010/main" val="4043077405"/>
               </p:ext>
             </p:extLst>
           </p:nvPr>
         </p:nvGraphicFramePr>
         <p:xfrm>
-          <a:off x="1529502" y="18443258"/>
-          <a:ext cx="13897083" cy="10626000"/>
+          <a:off x="1529502" y="18327337"/>
+          <a:ext cx="13897083" cy="10854600"/>
         </p:xfrm>
         <a:graphic>
           <a:graphicData uri="http://schemas.openxmlformats.org/drawingml/2006/table">
@@ -6467,20 +6335,14 @@
                         <a:rPr lang="de-CH" sz="4000" baseline="0" dirty="0" smtClean="0">
                           <a:latin typeface="Calibri" pitchFamily="34" charset="0"/>
                         </a:rPr>
-                        <a:t> versteht man das Hinzufügen von spieltypischen Elementen in einen nicht-spieltypischen Kontext. Dadurch soll die Motivation der Benutzer erhöht </a:t>
+                        <a:t> versteht man das Hinzufügen von spieltypischen Elementen in einen nicht-spieltypischen Kontext. Dadurch soll die Motivation der Benutzer erhöht werden die App längerfristig zu verwenden.</a:t>
                       </a:r>
-                      <a:r>
-                        <a:rPr lang="de-CH" sz="4000" baseline="0" dirty="0" smtClean="0">
-                          <a:latin typeface="Calibri" pitchFamily="34" charset="0"/>
-                        </a:rPr>
-                        <a:t>werden die App längerfristig zu verwenden.</a:t>
-                      </a:r>
-                      <a:endParaRPr lang="de-CH" sz="4000" baseline="0" dirty="0" smtClean="0">
-                        <a:latin typeface="Calibri" pitchFamily="34" charset="0"/>
-                      </a:endParaRPr>
                     </a:p>
                     <a:p>
                       <a:pPr marL="0" indent="0">
+                        <a:spcBef>
+                          <a:spcPts val="1800"/>
+                        </a:spcBef>
                         <a:spcAft>
                           <a:spcPts val="1800"/>
                         </a:spcAft>
@@ -6523,9 +6385,6 @@
                         </a:rPr>
                         <a:t>Auszeichnungen</a:t>
                       </a:r>
-                      <a:endParaRPr lang="de-CH" sz="4000" dirty="0" smtClean="0">
-                        <a:latin typeface="Calibri" pitchFamily="34" charset="0"/>
-                      </a:endParaRPr>
                     </a:p>
                     <a:p>
                       <a:pPr marL="571500" indent="-571500">
@@ -6641,7 +6500,7 @@
           <p:nvPr/>
         </p:nvPicPr>
         <p:blipFill>
-          <a:blip r:embed="rId12">
+          <a:blip r:embed="rId9">
             <a:extLst>
               <a:ext uri="{28A0092B-C50C-407E-A947-70E740481C1C}">
                 <a14:useLocalDpi xmlns:a14="http://schemas.microsoft.com/office/drawing/2010/main" val="0"/>
@@ -6682,7 +6541,7 @@
           <p:nvPr/>
         </p:nvPicPr>
         <p:blipFill rotWithShape="1">
-          <a:blip r:embed="rId13">
+          <a:blip r:embed="rId10">
             <a:extLst>
               <a:ext uri="{28A0092B-C50C-407E-A947-70E740481C1C}">
                 <a14:useLocalDpi xmlns:a14="http://schemas.microsoft.com/office/drawing/2010/main" val="0"/>
@@ -6694,7 +6553,7 @@
         </p:blipFill>
         <p:spPr bwMode="auto">
           <a:xfrm>
-            <a:off x="13856234" y="18092397"/>
+            <a:off x="13856234" y="17976476"/>
             <a:ext cx="1930400" cy="1368190"/>
           </a:xfrm>
           <a:prstGeom prst="rect">
@@ -6721,7 +6580,7 @@
           <p:nvPr/>
         </p:nvPicPr>
         <p:blipFill>
-          <a:blip r:embed="rId14">
+          <a:blip r:embed="rId11">
             <a:extLst>
               <a:ext uri="{28A0092B-C50C-407E-A947-70E740481C1C}">
                 <a14:useLocalDpi xmlns:a14="http://schemas.microsoft.com/office/drawing/2010/main" val="0"/>
@@ -6735,7 +6594,7 @@
         </p:blipFill>
         <p:spPr bwMode="auto">
           <a:xfrm>
-            <a:off x="13934080" y="11103666"/>
+            <a:off x="13934080" y="11035417"/>
             <a:ext cx="1853402" cy="1732001"/>
           </a:xfrm>
           <a:prstGeom prst="rect">
@@ -6762,7 +6621,7 @@
           <p:nvPr/>
         </p:nvPicPr>
         <p:blipFill>
-          <a:blip r:embed="rId15">
+          <a:blip r:embed="rId12">
             <a:extLst>
               <a:ext uri="{28A0092B-C50C-407E-A947-70E740481C1C}">
                 <a14:useLocalDpi xmlns:a14="http://schemas.microsoft.com/office/drawing/2010/main" val="0"/>
@@ -6776,7 +6635,7 @@
         </p:blipFill>
         <p:spPr bwMode="auto">
           <a:xfrm>
-            <a:off x="30045462" y="23406389"/>
+            <a:off x="30045462" y="23649016"/>
             <a:ext cx="2459110" cy="1068301"/>
           </a:xfrm>
           <a:prstGeom prst="rect">
@@ -6826,7 +6685,7 @@
           <p:nvPr/>
         </p:nvPicPr>
         <p:blipFill>
-          <a:blip r:embed="rId16">
+          <a:blip r:embed="rId13">
             <a:extLst>
               <a:ext uri="{28A0092B-C50C-407E-A947-70E740481C1C}">
                 <a14:useLocalDpi xmlns:a14="http://schemas.microsoft.com/office/drawing/2010/main" val="0"/>
@@ -6840,7 +6699,7 @@
         </p:blipFill>
         <p:spPr bwMode="auto">
           <a:xfrm>
-            <a:off x="34502693" y="21166007"/>
+            <a:off x="34502693" y="21408634"/>
             <a:ext cx="2690575" cy="742920"/>
           </a:xfrm>
           <a:prstGeom prst="rect">
@@ -6890,7 +6749,7 @@
           <p:nvPr/>
         </p:nvPicPr>
         <p:blipFill>
-          <a:blip r:embed="rId17">
+          <a:blip r:embed="rId14">
             <a:extLst>
               <a:ext uri="{28A0092B-C50C-407E-A947-70E740481C1C}">
                 <a14:useLocalDpi xmlns:a14="http://schemas.microsoft.com/office/drawing/2010/main" val="0"/>
@@ -6904,7 +6763,7 @@
         </p:blipFill>
         <p:spPr bwMode="auto">
           <a:xfrm>
-            <a:off x="35999591" y="22496249"/>
+            <a:off x="35999591" y="22738876"/>
             <a:ext cx="2832916" cy="780868"/>
           </a:xfrm>
           <a:prstGeom prst="rect">
@@ -6954,7 +6813,7 @@
           <p:nvPr/>
         </p:nvPicPr>
         <p:blipFill>
-          <a:blip r:embed="rId18">
+          <a:blip r:embed="rId15">
             <a:extLst>
               <a:ext uri="{28A0092B-C50C-407E-A947-70E740481C1C}">
                 <a14:useLocalDpi xmlns:a14="http://schemas.microsoft.com/office/drawing/2010/main" val="0"/>
@@ -6968,7 +6827,7 @@
         </p:blipFill>
         <p:spPr bwMode="auto">
           <a:xfrm>
-            <a:off x="30136880" y="21023311"/>
+            <a:off x="30136880" y="21265938"/>
             <a:ext cx="1657579" cy="1389686"/>
           </a:xfrm>
           <a:prstGeom prst="rect">
@@ -7018,7 +6877,7 @@
           <p:nvPr/>
         </p:nvPicPr>
         <p:blipFill>
-          <a:blip r:embed="rId19" cstate="print">
+          <a:blip r:embed="rId16" cstate="print">
             <a:extLst>
               <a:ext uri="{28A0092B-C50C-407E-A947-70E740481C1C}">
                 <a14:useLocalDpi xmlns:a14="http://schemas.microsoft.com/office/drawing/2010/main" val="0"/>
@@ -7032,7 +6891,7 @@
         </p:blipFill>
         <p:spPr bwMode="auto">
           <a:xfrm>
-            <a:off x="32444293" y="22134524"/>
+            <a:off x="32444293" y="22377151"/>
             <a:ext cx="2058400" cy="1543800"/>
           </a:xfrm>
           <a:prstGeom prst="rect">
@@ -7059,7 +6918,7 @@
           <p:nvPr/>
         </p:nvPicPr>
         <p:blipFill>
-          <a:blip r:embed="rId20">
+          <a:blip r:embed="rId17">
             <a:extLst>
               <a:ext uri="{28A0092B-C50C-407E-A947-70E740481C1C}">
                 <a14:useLocalDpi xmlns:a14="http://schemas.microsoft.com/office/drawing/2010/main" val="0"/>
@@ -7073,7 +6932,7 @@
         </p:blipFill>
         <p:spPr bwMode="auto">
           <a:xfrm>
-            <a:off x="38360558" y="20996161"/>
+            <a:off x="38360558" y="21238788"/>
             <a:ext cx="1668609" cy="1056786"/>
           </a:xfrm>
           <a:prstGeom prst="rect">
@@ -7268,7 +7127,7 @@
         </p:nvSpPr>
         <p:spPr>
           <a:xfrm>
-            <a:off x="33576926" y="18998922"/>
+            <a:off x="33576926" y="19286962"/>
             <a:ext cx="1734188" cy="461665"/>
           </a:xfrm>
           <a:prstGeom prst="rect">
@@ -7300,7 +7159,7 @@
           <p:nvPr/>
         </p:nvPicPr>
         <p:blipFill>
-          <a:blip r:embed="rId21">
+          <a:blip r:embed="rId18">
             <a:extLst>
               <a:ext uri="{28A0092B-C50C-407E-A947-70E740481C1C}">
                 <a14:useLocalDpi xmlns:a14="http://schemas.microsoft.com/office/drawing/2010/main" val="0"/>
@@ -7314,7 +7173,7 @@
         </p:blipFill>
         <p:spPr bwMode="auto">
           <a:xfrm>
-            <a:off x="16478021" y="13883130"/>
+            <a:off x="16478021" y="14203857"/>
             <a:ext cx="12775331" cy="14650717"/>
           </a:xfrm>
           <a:prstGeom prst="rect">
@@ -7341,7 +7200,7 @@
           <p:nvPr/>
         </p:nvPicPr>
         <p:blipFill>
-          <a:blip r:embed="rId22">
+          <a:blip r:embed="rId19">
             <a:extLst>
               <a:ext uri="{28A0092B-C50C-407E-A947-70E740481C1C}">
                 <a14:useLocalDpi xmlns:a14="http://schemas.microsoft.com/office/drawing/2010/main" val="0"/>
@@ -7381,7 +7240,7 @@
         </p:nvSpPr>
         <p:spPr>
           <a:xfrm>
-            <a:off x="29685412" y="20120891"/>
+            <a:off x="29685412" y="20363518"/>
             <a:ext cx="5066063" cy="707886"/>
           </a:xfrm>
           <a:prstGeom prst="rect">
@@ -7415,7 +7274,7 @@
         </p:nvSpPr>
         <p:spPr>
           <a:xfrm>
-            <a:off x="30597722" y="18998921"/>
+            <a:off x="30597722" y="19286961"/>
             <a:ext cx="1734189" cy="461665"/>
           </a:xfrm>
           <a:prstGeom prst="rect">
@@ -7447,7 +7306,7 @@
           <p:nvPr/>
         </p:nvPicPr>
         <p:blipFill>
-          <a:blip r:embed="rId23">
+          <a:blip r:embed="rId20">
             <a:extLst>
               <a:ext uri="{28A0092B-C50C-407E-A947-70E740481C1C}">
                 <a14:useLocalDpi xmlns:a14="http://schemas.microsoft.com/office/drawing/2010/main" val="0"/>
@@ -7461,8 +7320,90 @@
         </p:blipFill>
         <p:spPr bwMode="auto">
           <a:xfrm>
-            <a:off x="30219803" y="13779098"/>
+            <a:off x="30219803" y="14067138"/>
             <a:ext cx="2490029" cy="5039191"/>
+          </a:xfrm>
+          <a:prstGeom prst="rect">
+            <a:avLst/>
+          </a:prstGeom>
+          <a:noFill/>
+          <a:extLst>
+            <a:ext uri="{909E8E84-426E-40DD-AFC4-6F175D3DCCD1}">
+              <a14:hiddenFill xmlns:a14="http://schemas.microsoft.com/office/drawing/2010/main">
+                <a:solidFill>
+                  <a:srgbClr val="FFFFFF"/>
+                </a:solidFill>
+              </a14:hiddenFill>
+            </a:ext>
+          </a:extLst>
+        </p:spPr>
+      </p:pic>
+      <p:pic>
+        <p:nvPicPr>
+          <p:cNvPr id="3" name="Picture 2" descr="D:\xampp\htdocs\kort\_DOCUMENTATION\05_Poster\images\Oderbolz_Stefan I.jpg"/>
+          <p:cNvPicPr>
+            <a:picLocks noChangeAspect="1" noChangeArrowheads="1"/>
+          </p:cNvPicPr>
+          <p:nvPr/>
+        </p:nvPicPr>
+        <p:blipFill>
+          <a:blip r:embed="rId21" cstate="print">
+            <a:extLst>
+              <a:ext uri="{28A0092B-C50C-407E-A947-70E740481C1C}">
+                <a14:useLocalDpi xmlns:a14="http://schemas.microsoft.com/office/drawing/2010/main" val="0"/>
+              </a:ext>
+            </a:extLst>
+          </a:blip>
+          <a:srcRect/>
+          <a:stretch>
+            <a:fillRect/>
+          </a:stretch>
+        </p:blipFill>
+        <p:spPr bwMode="auto">
+          <a:xfrm>
+            <a:off x="18250967" y="1944863"/>
+            <a:ext cx="2361185" cy="3147990"/>
+          </a:xfrm>
+          <a:prstGeom prst="rect">
+            <a:avLst/>
+          </a:prstGeom>
+          <a:noFill/>
+          <a:extLst>
+            <a:ext uri="{909E8E84-426E-40DD-AFC4-6F175D3DCCD1}">
+              <a14:hiddenFill xmlns:a14="http://schemas.microsoft.com/office/drawing/2010/main">
+                <a:solidFill>
+                  <a:srgbClr val="FFFFFF"/>
+                </a:solidFill>
+              </a14:hiddenFill>
+            </a:ext>
+          </a:extLst>
+        </p:spPr>
+      </p:pic>
+      <p:pic>
+        <p:nvPicPr>
+          <p:cNvPr id="5" name="Picture 3" descr="D:\xampp\htdocs\kort\_DOCUMENTATION\05_Poster\images\Hunziker_Juerg I.jpg"/>
+          <p:cNvPicPr>
+            <a:picLocks noChangeAspect="1" noChangeArrowheads="1"/>
+          </p:cNvPicPr>
+          <p:nvPr/>
+        </p:nvPicPr>
+        <p:blipFill>
+          <a:blip r:embed="rId22" cstate="print">
+            <a:extLst>
+              <a:ext uri="{28A0092B-C50C-407E-A947-70E740481C1C}">
+                <a14:useLocalDpi xmlns:a14="http://schemas.microsoft.com/office/drawing/2010/main" val="0"/>
+              </a:ext>
+            </a:extLst>
+          </a:blip>
+          <a:srcRect/>
+          <a:stretch>
+            <a:fillRect/>
+          </a:stretch>
+        </p:blipFill>
+        <p:spPr bwMode="auto">
+          <a:xfrm>
+            <a:off x="22278253" y="1989225"/>
+            <a:ext cx="2294449" cy="3059265"/>
           </a:xfrm>
           <a:prstGeom prst="rect">
             <a:avLst/>

--- a/_DOCUMENTATION/05_Poster/kort-Poster.pptx
+++ b/_DOCUMENTATION/05_Poster/kort-Poster.pptx
@@ -5581,7 +5581,7 @@
           <p:nvPr>
             <p:extLst>
               <p:ext uri="{D42A27DB-BD31-4B8C-83A1-F6EECF244321}">
-                <p14:modId xmlns:p14="http://schemas.microsoft.com/office/powerpoint/2010/main" val="176406939"/>
+                <p14:modId xmlns:p14="http://schemas.microsoft.com/office/powerpoint/2010/main" val="2729705586"/>
               </p:ext>
             </p:extLst>
           </p:nvPr>
@@ -5735,12 +5735,6 @@
                         </a:rPr>
                         <a:t>OpenStreetMap</a:t>
                       </a:r>
-                      <a:r>
-                        <a:rPr lang="de-CH" sz="4000" baseline="0" dirty="0" smtClean="0">
-                          <a:latin typeface="Calibri" pitchFamily="34" charset="0"/>
-                        </a:rPr>
-                        <a:t> erarbeiten</a:t>
-                      </a:r>
                       <a:endParaRPr lang="de-CH" sz="4000" dirty="0" smtClean="0">
                         <a:latin typeface="Calibri" pitchFamily="34" charset="0"/>
                       </a:endParaRPr>
@@ -5762,7 +5756,7 @@
           <p:nvPr>
             <p:extLst>
               <p:ext uri="{D42A27DB-BD31-4B8C-83A1-F6EECF244321}">
-                <p14:modId xmlns:p14="http://schemas.microsoft.com/office/powerpoint/2010/main" val="3150877318"/>
+                <p14:modId xmlns:p14="http://schemas.microsoft.com/office/powerpoint/2010/main" val="267225222"/>
               </p:ext>
             </p:extLst>
           </p:nvPr>
@@ -5836,7 +5830,13 @@
                         <a:rPr lang="de-CH" sz="4000" dirty="0" smtClean="0">
                           <a:latin typeface="Calibri" pitchFamily="34" charset="0"/>
                         </a:rPr>
-                        <a:t>Web-App wurde mit dem </a:t>
+                        <a:t>Web-App </a:t>
+                      </a:r>
+                      <a:r>
+                        <a:rPr lang="de-CH" sz="4000" dirty="0" smtClean="0">
+                          <a:latin typeface="Calibri" pitchFamily="34" charset="0"/>
+                        </a:rPr>
+                        <a:t>mit dem </a:t>
                       </a:r>
                       <a:r>
                         <a:rPr lang="de-CH" sz="4000" dirty="0" err="1" smtClean="0">
@@ -5848,8 +5848,23 @@
                         <a:rPr lang="de-CH" sz="4000" baseline="0" dirty="0" smtClean="0">
                           <a:latin typeface="Calibri" pitchFamily="34" charset="0"/>
                         </a:rPr>
-                        <a:t> Touch 2 Framework erstellt</a:t>
+                        <a:t> </a:t>
                       </a:r>
+                      <a:r>
+                        <a:rPr lang="de-CH" sz="4000" baseline="0" dirty="0" smtClean="0">
+                          <a:latin typeface="Calibri" pitchFamily="34" charset="0"/>
+                        </a:rPr>
+                        <a:t>Touch 2 </a:t>
+                      </a:r>
+                      <a:r>
+                        <a:rPr lang="de-CH" sz="4000" baseline="0" dirty="0" smtClean="0">
+                          <a:latin typeface="Calibri" pitchFamily="34" charset="0"/>
+                        </a:rPr>
+                        <a:t>Framework erstellt</a:t>
+                      </a:r>
+                      <a:endParaRPr lang="de-CH" sz="4000" baseline="0" dirty="0" smtClean="0">
+                        <a:latin typeface="Calibri" pitchFamily="34" charset="0"/>
+                      </a:endParaRPr>
                     </a:p>
                     <a:p>
                       <a:pPr marL="571500" indent="-571500">
@@ -5863,13 +5878,7 @@
                         <a:rPr lang="de-CH" sz="4000" baseline="0" dirty="0" smtClean="0">
                           <a:latin typeface="Calibri" pitchFamily="34" charset="0"/>
                         </a:rPr>
-                        <a:t>Einsatz von REST-Schnittstellen </a:t>
-                      </a:r>
-                      <a:r>
-                        <a:rPr lang="de-CH" sz="4000" baseline="0" dirty="0" smtClean="0">
-                          <a:latin typeface="Calibri" pitchFamily="34" charset="0"/>
-                        </a:rPr>
-                        <a:t>für Kommunikation zwischen den Komponenten</a:t>
+                        <a:t>Einsatz von REST-Schnittstellen für Kommunikation zwischen den Komponenten</a:t>
                       </a:r>
                     </a:p>
                     <a:p>
@@ -6128,13 +6137,7 @@
                         <a:rPr lang="de-CH" sz="4000" dirty="0" smtClean="0">
                           <a:latin typeface="Calibri" pitchFamily="34" charset="0"/>
                         </a:rPr>
-                        <a:t>Fehler </a:t>
-                      </a:r>
-                      <a:r>
-                        <a:rPr lang="de-CH" sz="4000" dirty="0" smtClean="0">
-                          <a:latin typeface="Calibri" pitchFamily="34" charset="0"/>
-                        </a:rPr>
-                        <a:t>auf Karte anzeigen und verbessern</a:t>
+                        <a:t>Fehler auf Karte anzeigen und verbessern</a:t>
                       </a:r>
                     </a:p>
                     <a:p>
@@ -6176,17 +6179,8 @@
                         <a:rPr lang="de-CH" sz="4000" baseline="0" dirty="0" smtClean="0">
                           <a:latin typeface="Calibri" pitchFamily="34" charset="0"/>
                         </a:rPr>
-                        <a:t> </a:t>
+                        <a:t> um sich mit anderen Spielern zu messen</a:t>
                       </a:r>
-                      <a:r>
-                        <a:rPr lang="de-CH" sz="4000" baseline="0" dirty="0" smtClean="0">
-                          <a:latin typeface="Calibri" pitchFamily="34" charset="0"/>
-                        </a:rPr>
-                        <a:t>um sich mit anderen Spielern zu messen</a:t>
-                      </a:r>
-                      <a:endParaRPr lang="de-CH" sz="4000" baseline="0" dirty="0" smtClean="0">
-                        <a:latin typeface="Calibri" pitchFamily="34" charset="0"/>
-                      </a:endParaRPr>
                     </a:p>
                     <a:p>
                       <a:pPr marL="571500" indent="-571500">
@@ -6223,7 +6217,7 @@
           <p:nvPr>
             <p:extLst>
               <p:ext uri="{D42A27DB-BD31-4B8C-83A1-F6EECF244321}">
-                <p14:modId xmlns:p14="http://schemas.microsoft.com/office/powerpoint/2010/main" val="4043077405"/>
+                <p14:modId xmlns:p14="http://schemas.microsoft.com/office/powerpoint/2010/main" val="1681586532"/>
               </p:ext>
             </p:extLst>
           </p:nvPr>
@@ -6335,7 +6329,19 @@
                         <a:rPr lang="de-CH" sz="4000" baseline="0" dirty="0" smtClean="0">
                           <a:latin typeface="Calibri" pitchFamily="34" charset="0"/>
                         </a:rPr>
-                        <a:t> versteht man das Hinzufügen von spieltypischen Elementen in einen nicht-spieltypischen Kontext. Dadurch soll die Motivation der Benutzer erhöht werden die App längerfristig zu verwenden.</a:t>
+                        <a:t> versteht man das Hinzufügen von </a:t>
+                      </a:r>
+                      <a:r>
+                        <a:rPr lang="de-CH" sz="4000" baseline="0" dirty="0" smtClean="0">
+                          <a:latin typeface="Calibri" pitchFamily="34" charset="0"/>
+                        </a:rPr>
+                        <a:t>Spiel-Elementen </a:t>
+                      </a:r>
+                      <a:r>
+                        <a:rPr lang="de-CH" sz="4000" baseline="0" dirty="0" smtClean="0">
+                          <a:latin typeface="Calibri" pitchFamily="34" charset="0"/>
+                        </a:rPr>
+                        <a:t>in einen nicht-spieltypischen Kontext. Dadurch soll die Motivation der Benutzer erhöht werden die App längerfristig zu verwenden.</a:t>
                       </a:r>
                     </a:p>
                     <a:p>
@@ -6763,7 +6769,7 @@
         </p:blipFill>
         <p:spPr bwMode="auto">
           <a:xfrm>
-            <a:off x="35999591" y="22738876"/>
+            <a:off x="35703508" y="22554961"/>
             <a:ext cx="2832916" cy="780868"/>
           </a:xfrm>
           <a:prstGeom prst="rect">

--- a/_DOCUMENTATION/05_Poster/kort-Poster.pptx
+++ b/_DOCUMENTATION/05_Poster/kort-Poster.pptx
@@ -180,7 +180,7 @@
         </p:nvSpPr>
         <p:spPr bwMode="auto">
           <a:xfrm>
-            <a:off x="0" y="0"/>
+            <a:off x="0" y="2"/>
             <a:ext cx="12763500" cy="2092325"/>
           </a:xfrm>
           <a:prstGeom prst="rect">
@@ -196,14 +196,14 @@
           <a:effectLst/>
         </p:spPr>
         <p:txBody>
-          <a:bodyPr vert="horz" wrap="square" lIns="389175" tIns="194588" rIns="389175" bIns="194588" numCol="1" anchor="t" anchorCtr="0" compatLnSpc="1">
+          <a:bodyPr vert="horz" wrap="square" lIns="388997" tIns="194498" rIns="388997" bIns="194498" numCol="1" anchor="t" anchorCtr="0" compatLnSpc="1">
             <a:prstTxWarp prst="textNoShape">
               <a:avLst/>
             </a:prstTxWarp>
           </a:bodyPr>
           <a:lstStyle>
-            <a:lvl1pPr defTabSz="3892019">
-              <a:defRPr sz="5200"/>
+            <a:lvl1pPr defTabSz="3890221">
+              <a:defRPr sz="5100"/>
             </a:lvl1pPr>
           </a:lstStyle>
           <a:p>
@@ -226,7 +226,7 @@
         </p:nvSpPr>
         <p:spPr bwMode="auto">
           <a:xfrm>
-            <a:off x="16687800" y="0"/>
+            <a:off x="16687802" y="2"/>
             <a:ext cx="12763500" cy="2092325"/>
           </a:xfrm>
           <a:prstGeom prst="rect">
@@ -242,14 +242,14 @@
           <a:effectLst/>
         </p:spPr>
         <p:txBody>
-          <a:bodyPr vert="horz" wrap="square" lIns="389175" tIns="194588" rIns="389175" bIns="194588" numCol="1" anchor="t" anchorCtr="0" compatLnSpc="1">
+          <a:bodyPr vert="horz" wrap="square" lIns="388997" tIns="194498" rIns="388997" bIns="194498" numCol="1" anchor="t" anchorCtr="0" compatLnSpc="1">
             <a:prstTxWarp prst="textNoShape">
               <a:avLst/>
             </a:prstTxWarp>
           </a:bodyPr>
           <a:lstStyle>
-            <a:lvl1pPr algn="r" defTabSz="3892019">
-              <a:defRPr sz="5200"/>
+            <a:lvl1pPr algn="r" defTabSz="3890221">
+              <a:defRPr sz="5100"/>
             </a:lvl1pPr>
           </a:lstStyle>
           <a:p>
@@ -272,7 +272,7 @@
         </p:nvSpPr>
         <p:spPr bwMode="auto">
           <a:xfrm>
-            <a:off x="0" y="39657338"/>
+            <a:off x="0" y="39657340"/>
             <a:ext cx="12763500" cy="2092325"/>
           </a:xfrm>
           <a:prstGeom prst="rect">
@@ -288,14 +288,14 @@
           <a:effectLst/>
         </p:spPr>
         <p:txBody>
-          <a:bodyPr vert="horz" wrap="square" lIns="389175" tIns="194588" rIns="389175" bIns="194588" numCol="1" anchor="b" anchorCtr="0" compatLnSpc="1">
+          <a:bodyPr vert="horz" wrap="square" lIns="388997" tIns="194498" rIns="388997" bIns="194498" numCol="1" anchor="b" anchorCtr="0" compatLnSpc="1">
             <a:prstTxWarp prst="textNoShape">
               <a:avLst/>
             </a:prstTxWarp>
           </a:bodyPr>
           <a:lstStyle>
-            <a:lvl1pPr defTabSz="3892019">
-              <a:defRPr sz="5200"/>
+            <a:lvl1pPr defTabSz="3890221">
+              <a:defRPr sz="5100"/>
             </a:lvl1pPr>
           </a:lstStyle>
           <a:p>
@@ -321,7 +321,7 @@
         </p:nvSpPr>
         <p:spPr bwMode="auto">
           <a:xfrm>
-            <a:off x="16687800" y="39657338"/>
+            <a:off x="16687802" y="39657340"/>
             <a:ext cx="12763500" cy="2092325"/>
           </a:xfrm>
           <a:prstGeom prst="rect">
@@ -337,14 +337,14 @@
           <a:effectLst/>
         </p:spPr>
         <p:txBody>
-          <a:bodyPr vert="horz" wrap="square" lIns="389175" tIns="194588" rIns="389175" bIns="194588" numCol="1" anchor="b" anchorCtr="0" compatLnSpc="1">
+          <a:bodyPr vert="horz" wrap="square" lIns="388997" tIns="194498" rIns="388997" bIns="194498" numCol="1" anchor="b" anchorCtr="0" compatLnSpc="1">
             <a:prstTxWarp prst="textNoShape">
               <a:avLst/>
             </a:prstTxWarp>
           </a:bodyPr>
           <a:lstStyle>
-            <a:lvl1pPr algn="r" defTabSz="3892019">
-              <a:defRPr sz="5200"/>
+            <a:lvl1pPr algn="r" defTabSz="3890221">
+              <a:defRPr sz="5100"/>
             </a:lvl1pPr>
           </a:lstStyle>
           <a:p>
@@ -410,7 +410,7 @@
         </p:nvSpPr>
         <p:spPr bwMode="auto">
           <a:xfrm>
-            <a:off x="0" y="0"/>
+            <a:off x="0" y="2"/>
             <a:ext cx="12763500" cy="2092325"/>
           </a:xfrm>
           <a:prstGeom prst="rect">
@@ -426,14 +426,14 @@
           <a:effectLst/>
         </p:spPr>
         <p:txBody>
-          <a:bodyPr vert="horz" wrap="square" lIns="389175" tIns="194588" rIns="389175" bIns="194588" numCol="1" anchor="t" anchorCtr="0" compatLnSpc="1">
+          <a:bodyPr vert="horz" wrap="square" lIns="388997" tIns="194498" rIns="388997" bIns="194498" numCol="1" anchor="t" anchorCtr="0" compatLnSpc="1">
             <a:prstTxWarp prst="textNoShape">
               <a:avLst/>
             </a:prstTxWarp>
           </a:bodyPr>
           <a:lstStyle>
-            <a:lvl1pPr defTabSz="3892019">
-              <a:defRPr sz="5200"/>
+            <a:lvl1pPr defTabSz="3890221">
+              <a:defRPr sz="5100"/>
             </a:lvl1pPr>
           </a:lstStyle>
           <a:p>
@@ -456,7 +456,7 @@
         </p:nvSpPr>
         <p:spPr bwMode="auto">
           <a:xfrm>
-            <a:off x="16687800" y="0"/>
+            <a:off x="16687802" y="2"/>
             <a:ext cx="12763500" cy="2092325"/>
           </a:xfrm>
           <a:prstGeom prst="rect">
@@ -472,14 +472,14 @@
           <a:effectLst/>
         </p:spPr>
         <p:txBody>
-          <a:bodyPr vert="horz" wrap="square" lIns="389175" tIns="194588" rIns="389175" bIns="194588" numCol="1" anchor="t" anchorCtr="0" compatLnSpc="1">
+          <a:bodyPr vert="horz" wrap="square" lIns="388997" tIns="194498" rIns="388997" bIns="194498" numCol="1" anchor="t" anchorCtr="0" compatLnSpc="1">
             <a:prstTxWarp prst="textNoShape">
               <a:avLst/>
             </a:prstTxWarp>
           </a:bodyPr>
           <a:lstStyle>
-            <a:lvl1pPr algn="r" defTabSz="3892019">
-              <a:defRPr sz="5200"/>
+            <a:lvl1pPr algn="r" defTabSz="3890221">
+              <a:defRPr sz="5100"/>
             </a:lvl1pPr>
           </a:lstStyle>
           <a:p>
@@ -502,8 +502,8 @@
         </p:nvSpPr>
         <p:spPr bwMode="auto">
           <a:xfrm>
-            <a:off x="3660775" y="3127375"/>
-            <a:ext cx="22142450" cy="15663863"/>
+            <a:off x="3657600" y="3127375"/>
+            <a:ext cx="22148800" cy="15667038"/>
           </a:xfrm>
           <a:prstGeom prst="rect">
             <a:avLst/>
@@ -540,8 +540,8 @@
         </p:nvSpPr>
         <p:spPr bwMode="auto">
           <a:xfrm>
-            <a:off x="2944813" y="19835813"/>
-            <a:ext cx="23568025" cy="18792825"/>
+            <a:off x="2944819" y="19835817"/>
+            <a:ext cx="23568025" cy="18792823"/>
           </a:xfrm>
           <a:prstGeom prst="rect">
             <a:avLst/>
@@ -556,7 +556,7 @@
           <a:effectLst/>
         </p:spPr>
         <p:txBody>
-          <a:bodyPr vert="horz" wrap="square" lIns="389175" tIns="194588" rIns="389175" bIns="194588" numCol="1" anchor="t" anchorCtr="0" compatLnSpc="1">
+          <a:bodyPr vert="horz" wrap="square" lIns="388997" tIns="194498" rIns="388997" bIns="194498" numCol="1" anchor="t" anchorCtr="0" compatLnSpc="1">
             <a:prstTxWarp prst="textNoShape">
               <a:avLst/>
             </a:prstTxWarp>
@@ -611,7 +611,7 @@
         </p:nvSpPr>
         <p:spPr bwMode="auto">
           <a:xfrm>
-            <a:off x="0" y="39657338"/>
+            <a:off x="0" y="39657340"/>
             <a:ext cx="12763500" cy="2092325"/>
           </a:xfrm>
           <a:prstGeom prst="rect">
@@ -627,14 +627,14 @@
           <a:effectLst/>
         </p:spPr>
         <p:txBody>
-          <a:bodyPr vert="horz" wrap="square" lIns="389175" tIns="194588" rIns="389175" bIns="194588" numCol="1" anchor="b" anchorCtr="0" compatLnSpc="1">
+          <a:bodyPr vert="horz" wrap="square" lIns="388997" tIns="194498" rIns="388997" bIns="194498" numCol="1" anchor="b" anchorCtr="0" compatLnSpc="1">
             <a:prstTxWarp prst="textNoShape">
               <a:avLst/>
             </a:prstTxWarp>
           </a:bodyPr>
           <a:lstStyle>
-            <a:lvl1pPr defTabSz="3892019">
-              <a:defRPr sz="5200"/>
+            <a:lvl1pPr defTabSz="3890221">
+              <a:defRPr sz="5100"/>
             </a:lvl1pPr>
           </a:lstStyle>
           <a:p>
@@ -660,7 +660,7 @@
         </p:nvSpPr>
         <p:spPr bwMode="auto">
           <a:xfrm>
-            <a:off x="16687800" y="39657338"/>
+            <a:off x="16687802" y="39657340"/>
             <a:ext cx="12763500" cy="2092325"/>
           </a:xfrm>
           <a:prstGeom prst="rect">
@@ -676,14 +676,14 @@
           <a:effectLst/>
         </p:spPr>
         <p:txBody>
-          <a:bodyPr vert="horz" wrap="square" lIns="389175" tIns="194588" rIns="389175" bIns="194588" numCol="1" anchor="b" anchorCtr="0" compatLnSpc="1">
+          <a:bodyPr vert="horz" wrap="square" lIns="388997" tIns="194498" rIns="388997" bIns="194498" numCol="1" anchor="b" anchorCtr="0" compatLnSpc="1">
             <a:prstTxWarp prst="textNoShape">
               <a:avLst/>
             </a:prstTxWarp>
           </a:bodyPr>
           <a:lstStyle>
-            <a:lvl1pPr algn="r" defTabSz="3892019">
-              <a:defRPr sz="5200"/>
+            <a:lvl1pPr algn="r" defTabSz="3890221">
+              <a:defRPr sz="5100"/>
             </a:lvl1pPr>
           </a:lstStyle>
           <a:p>
@@ -888,7 +888,7 @@
         <p:txBody>
           <a:bodyPr/>
           <a:lstStyle>
-            <a:lvl1pPr defTabSz="3890963" eaLnBrk="0" hangingPunct="0">
+            <a:lvl1pPr defTabSz="3889167" eaLnBrk="0" hangingPunct="0">
               <a:defRPr>
                 <a:solidFill>
                   <a:schemeClr val="tx1"/>
@@ -896,7 +896,7 @@
                 <a:latin typeface="Arial" charset="0"/>
               </a:defRPr>
             </a:lvl1pPr>
-            <a:lvl2pPr marL="742950" indent="-285750" defTabSz="3890963" eaLnBrk="0" hangingPunct="0">
+            <a:lvl2pPr marL="742609" indent="-285618" defTabSz="3889167" eaLnBrk="0" hangingPunct="0">
               <a:defRPr>
                 <a:solidFill>
                   <a:schemeClr val="tx1"/>
@@ -904,7 +904,7 @@
                 <a:latin typeface="Arial" charset="0"/>
               </a:defRPr>
             </a:lvl2pPr>
-            <a:lvl3pPr marL="1143000" indent="-228600" defTabSz="3890963" eaLnBrk="0" hangingPunct="0">
+            <a:lvl3pPr marL="1142474" indent="-228497" defTabSz="3889167" eaLnBrk="0" hangingPunct="0">
               <a:defRPr>
                 <a:solidFill>
                   <a:schemeClr val="tx1"/>
@@ -912,7 +912,7 @@
                 <a:latin typeface="Arial" charset="0"/>
               </a:defRPr>
             </a:lvl3pPr>
-            <a:lvl4pPr marL="1600200" indent="-228600" defTabSz="3890963" eaLnBrk="0" hangingPunct="0">
+            <a:lvl4pPr marL="1599464" indent="-228497" defTabSz="3889167" eaLnBrk="0" hangingPunct="0">
               <a:defRPr>
                 <a:solidFill>
                   <a:schemeClr val="tx1"/>
@@ -920,7 +920,7 @@
                 <a:latin typeface="Arial" charset="0"/>
               </a:defRPr>
             </a:lvl4pPr>
-            <a:lvl5pPr marL="2057400" indent="-228600" defTabSz="3890963" eaLnBrk="0" hangingPunct="0">
+            <a:lvl5pPr marL="2056450" indent="-228497" defTabSz="3889167" eaLnBrk="0" hangingPunct="0">
               <a:defRPr>
                 <a:solidFill>
                   <a:schemeClr val="tx1"/>
@@ -928,7 +928,7 @@
                 <a:latin typeface="Arial" charset="0"/>
               </a:defRPr>
             </a:lvl5pPr>
-            <a:lvl6pPr marL="2514600" indent="-228600" defTabSz="3890963" eaLnBrk="0" fontAlgn="base" hangingPunct="0">
+            <a:lvl6pPr marL="2513436" indent="-228497" defTabSz="3889167" eaLnBrk="0" fontAlgn="base" hangingPunct="0">
               <a:spcBef>
                 <a:spcPct val="0"/>
               </a:spcBef>
@@ -942,7 +942,7 @@
                 <a:latin typeface="Arial" charset="0"/>
               </a:defRPr>
             </a:lvl6pPr>
-            <a:lvl7pPr marL="2971800" indent="-228600" defTabSz="3890963" eaLnBrk="0" fontAlgn="base" hangingPunct="0">
+            <a:lvl7pPr marL="2970426" indent="-228497" defTabSz="3889167" eaLnBrk="0" fontAlgn="base" hangingPunct="0">
               <a:spcBef>
                 <a:spcPct val="0"/>
               </a:spcBef>
@@ -956,7 +956,7 @@
                 <a:latin typeface="Arial" charset="0"/>
               </a:defRPr>
             </a:lvl7pPr>
-            <a:lvl8pPr marL="3429000" indent="-228600" defTabSz="3890963" eaLnBrk="0" fontAlgn="base" hangingPunct="0">
+            <a:lvl8pPr marL="3427416" indent="-228497" defTabSz="3889167" eaLnBrk="0" fontAlgn="base" hangingPunct="0">
               <a:spcBef>
                 <a:spcPct val="0"/>
               </a:spcBef>
@@ -970,7 +970,7 @@
                 <a:latin typeface="Arial" charset="0"/>
               </a:defRPr>
             </a:lvl8pPr>
-            <a:lvl9pPr marL="3886200" indent="-228600" defTabSz="3890963" eaLnBrk="0" fontAlgn="base" hangingPunct="0">
+            <a:lvl9pPr marL="3884402" indent="-228497" defTabSz="3889167" eaLnBrk="0" fontAlgn="base" hangingPunct="0">
               <a:spcBef>
                 <a:spcPct val="0"/>
               </a:spcBef>
@@ -1030,7 +1030,7 @@
         <p:txBody>
           <a:bodyPr/>
           <a:lstStyle>
-            <a:lvl1pPr defTabSz="3890963" eaLnBrk="0" hangingPunct="0">
+            <a:lvl1pPr defTabSz="3889167" eaLnBrk="0" hangingPunct="0">
               <a:defRPr>
                 <a:solidFill>
                   <a:schemeClr val="tx1"/>
@@ -1038,7 +1038,7 @@
                 <a:latin typeface="Arial" charset="0"/>
               </a:defRPr>
             </a:lvl1pPr>
-            <a:lvl2pPr marL="742950" indent="-285750" defTabSz="3890963" eaLnBrk="0" hangingPunct="0">
+            <a:lvl2pPr marL="742609" indent="-285618" defTabSz="3889167" eaLnBrk="0" hangingPunct="0">
               <a:defRPr>
                 <a:solidFill>
                   <a:schemeClr val="tx1"/>
@@ -1046,7 +1046,7 @@
                 <a:latin typeface="Arial" charset="0"/>
               </a:defRPr>
             </a:lvl2pPr>
-            <a:lvl3pPr marL="1143000" indent="-228600" defTabSz="3890963" eaLnBrk="0" hangingPunct="0">
+            <a:lvl3pPr marL="1142474" indent="-228497" defTabSz="3889167" eaLnBrk="0" hangingPunct="0">
               <a:defRPr>
                 <a:solidFill>
                   <a:schemeClr val="tx1"/>
@@ -1054,7 +1054,7 @@
                 <a:latin typeface="Arial" charset="0"/>
               </a:defRPr>
             </a:lvl3pPr>
-            <a:lvl4pPr marL="1600200" indent="-228600" defTabSz="3890963" eaLnBrk="0" hangingPunct="0">
+            <a:lvl4pPr marL="1599464" indent="-228497" defTabSz="3889167" eaLnBrk="0" hangingPunct="0">
               <a:defRPr>
                 <a:solidFill>
                   <a:schemeClr val="tx1"/>
@@ -1062,7 +1062,7 @@
                 <a:latin typeface="Arial" charset="0"/>
               </a:defRPr>
             </a:lvl4pPr>
-            <a:lvl5pPr marL="2057400" indent="-228600" defTabSz="3890963" eaLnBrk="0" hangingPunct="0">
+            <a:lvl5pPr marL="2056450" indent="-228497" defTabSz="3889167" eaLnBrk="0" hangingPunct="0">
               <a:defRPr>
                 <a:solidFill>
                   <a:schemeClr val="tx1"/>
@@ -1070,7 +1070,7 @@
                 <a:latin typeface="Arial" charset="0"/>
               </a:defRPr>
             </a:lvl5pPr>
-            <a:lvl6pPr marL="2514600" indent="-228600" defTabSz="3890963" eaLnBrk="0" fontAlgn="base" hangingPunct="0">
+            <a:lvl6pPr marL="2513436" indent="-228497" defTabSz="3889167" eaLnBrk="0" fontAlgn="base" hangingPunct="0">
               <a:spcBef>
                 <a:spcPct val="0"/>
               </a:spcBef>
@@ -1084,7 +1084,7 @@
                 <a:latin typeface="Arial" charset="0"/>
               </a:defRPr>
             </a:lvl6pPr>
-            <a:lvl7pPr marL="2971800" indent="-228600" defTabSz="3890963" eaLnBrk="0" fontAlgn="base" hangingPunct="0">
+            <a:lvl7pPr marL="2970426" indent="-228497" defTabSz="3889167" eaLnBrk="0" fontAlgn="base" hangingPunct="0">
               <a:spcBef>
                 <a:spcPct val="0"/>
               </a:spcBef>
@@ -1098,7 +1098,7 @@
                 <a:latin typeface="Arial" charset="0"/>
               </a:defRPr>
             </a:lvl7pPr>
-            <a:lvl8pPr marL="3429000" indent="-228600" defTabSz="3890963" eaLnBrk="0" fontAlgn="base" hangingPunct="0">
+            <a:lvl8pPr marL="3427416" indent="-228497" defTabSz="3889167" eaLnBrk="0" fontAlgn="base" hangingPunct="0">
               <a:spcBef>
                 <a:spcPct val="0"/>
               </a:spcBef>
@@ -1112,7 +1112,7 @@
                 <a:latin typeface="Arial" charset="0"/>
               </a:defRPr>
             </a:lvl8pPr>
-            <a:lvl9pPr marL="3886200" indent="-228600" defTabSz="3890963" eaLnBrk="0" fontAlgn="base" hangingPunct="0">
+            <a:lvl9pPr marL="3884402" indent="-228497" defTabSz="3889167" eaLnBrk="0" fontAlgn="base" hangingPunct="0">
               <a:spcBef>
                 <a:spcPct val="0"/>
               </a:spcBef>
@@ -5581,7 +5581,7 @@
           <p:nvPr>
             <p:extLst>
               <p:ext uri="{D42A27DB-BD31-4B8C-83A1-F6EECF244321}">
-                <p14:modId xmlns:p14="http://schemas.microsoft.com/office/powerpoint/2010/main" val="2729705586"/>
+                <p14:modId xmlns:p14="http://schemas.microsoft.com/office/powerpoint/2010/main" val="344888263"/>
               </p:ext>
             </p:extLst>
           </p:nvPr>
@@ -5706,12 +5706,6 @@
                         <a:buChar char="§"/>
                       </a:pPr>
                       <a:r>
-                        <a:rPr lang="de-CH" sz="4000" dirty="0" smtClean="0">
-                          <a:latin typeface="Calibri" pitchFamily="34" charset="0"/>
-                        </a:rPr>
-                        <a:t>Konzept für </a:t>
-                      </a:r>
-                      <a:r>
                         <a:rPr lang="de-CH" sz="4000" dirty="0" err="1" smtClean="0">
                           <a:latin typeface="Calibri" pitchFamily="34" charset="0"/>
                         </a:rPr>
@@ -5830,13 +5824,7 @@
                         <a:rPr lang="de-CH" sz="4000" dirty="0" smtClean="0">
                           <a:latin typeface="Calibri" pitchFamily="34" charset="0"/>
                         </a:rPr>
-                        <a:t>Web-App </a:t>
-                      </a:r>
-                      <a:r>
-                        <a:rPr lang="de-CH" sz="4000" dirty="0" smtClean="0">
-                          <a:latin typeface="Calibri" pitchFamily="34" charset="0"/>
-                        </a:rPr>
-                        <a:t>mit dem </a:t>
+                        <a:t>Web-App mit dem </a:t>
                       </a:r>
                       <a:r>
                         <a:rPr lang="de-CH" sz="4000" dirty="0" err="1" smtClean="0">
@@ -5848,23 +5836,8 @@
                         <a:rPr lang="de-CH" sz="4000" baseline="0" dirty="0" smtClean="0">
                           <a:latin typeface="Calibri" pitchFamily="34" charset="0"/>
                         </a:rPr>
-                        <a:t> </a:t>
+                        <a:t> Touch 2 Framework erstellt</a:t>
                       </a:r>
-                      <a:r>
-                        <a:rPr lang="de-CH" sz="4000" baseline="0" dirty="0" smtClean="0">
-                          <a:latin typeface="Calibri" pitchFamily="34" charset="0"/>
-                        </a:rPr>
-                        <a:t>Touch 2 </a:t>
-                      </a:r>
-                      <a:r>
-                        <a:rPr lang="de-CH" sz="4000" baseline="0" dirty="0" smtClean="0">
-                          <a:latin typeface="Calibri" pitchFamily="34" charset="0"/>
-                        </a:rPr>
-                        <a:t>Framework erstellt</a:t>
-                      </a:r>
-                      <a:endParaRPr lang="de-CH" sz="4000" baseline="0" dirty="0" smtClean="0">
-                        <a:latin typeface="Calibri" pitchFamily="34" charset="0"/>
-                      </a:endParaRPr>
                     </a:p>
                     <a:p>
                       <a:pPr marL="571500" indent="-571500">
@@ -5985,7 +5958,7 @@
           <p:nvPr>
             <p:extLst>
               <p:ext uri="{D42A27DB-BD31-4B8C-83A1-F6EECF244321}">
-                <p14:modId xmlns:p14="http://schemas.microsoft.com/office/powerpoint/2010/main" val="613611051"/>
+                <p14:modId xmlns:p14="http://schemas.microsoft.com/office/powerpoint/2010/main" val="3785393656"/>
               </p:ext>
             </p:extLst>
           </p:nvPr>
@@ -6113,7 +6086,31 @@
                         <a:rPr lang="de-CH" sz="4000" dirty="0" smtClean="0">
                           <a:latin typeface="Calibri" pitchFamily="34" charset="0"/>
                         </a:rPr>
-                        <a:t>Login mit Google </a:t>
+                        <a:t>Login mit </a:t>
+                      </a:r>
+                      <a:r>
+                        <a:rPr lang="de-CH" sz="4000" dirty="0" err="1" smtClean="0">
+                          <a:latin typeface="Calibri" pitchFamily="34" charset="0"/>
+                        </a:rPr>
+                        <a:t>OpenStreetMap</a:t>
+                      </a:r>
+                      <a:r>
+                        <a:rPr lang="de-CH" sz="4000" dirty="0" smtClean="0">
+                          <a:latin typeface="Calibri" pitchFamily="34" charset="0"/>
+                        </a:rPr>
+                        <a:t>-</a:t>
+                      </a:r>
+                      <a:r>
+                        <a:rPr lang="de-CH" sz="4000" baseline="0" dirty="0" smtClean="0">
+                          <a:latin typeface="Calibri" pitchFamily="34" charset="0"/>
+                        </a:rPr>
+                        <a:t> und </a:t>
+                      </a:r>
+                      <a:r>
+                        <a:rPr lang="de-CH" sz="4000" dirty="0" smtClean="0">
+                          <a:latin typeface="Calibri" pitchFamily="34" charset="0"/>
+                        </a:rPr>
+                        <a:t>Google-</a:t>
                       </a:r>
                       <a:r>
                         <a:rPr lang="de-CH" sz="4000" dirty="0" err="1" smtClean="0">
@@ -6179,7 +6176,7 @@
                         <a:rPr lang="de-CH" sz="4000" baseline="0" dirty="0" smtClean="0">
                           <a:latin typeface="Calibri" pitchFamily="34" charset="0"/>
                         </a:rPr>
-                        <a:t> um sich mit anderen Spielern zu messen</a:t>
+                        <a:t>, um sich mit anderen Spielern zu messen</a:t>
                       </a:r>
                     </a:p>
                     <a:p>
@@ -6194,7 +6191,7 @@
                         <a:rPr lang="de-CH" sz="4000" baseline="0" dirty="0" smtClean="0">
                           <a:latin typeface="Calibri" pitchFamily="34" charset="0"/>
                         </a:rPr>
-                        <a:t>Ansicht seines eigenen Profils (Gewonnene Punkte / Auszeichnungen)</a:t>
+                        <a:t>Ansicht seines eigenen Profils (gewonnene Punkte / Auszeichnungen)</a:t>
                       </a:r>
                       <a:endParaRPr lang="de-CH" sz="3000" baseline="0" dirty="0" smtClean="0">
                         <a:latin typeface="Calibri" pitchFamily="34" charset="0"/>
@@ -6217,7 +6214,7 @@
           <p:nvPr>
             <p:extLst>
               <p:ext uri="{D42A27DB-BD31-4B8C-83A1-F6EECF244321}">
-                <p14:modId xmlns:p14="http://schemas.microsoft.com/office/powerpoint/2010/main" val="1681586532"/>
+                <p14:modId xmlns:p14="http://schemas.microsoft.com/office/powerpoint/2010/main" val="3392478990"/>
               </p:ext>
             </p:extLst>
           </p:nvPr>
@@ -6329,19 +6326,7 @@
                         <a:rPr lang="de-CH" sz="4000" baseline="0" dirty="0" smtClean="0">
                           <a:latin typeface="Calibri" pitchFamily="34" charset="0"/>
                         </a:rPr>
-                        <a:t> versteht man das Hinzufügen von </a:t>
-                      </a:r>
-                      <a:r>
-                        <a:rPr lang="de-CH" sz="4000" baseline="0" dirty="0" smtClean="0">
-                          <a:latin typeface="Calibri" pitchFamily="34" charset="0"/>
-                        </a:rPr>
-                        <a:t>Spiel-Elementen </a:t>
-                      </a:r>
-                      <a:r>
-                        <a:rPr lang="de-CH" sz="4000" baseline="0" dirty="0" smtClean="0">
-                          <a:latin typeface="Calibri" pitchFamily="34" charset="0"/>
-                        </a:rPr>
-                        <a:t>in einen nicht-spieltypischen Kontext. Dadurch soll die Motivation der Benutzer erhöht werden die App längerfristig zu verwenden.</a:t>
+                        <a:t> versteht man das Hinzufügen von Spiel-Elementen in einen nicht-spieltypischen Kontext. Dadurch soll die Motivation der Benutzer erhöht werden, die App längerfristig zu verwenden.</a:t>
                       </a:r>
                     </a:p>
                     <a:p>
@@ -7158,7 +7143,7 @@
       </p:sp>
       <p:pic>
         <p:nvPicPr>
-          <p:cNvPr id="1039" name="Picture 15" descr="D:\xampp\htdocs\kort\_DOCUMENTATION\05_Poster\images\kort-big_picture.png"/>
+          <p:cNvPr id="1047" name="Picture 23" descr="http://suvendugiri.files.wordpress.com/2012/02/checkbox.png?w=604"/>
           <p:cNvPicPr>
             <a:picLocks noChangeAspect="1" noChangeArrowheads="1"/>
           </p:cNvPicPr>
@@ -7166,47 +7151,6 @@
         </p:nvPicPr>
         <p:blipFill>
           <a:blip r:embed="rId18">
-            <a:extLst>
-              <a:ext uri="{28A0092B-C50C-407E-A947-70E740481C1C}">
-                <a14:useLocalDpi xmlns:a14="http://schemas.microsoft.com/office/drawing/2010/main" val="0"/>
-              </a:ext>
-            </a:extLst>
-          </a:blip>
-          <a:srcRect/>
-          <a:stretch>
-            <a:fillRect/>
-          </a:stretch>
-        </p:blipFill>
-        <p:spPr bwMode="auto">
-          <a:xfrm>
-            <a:off x="16478021" y="14203857"/>
-            <a:ext cx="12775331" cy="14650717"/>
-          </a:xfrm>
-          <a:prstGeom prst="rect">
-            <a:avLst/>
-          </a:prstGeom>
-          <a:noFill/>
-          <a:extLst>
-            <a:ext uri="{909E8E84-426E-40DD-AFC4-6F175D3DCCD1}">
-              <a14:hiddenFill xmlns:a14="http://schemas.microsoft.com/office/drawing/2010/main">
-                <a:solidFill>
-                  <a:srgbClr val="FFFFFF"/>
-                </a:solidFill>
-              </a14:hiddenFill>
-            </a:ext>
-          </a:extLst>
-        </p:spPr>
-      </p:pic>
-      <p:pic>
-        <p:nvPicPr>
-          <p:cNvPr id="1047" name="Picture 23" descr="http://suvendugiri.files.wordpress.com/2012/02/checkbox.png?w=604"/>
-          <p:cNvPicPr>
-            <a:picLocks noChangeAspect="1" noChangeArrowheads="1"/>
-          </p:cNvPicPr>
-          <p:nvPr/>
-        </p:nvPicPr>
-        <p:blipFill>
-          <a:blip r:embed="rId19">
             <a:extLst>
               <a:ext uri="{28A0092B-C50C-407E-A947-70E740481C1C}">
                 <a14:useLocalDpi xmlns:a14="http://schemas.microsoft.com/office/drawing/2010/main" val="0"/>
@@ -7312,7 +7256,7 @@
           <p:nvPr/>
         </p:nvPicPr>
         <p:blipFill>
-          <a:blip r:embed="rId20">
+          <a:blip r:embed="rId19">
             <a:extLst>
               <a:ext uri="{28A0092B-C50C-407E-A947-70E740481C1C}">
                 <a14:useLocalDpi xmlns:a14="http://schemas.microsoft.com/office/drawing/2010/main" val="0"/>
@@ -7353,7 +7297,7 @@
           <p:nvPr/>
         </p:nvPicPr>
         <p:blipFill>
-          <a:blip r:embed="rId21" cstate="print">
+          <a:blip r:embed="rId20" cstate="print">
             <a:extLst>
               <a:ext uri="{28A0092B-C50C-407E-A947-70E740481C1C}">
                 <a14:useLocalDpi xmlns:a14="http://schemas.microsoft.com/office/drawing/2010/main" val="0"/>
@@ -7394,7 +7338,7 @@
           <p:nvPr/>
         </p:nvPicPr>
         <p:blipFill>
-          <a:blip r:embed="rId22" cstate="print">
+          <a:blip r:embed="rId21" cstate="print">
             <a:extLst>
               <a:ext uri="{28A0092B-C50C-407E-A947-70E740481C1C}">
                 <a14:useLocalDpi xmlns:a14="http://schemas.microsoft.com/office/drawing/2010/main" val="0"/>
@@ -7410,6 +7354,47 @@
           <a:xfrm>
             <a:off x="22278253" y="1989225"/>
             <a:ext cx="2294449" cy="3059265"/>
+          </a:xfrm>
+          <a:prstGeom prst="rect">
+            <a:avLst/>
+          </a:prstGeom>
+          <a:noFill/>
+          <a:extLst>
+            <a:ext uri="{909E8E84-426E-40DD-AFC4-6F175D3DCCD1}">
+              <a14:hiddenFill xmlns:a14="http://schemas.microsoft.com/office/drawing/2010/main">
+                <a:solidFill>
+                  <a:srgbClr val="FFFFFF"/>
+                </a:solidFill>
+              </a14:hiddenFill>
+            </a:ext>
+          </a:extLst>
+        </p:spPr>
+      </p:pic>
+      <p:pic>
+        <p:nvPicPr>
+          <p:cNvPr id="9" name="Picture 2" descr="D:\xampp\htdocs\kort\_DOCUMENTATION\05_Poster\images\kort-big_picture.png"/>
+          <p:cNvPicPr>
+            <a:picLocks noChangeAspect="1" noChangeArrowheads="1"/>
+          </p:cNvPicPr>
+          <p:nvPr/>
+        </p:nvPicPr>
+        <p:blipFill>
+          <a:blip r:embed="rId22">
+            <a:extLst>
+              <a:ext uri="{28A0092B-C50C-407E-A947-70E740481C1C}">
+                <a14:useLocalDpi xmlns:a14="http://schemas.microsoft.com/office/drawing/2010/main" val="0"/>
+              </a:ext>
+            </a:extLst>
+          </a:blip>
+          <a:srcRect/>
+          <a:stretch>
+            <a:fillRect/>
+          </a:stretch>
+        </p:blipFill>
+        <p:spPr bwMode="auto">
+          <a:xfrm>
+            <a:off x="16309952" y="13987827"/>
+            <a:ext cx="12871390" cy="14760877"/>
           </a:xfrm>
           <a:prstGeom prst="rect">
             <a:avLst/>
